--- a/Interpreters from the Trenches - handout.pptx
+++ b/Interpreters from the Trenches - handout.pptx
@@ -288,7 +288,8 @@
           <a:p>
             <a:fld id="{573CCEAB-AADC-4908-99DE-6A25E4682A83}" type="datetimeFigureOut">
               <a:rPr lang="en-US" smtClean="0"/>
-              <a:t>9/27/2015</a:t>
+              <a:pPr/>
+              <a:t>10/9/2015</a:t>
             </a:fld>
             <a:endParaRPr lang="en-US"/>
           </a:p>
@@ -330,6 +331,7 @@
           <a:p>
             <a:fld id="{773D3EE4-96C3-4842-A252-14153AEC730C}" type="slidenum">
               <a:rPr lang="en-US" smtClean="0"/>
+              <a:pPr/>
               <a:t>‹#›</a:t>
             </a:fld>
             <a:endParaRPr lang="en-US"/>
@@ -453,7 +455,8 @@
           <a:p>
             <a:fld id="{573CCEAB-AADC-4908-99DE-6A25E4682A83}" type="datetimeFigureOut">
               <a:rPr lang="en-US" smtClean="0"/>
-              <a:t>9/27/2015</a:t>
+              <a:pPr/>
+              <a:t>10/9/2015</a:t>
             </a:fld>
             <a:endParaRPr lang="en-US"/>
           </a:p>
@@ -495,6 +498,7 @@
           <a:p>
             <a:fld id="{773D3EE4-96C3-4842-A252-14153AEC730C}" type="slidenum">
               <a:rPr lang="en-US" smtClean="0"/>
+              <a:pPr/>
               <a:t>‹#›</a:t>
             </a:fld>
             <a:endParaRPr lang="en-US"/>
@@ -628,7 +632,8 @@
           <a:p>
             <a:fld id="{573CCEAB-AADC-4908-99DE-6A25E4682A83}" type="datetimeFigureOut">
               <a:rPr lang="en-US" smtClean="0"/>
-              <a:t>9/27/2015</a:t>
+              <a:pPr/>
+              <a:t>10/9/2015</a:t>
             </a:fld>
             <a:endParaRPr lang="en-US"/>
           </a:p>
@@ -670,6 +675,7 @@
           <a:p>
             <a:fld id="{773D3EE4-96C3-4842-A252-14153AEC730C}" type="slidenum">
               <a:rPr lang="en-US" smtClean="0"/>
+              <a:pPr/>
               <a:t>‹#›</a:t>
             </a:fld>
             <a:endParaRPr lang="en-US"/>
@@ -793,7 +799,8 @@
           <a:p>
             <a:fld id="{573CCEAB-AADC-4908-99DE-6A25E4682A83}" type="datetimeFigureOut">
               <a:rPr lang="en-US" smtClean="0"/>
-              <a:t>9/27/2015</a:t>
+              <a:pPr/>
+              <a:t>10/9/2015</a:t>
             </a:fld>
             <a:endParaRPr lang="en-US"/>
           </a:p>
@@ -835,6 +842,7 @@
           <a:p>
             <a:fld id="{773D3EE4-96C3-4842-A252-14153AEC730C}" type="slidenum">
               <a:rPr lang="en-US" smtClean="0"/>
+              <a:pPr/>
               <a:t>‹#›</a:t>
             </a:fld>
             <a:endParaRPr lang="en-US"/>
@@ -1034,7 +1042,8 @@
           <a:p>
             <a:fld id="{573CCEAB-AADC-4908-99DE-6A25E4682A83}" type="datetimeFigureOut">
               <a:rPr lang="en-US" smtClean="0"/>
-              <a:t>9/27/2015</a:t>
+              <a:pPr/>
+              <a:t>10/9/2015</a:t>
             </a:fld>
             <a:endParaRPr lang="en-US"/>
           </a:p>
@@ -1076,6 +1085,7 @@
           <a:p>
             <a:fld id="{773D3EE4-96C3-4842-A252-14153AEC730C}" type="slidenum">
               <a:rPr lang="en-US" smtClean="0"/>
+              <a:pPr/>
               <a:t>‹#›</a:t>
             </a:fld>
             <a:endParaRPr lang="en-US"/>
@@ -1317,7 +1327,8 @@
           <a:p>
             <a:fld id="{573CCEAB-AADC-4908-99DE-6A25E4682A83}" type="datetimeFigureOut">
               <a:rPr lang="en-US" smtClean="0"/>
-              <a:t>9/27/2015</a:t>
+              <a:pPr/>
+              <a:t>10/9/2015</a:t>
             </a:fld>
             <a:endParaRPr lang="en-US"/>
           </a:p>
@@ -1359,6 +1370,7 @@
           <a:p>
             <a:fld id="{773D3EE4-96C3-4842-A252-14153AEC730C}" type="slidenum">
               <a:rPr lang="en-US" smtClean="0"/>
+              <a:pPr/>
               <a:t>‹#›</a:t>
             </a:fld>
             <a:endParaRPr lang="en-US"/>
@@ -1739,7 +1751,8 @@
           <a:p>
             <a:fld id="{573CCEAB-AADC-4908-99DE-6A25E4682A83}" type="datetimeFigureOut">
               <a:rPr lang="en-US" smtClean="0"/>
-              <a:t>9/27/2015</a:t>
+              <a:pPr/>
+              <a:t>10/9/2015</a:t>
             </a:fld>
             <a:endParaRPr lang="en-US"/>
           </a:p>
@@ -1781,6 +1794,7 @@
           <a:p>
             <a:fld id="{773D3EE4-96C3-4842-A252-14153AEC730C}" type="slidenum">
               <a:rPr lang="en-US" smtClean="0"/>
+              <a:pPr/>
               <a:t>‹#›</a:t>
             </a:fld>
             <a:endParaRPr lang="en-US"/>
@@ -1852,7 +1866,8 @@
           <a:p>
             <a:fld id="{573CCEAB-AADC-4908-99DE-6A25E4682A83}" type="datetimeFigureOut">
               <a:rPr lang="en-US" smtClean="0"/>
-              <a:t>9/27/2015</a:t>
+              <a:pPr/>
+              <a:t>10/9/2015</a:t>
             </a:fld>
             <a:endParaRPr lang="en-US"/>
           </a:p>
@@ -1894,6 +1909,7 @@
           <a:p>
             <a:fld id="{773D3EE4-96C3-4842-A252-14153AEC730C}" type="slidenum">
               <a:rPr lang="en-US" smtClean="0"/>
+              <a:pPr/>
               <a:t>‹#›</a:t>
             </a:fld>
             <a:endParaRPr lang="en-US"/>
@@ -1942,7 +1958,8 @@
           <a:p>
             <a:fld id="{573CCEAB-AADC-4908-99DE-6A25E4682A83}" type="datetimeFigureOut">
               <a:rPr lang="en-US" smtClean="0"/>
-              <a:t>9/27/2015</a:t>
+              <a:pPr/>
+              <a:t>10/9/2015</a:t>
             </a:fld>
             <a:endParaRPr lang="en-US"/>
           </a:p>
@@ -1984,6 +2001,7 @@
           <a:p>
             <a:fld id="{773D3EE4-96C3-4842-A252-14153AEC730C}" type="slidenum">
               <a:rPr lang="en-US" smtClean="0"/>
+              <a:pPr/>
               <a:t>‹#›</a:t>
             </a:fld>
             <a:endParaRPr lang="en-US"/>
@@ -2214,7 +2232,8 @@
           <a:p>
             <a:fld id="{573CCEAB-AADC-4908-99DE-6A25E4682A83}" type="datetimeFigureOut">
               <a:rPr lang="en-US" smtClean="0"/>
-              <a:t>9/27/2015</a:t>
+              <a:pPr/>
+              <a:t>10/9/2015</a:t>
             </a:fld>
             <a:endParaRPr lang="en-US"/>
           </a:p>
@@ -2256,6 +2275,7 @@
           <a:p>
             <a:fld id="{773D3EE4-96C3-4842-A252-14153AEC730C}" type="slidenum">
               <a:rPr lang="en-US" smtClean="0"/>
+              <a:pPr/>
               <a:t>‹#›</a:t>
             </a:fld>
             <a:endParaRPr lang="en-US"/>
@@ -2462,7 +2482,8 @@
           <a:p>
             <a:fld id="{573CCEAB-AADC-4908-99DE-6A25E4682A83}" type="datetimeFigureOut">
               <a:rPr lang="en-US" smtClean="0"/>
-              <a:t>9/27/2015</a:t>
+              <a:pPr/>
+              <a:t>10/9/2015</a:t>
             </a:fld>
             <a:endParaRPr lang="en-US"/>
           </a:p>
@@ -2504,6 +2525,7 @@
           <a:p>
             <a:fld id="{773D3EE4-96C3-4842-A252-14153AEC730C}" type="slidenum">
               <a:rPr lang="en-US" smtClean="0"/>
+              <a:pPr/>
               <a:t>‹#›</a:t>
             </a:fld>
             <a:endParaRPr lang="en-US"/>
@@ -2670,7 +2692,8 @@
           <a:p>
             <a:fld id="{573CCEAB-AADC-4908-99DE-6A25E4682A83}" type="datetimeFigureOut">
               <a:rPr lang="en-US" smtClean="0"/>
-              <a:t>9/27/2015</a:t>
+              <a:pPr/>
+              <a:t>10/9/2015</a:t>
             </a:fld>
             <a:endParaRPr lang="en-US"/>
           </a:p>
@@ -2748,6 +2771,7 @@
           <a:p>
             <a:fld id="{773D3EE4-96C3-4842-A252-14153AEC730C}" type="slidenum">
               <a:rPr lang="en-US" smtClean="0"/>
+              <a:pPr/>
               <a:t>‹#›</a:t>
             </a:fld>
             <a:endParaRPr lang="en-US"/>
@@ -3042,6 +3066,76 @@
       </p:grpSpPr>
       <p:sp>
         <p:nvSpPr>
+          <p:cNvPr id="37" name="Rectangle 36"/>
+          <p:cNvSpPr/>
+          <p:nvPr/>
+        </p:nvSpPr>
+        <p:spPr>
+          <a:xfrm>
+            <a:off x="4038600" y="1905000"/>
+            <a:ext cx="1066800" cy="1295400"/>
+          </a:xfrm>
+          <a:prstGeom prst="rect">
+            <a:avLst/>
+          </a:prstGeom>
+          <a:solidFill>
+            <a:srgbClr val="FFFFFF"/>
+          </a:solidFill>
+          <a:ln w="9525">
+            <a:solidFill>
+              <a:srgbClr val="000000"/>
+            </a:solidFill>
+            <a:prstDash val="solid"/>
+          </a:ln>
+          <a:effectLst>
+            <a:outerShdw dist="38099" dir="2700015">
+              <a:srgbClr val="000000"/>
+            </a:outerShdw>
+          </a:effectLst>
+        </p:spPr>
+        <p:style>
+          <a:lnRef idx="2">
+            <a:schemeClr val="accent1">
+              <a:shade val="50000"/>
+            </a:schemeClr>
+          </a:lnRef>
+          <a:fillRef idx="1">
+            <a:schemeClr val="accent1"/>
+          </a:fillRef>
+          <a:effectRef idx="0">
+            <a:schemeClr val="accent1"/>
+          </a:effectRef>
+          <a:fontRef idx="minor">
+            <a:schemeClr val="lt1"/>
+          </a:fontRef>
+        </p:style>
+        <p:txBody>
+          <a:bodyPr rtlCol="0" anchor="t" anchorCtr="0"/>
+          <a:lstStyle/>
+          <a:p>
+            <a:pPr algn="ctr"/>
+            <a:r>
+              <a:rPr lang="en-US" sz="1600" dirty="0" err="1" smtClean="0">
+                <a:solidFill>
+                  <a:schemeClr val="tx1"/>
+                </a:solidFill>
+                <a:latin typeface="Arial" pitchFamily="34" charset="0"/>
+                <a:cs typeface="Arial" pitchFamily="34" charset="0"/>
+              </a:rPr>
+              <a:t>interp</a:t>
+            </a:r>
+            <a:endParaRPr lang="en-US" sz="1600" dirty="0">
+              <a:solidFill>
+                <a:schemeClr val="tx1"/>
+              </a:solidFill>
+              <a:latin typeface="Arial" pitchFamily="34" charset="0"/>
+              <a:cs typeface="Arial" pitchFamily="34" charset="0"/>
+            </a:endParaRPr>
+          </a:p>
+        </p:txBody>
+      </p:sp>
+      <p:sp>
+        <p:nvSpPr>
           <p:cNvPr id="4" name="TextBox 3"/>
           <p:cNvSpPr txBox="1"/>
           <p:nvPr/>
@@ -3251,7 +3345,7 @@
         </p:nvSpPr>
         <p:spPr>
           <a:xfrm>
-            <a:off x="2907930" y="6781800"/>
+            <a:off x="2907930" y="6617934"/>
             <a:ext cx="1956561" cy="240066"/>
           </a:xfrm>
           <a:prstGeom prst="rect">
@@ -3274,13 +3368,7 @@
               <a:rPr lang="en-US" sz="1200" i="1" dirty="0" smtClean="0">
                 <a:latin typeface="Arial"/>
               </a:rPr>
-              <a:t>Keeping </a:t>
-            </a:r>
-            <a:r>
-              <a:rPr lang="en-US" sz="1200" i="1" smtClean="0">
-                <a:latin typeface="Arial"/>
-              </a:rPr>
-              <a:t>Everything Straight</a:t>
+              <a:t>Keeping Everything Straight</a:t>
             </a:r>
             <a:endParaRPr lang="en-US" sz="1200" i="1" dirty="0">
               <a:latin typeface="Arial"/>
@@ -3288,6 +3376,2881 @@
           </a:p>
         </p:txBody>
       </p:sp>
+      <p:sp>
+        <p:nvSpPr>
+          <p:cNvPr id="9" name="TextBox 8"/>
+          <p:cNvSpPr txBox="1"/>
+          <p:nvPr/>
+        </p:nvSpPr>
+        <p:spPr>
+          <a:xfrm>
+            <a:off x="2010841" y="7379934"/>
+            <a:ext cx="3750771" cy="240066"/>
+          </a:xfrm>
+          <a:prstGeom prst="rect">
+            <a:avLst/>
+          </a:prstGeom>
+          <a:noFill/>
+          <a:ln w="9525">
+            <a:noFill/>
+            <a:prstDash val="solid"/>
+          </a:ln>
+        </p:spPr>
+        <p:txBody>
+          <a:bodyPr vert="horz" wrap="none" lIns="27432" tIns="27432" rIns="27432" bIns="27432" rtlCol="0" anchor="ctr" anchorCtr="0">
+            <a:spAutoFit/>
+          </a:bodyPr>
+          <a:lstStyle/>
+          <a:p>
+            <a:pPr algn="ctr"/>
+            <a:r>
+              <a:rPr lang="en-US" sz="1200" i="1" dirty="0" smtClean="0">
+                <a:latin typeface="Arial"/>
+              </a:rPr>
+              <a:t>Multiline REPL – how do you know when you’re done?</a:t>
+            </a:r>
+            <a:endParaRPr lang="en-US" sz="1200" i="1" dirty="0">
+              <a:latin typeface="Arial"/>
+            </a:endParaRPr>
+          </a:p>
+        </p:txBody>
+      </p:sp>
+      <p:sp>
+        <p:nvSpPr>
+          <p:cNvPr id="10" name="TextBox 9"/>
+          <p:cNvSpPr txBox="1"/>
+          <p:nvPr/>
+        </p:nvSpPr>
+        <p:spPr>
+          <a:xfrm>
+            <a:off x="1672027" y="8522934"/>
+            <a:ext cx="4428393" cy="240066"/>
+          </a:xfrm>
+          <a:prstGeom prst="rect">
+            <a:avLst/>
+          </a:prstGeom>
+          <a:noFill/>
+          <a:ln w="9525">
+            <a:noFill/>
+            <a:prstDash val="solid"/>
+          </a:ln>
+        </p:spPr>
+        <p:txBody>
+          <a:bodyPr vert="horz" wrap="none" lIns="27432" tIns="27432" rIns="27432" bIns="27432" rtlCol="0" anchor="ctr" anchorCtr="0">
+            <a:spAutoFit/>
+          </a:bodyPr>
+          <a:lstStyle/>
+          <a:p>
+            <a:pPr algn="ctr"/>
+            <a:r>
+              <a:rPr lang="en-US" sz="1200" i="1" dirty="0" smtClean="0">
+                <a:latin typeface="Arial"/>
+              </a:rPr>
+              <a:t>Keeping going after syntax errors – unwinding partial commands</a:t>
+            </a:r>
+            <a:endParaRPr lang="en-US" sz="1200" i="1" dirty="0">
+              <a:latin typeface="Arial"/>
+            </a:endParaRPr>
+          </a:p>
+        </p:txBody>
+      </p:sp>
+      <p:sp>
+        <p:nvSpPr>
+          <p:cNvPr id="11" name="Rectangle 10"/>
+          <p:cNvSpPr/>
+          <p:nvPr/>
+        </p:nvSpPr>
+        <p:spPr>
+          <a:xfrm>
+            <a:off x="1295400" y="2209800"/>
+            <a:ext cx="304800" cy="304800"/>
+          </a:xfrm>
+          <a:prstGeom prst="rect">
+            <a:avLst/>
+          </a:prstGeom>
+          <a:solidFill>
+            <a:srgbClr val="FFFFFF"/>
+          </a:solidFill>
+          <a:ln w="9525">
+            <a:solidFill>
+              <a:srgbClr val="000000"/>
+            </a:solidFill>
+            <a:prstDash val="solid"/>
+          </a:ln>
+          <a:effectLst>
+            <a:outerShdw dist="38099" dir="2700015">
+              <a:srgbClr val="000000"/>
+            </a:outerShdw>
+          </a:effectLst>
+        </p:spPr>
+        <p:style>
+          <a:lnRef idx="2">
+            <a:schemeClr val="accent1">
+              <a:shade val="50000"/>
+            </a:schemeClr>
+          </a:lnRef>
+          <a:fillRef idx="1">
+            <a:schemeClr val="accent1"/>
+          </a:fillRef>
+          <a:effectRef idx="0">
+            <a:schemeClr val="accent1"/>
+          </a:effectRef>
+          <a:fontRef idx="minor">
+            <a:schemeClr val="lt1"/>
+          </a:fontRef>
+        </p:style>
+        <p:txBody>
+          <a:bodyPr rtlCol="0" anchor="ctr"/>
+          <a:lstStyle/>
+          <a:p>
+            <a:pPr algn="ctr"/>
+            <a:r>
+              <a:rPr lang="en-US" sz="1600" dirty="0" smtClean="0">
+                <a:solidFill>
+                  <a:schemeClr val="tx1"/>
+                </a:solidFill>
+                <a:latin typeface="Arial" pitchFamily="34" charset="0"/>
+                <a:cs typeface="Arial" pitchFamily="34" charset="0"/>
+              </a:rPr>
+              <a:t>+</a:t>
+            </a:r>
+            <a:endParaRPr lang="en-US" sz="1600" dirty="0">
+              <a:solidFill>
+                <a:schemeClr val="tx1"/>
+              </a:solidFill>
+              <a:latin typeface="Arial" pitchFamily="34" charset="0"/>
+              <a:cs typeface="Arial" pitchFamily="34" charset="0"/>
+            </a:endParaRPr>
+          </a:p>
+        </p:txBody>
+      </p:sp>
+      <p:sp>
+        <p:nvSpPr>
+          <p:cNvPr id="12" name="Rectangle 11"/>
+          <p:cNvSpPr/>
+          <p:nvPr/>
+        </p:nvSpPr>
+        <p:spPr>
+          <a:xfrm>
+            <a:off x="1600200" y="2209800"/>
+            <a:ext cx="762000" cy="304800"/>
+          </a:xfrm>
+          <a:prstGeom prst="rect">
+            <a:avLst/>
+          </a:prstGeom>
+          <a:solidFill>
+            <a:srgbClr val="FFFFFF"/>
+          </a:solidFill>
+          <a:ln w="9525">
+            <a:solidFill>
+              <a:srgbClr val="000000"/>
+            </a:solidFill>
+            <a:prstDash val="solid"/>
+          </a:ln>
+          <a:effectLst>
+            <a:outerShdw dist="38099" dir="2700015">
+              <a:srgbClr val="000000"/>
+            </a:outerShdw>
+          </a:effectLst>
+        </p:spPr>
+        <p:style>
+          <a:lnRef idx="2">
+            <a:schemeClr val="accent1">
+              <a:shade val="50000"/>
+            </a:schemeClr>
+          </a:lnRef>
+          <a:fillRef idx="1">
+            <a:schemeClr val="accent1"/>
+          </a:fillRef>
+          <a:effectRef idx="0">
+            <a:schemeClr val="accent1"/>
+          </a:effectRef>
+          <a:fontRef idx="minor">
+            <a:schemeClr val="lt1"/>
+          </a:fontRef>
+        </p:style>
+        <p:txBody>
+          <a:bodyPr rtlCol="0" anchor="ctr"/>
+          <a:lstStyle/>
+          <a:p>
+            <a:pPr algn="ctr"/>
+            <a:r>
+              <a:rPr lang="en-US" sz="1600" dirty="0" smtClean="0">
+                <a:solidFill>
+                  <a:schemeClr val="tx1"/>
+                </a:solidFill>
+                <a:latin typeface="Arial" pitchFamily="34" charset="0"/>
+                <a:cs typeface="Arial" pitchFamily="34" charset="0"/>
+              </a:rPr>
+              <a:t>x op y</a:t>
+            </a:r>
+            <a:endParaRPr lang="en-US" sz="1600" dirty="0">
+              <a:solidFill>
+                <a:schemeClr val="tx1"/>
+              </a:solidFill>
+              <a:latin typeface="Arial" pitchFamily="34" charset="0"/>
+              <a:cs typeface="Arial" pitchFamily="34" charset="0"/>
+            </a:endParaRPr>
+          </a:p>
+        </p:txBody>
+      </p:sp>
+      <p:sp>
+        <p:nvSpPr>
+          <p:cNvPr id="13" name="Rectangle 12"/>
+          <p:cNvSpPr/>
+          <p:nvPr/>
+        </p:nvSpPr>
+        <p:spPr>
+          <a:xfrm>
+            <a:off x="838200" y="2895600"/>
+            <a:ext cx="304800" cy="304800"/>
+          </a:xfrm>
+          <a:prstGeom prst="rect">
+            <a:avLst/>
+          </a:prstGeom>
+          <a:solidFill>
+            <a:srgbClr val="FFFFFF"/>
+          </a:solidFill>
+          <a:ln w="9525">
+            <a:solidFill>
+              <a:srgbClr val="000000"/>
+            </a:solidFill>
+            <a:prstDash val="solid"/>
+          </a:ln>
+          <a:effectLst>
+            <a:outerShdw dist="38099" dir="2700015">
+              <a:srgbClr val="000000"/>
+            </a:outerShdw>
+          </a:effectLst>
+        </p:spPr>
+        <p:style>
+          <a:lnRef idx="2">
+            <a:schemeClr val="accent1">
+              <a:shade val="50000"/>
+            </a:schemeClr>
+          </a:lnRef>
+          <a:fillRef idx="1">
+            <a:schemeClr val="accent1"/>
+          </a:fillRef>
+          <a:effectRef idx="0">
+            <a:schemeClr val="accent1"/>
+          </a:effectRef>
+          <a:fontRef idx="minor">
+            <a:schemeClr val="lt1"/>
+          </a:fontRef>
+        </p:style>
+        <p:txBody>
+          <a:bodyPr rtlCol="0" anchor="ctr"/>
+          <a:lstStyle/>
+          <a:p>
+            <a:pPr algn="ctr"/>
+            <a:r>
+              <a:rPr lang="en-US" sz="1600" dirty="0" smtClean="0">
+                <a:solidFill>
+                  <a:schemeClr val="tx1"/>
+                </a:solidFill>
+                <a:latin typeface="Arial" pitchFamily="34" charset="0"/>
+                <a:cs typeface="Arial" pitchFamily="34" charset="0"/>
+              </a:rPr>
+              <a:t>4</a:t>
+            </a:r>
+            <a:endParaRPr lang="en-US" sz="1600" dirty="0">
+              <a:solidFill>
+                <a:schemeClr val="tx1"/>
+              </a:solidFill>
+              <a:latin typeface="Arial" pitchFamily="34" charset="0"/>
+              <a:cs typeface="Arial" pitchFamily="34" charset="0"/>
+            </a:endParaRPr>
+          </a:p>
+        </p:txBody>
+      </p:sp>
+      <p:sp>
+        <p:nvSpPr>
+          <p:cNvPr id="14" name="Rectangle 13"/>
+          <p:cNvSpPr/>
+          <p:nvPr/>
+        </p:nvSpPr>
+        <p:spPr>
+          <a:xfrm>
+            <a:off x="1143000" y="2895600"/>
+            <a:ext cx="762000" cy="304800"/>
+          </a:xfrm>
+          <a:prstGeom prst="rect">
+            <a:avLst/>
+          </a:prstGeom>
+          <a:solidFill>
+            <a:srgbClr val="FFFFFF"/>
+          </a:solidFill>
+          <a:ln w="9525">
+            <a:solidFill>
+              <a:srgbClr val="000000"/>
+            </a:solidFill>
+            <a:prstDash val="solid"/>
+          </a:ln>
+          <a:effectLst>
+            <a:outerShdw dist="38099" dir="2700015">
+              <a:srgbClr val="000000"/>
+            </a:outerShdw>
+          </a:effectLst>
+        </p:spPr>
+        <p:style>
+          <a:lnRef idx="2">
+            <a:schemeClr val="accent1">
+              <a:shade val="50000"/>
+            </a:schemeClr>
+          </a:lnRef>
+          <a:fillRef idx="1">
+            <a:schemeClr val="accent1"/>
+          </a:fillRef>
+          <a:effectRef idx="0">
+            <a:schemeClr val="accent1"/>
+          </a:effectRef>
+          <a:fontRef idx="minor">
+            <a:schemeClr val="lt1"/>
+          </a:fontRef>
+        </p:style>
+        <p:txBody>
+          <a:bodyPr rtlCol="0" anchor="ctr"/>
+          <a:lstStyle/>
+          <a:p>
+            <a:pPr algn="ctr"/>
+            <a:r>
+              <a:rPr lang="en-US" sz="1600" dirty="0" smtClean="0">
+                <a:solidFill>
+                  <a:schemeClr val="tx1"/>
+                </a:solidFill>
+                <a:latin typeface="Arial" pitchFamily="34" charset="0"/>
+                <a:cs typeface="Arial" pitchFamily="34" charset="0"/>
+              </a:rPr>
+              <a:t>return</a:t>
+            </a:r>
+            <a:endParaRPr lang="en-US" sz="1600" dirty="0">
+              <a:solidFill>
+                <a:schemeClr val="tx1"/>
+              </a:solidFill>
+              <a:latin typeface="Arial" pitchFamily="34" charset="0"/>
+              <a:cs typeface="Arial" pitchFamily="34" charset="0"/>
+            </a:endParaRPr>
+          </a:p>
+        </p:txBody>
+      </p:sp>
+      <p:sp>
+        <p:nvSpPr>
+          <p:cNvPr id="15" name="Rectangle 14"/>
+          <p:cNvSpPr/>
+          <p:nvPr/>
+        </p:nvSpPr>
+        <p:spPr>
+          <a:xfrm>
+            <a:off x="2209800" y="2895600"/>
+            <a:ext cx="304800" cy="304800"/>
+          </a:xfrm>
+          <a:prstGeom prst="rect">
+            <a:avLst/>
+          </a:prstGeom>
+          <a:solidFill>
+            <a:srgbClr val="FFFFFF"/>
+          </a:solidFill>
+          <a:ln w="9525">
+            <a:solidFill>
+              <a:srgbClr val="000000"/>
+            </a:solidFill>
+            <a:prstDash val="solid"/>
+          </a:ln>
+          <a:effectLst>
+            <a:outerShdw dist="38099" dir="2700015">
+              <a:srgbClr val="000000"/>
+            </a:outerShdw>
+          </a:effectLst>
+        </p:spPr>
+        <p:style>
+          <a:lnRef idx="2">
+            <a:schemeClr val="accent1">
+              <a:shade val="50000"/>
+            </a:schemeClr>
+          </a:lnRef>
+          <a:fillRef idx="1">
+            <a:schemeClr val="accent1"/>
+          </a:fillRef>
+          <a:effectRef idx="0">
+            <a:schemeClr val="accent1"/>
+          </a:effectRef>
+          <a:fontRef idx="minor">
+            <a:schemeClr val="lt1"/>
+          </a:fontRef>
+        </p:style>
+        <p:txBody>
+          <a:bodyPr rtlCol="0" anchor="ctr"/>
+          <a:lstStyle/>
+          <a:p>
+            <a:pPr algn="ctr"/>
+            <a:r>
+              <a:rPr lang="en-US" sz="1600" dirty="0" smtClean="0">
+                <a:solidFill>
+                  <a:schemeClr val="tx1"/>
+                </a:solidFill>
+                <a:latin typeface="Arial" pitchFamily="34" charset="0"/>
+                <a:cs typeface="Arial" pitchFamily="34" charset="0"/>
+              </a:rPr>
+              <a:t>2</a:t>
+            </a:r>
+            <a:endParaRPr lang="en-US" sz="1600" dirty="0">
+              <a:solidFill>
+                <a:schemeClr val="tx1"/>
+              </a:solidFill>
+              <a:latin typeface="Arial" pitchFamily="34" charset="0"/>
+              <a:cs typeface="Arial" pitchFamily="34" charset="0"/>
+            </a:endParaRPr>
+          </a:p>
+        </p:txBody>
+      </p:sp>
+      <p:sp>
+        <p:nvSpPr>
+          <p:cNvPr id="16" name="Rectangle 15"/>
+          <p:cNvSpPr/>
+          <p:nvPr/>
+        </p:nvSpPr>
+        <p:spPr>
+          <a:xfrm>
+            <a:off x="2514600" y="2895600"/>
+            <a:ext cx="762000" cy="304800"/>
+          </a:xfrm>
+          <a:prstGeom prst="rect">
+            <a:avLst/>
+          </a:prstGeom>
+          <a:solidFill>
+            <a:srgbClr val="FFFFFF"/>
+          </a:solidFill>
+          <a:ln w="9525">
+            <a:solidFill>
+              <a:srgbClr val="000000"/>
+            </a:solidFill>
+            <a:prstDash val="solid"/>
+          </a:ln>
+          <a:effectLst>
+            <a:outerShdw dist="38099" dir="2700015">
+              <a:srgbClr val="000000"/>
+            </a:outerShdw>
+          </a:effectLst>
+        </p:spPr>
+        <p:style>
+          <a:lnRef idx="2">
+            <a:schemeClr val="accent1">
+              <a:shade val="50000"/>
+            </a:schemeClr>
+          </a:lnRef>
+          <a:fillRef idx="1">
+            <a:schemeClr val="accent1"/>
+          </a:fillRef>
+          <a:effectRef idx="0">
+            <a:schemeClr val="accent1"/>
+          </a:effectRef>
+          <a:fontRef idx="minor">
+            <a:schemeClr val="lt1"/>
+          </a:fontRef>
+        </p:style>
+        <p:txBody>
+          <a:bodyPr rtlCol="0" anchor="ctr"/>
+          <a:lstStyle/>
+          <a:p>
+            <a:pPr algn="ctr"/>
+            <a:r>
+              <a:rPr lang="en-US" sz="1600" dirty="0" smtClean="0">
+                <a:solidFill>
+                  <a:schemeClr val="tx1"/>
+                </a:solidFill>
+                <a:latin typeface="Arial" pitchFamily="34" charset="0"/>
+                <a:cs typeface="Arial" pitchFamily="34" charset="0"/>
+              </a:rPr>
+              <a:t>return</a:t>
+            </a:r>
+            <a:endParaRPr lang="en-US" sz="1600" dirty="0">
+              <a:solidFill>
+                <a:schemeClr val="tx1"/>
+              </a:solidFill>
+              <a:latin typeface="Arial" pitchFamily="34" charset="0"/>
+              <a:cs typeface="Arial" pitchFamily="34" charset="0"/>
+            </a:endParaRPr>
+          </a:p>
+        </p:txBody>
+      </p:sp>
+      <p:cxnSp>
+        <p:nvCxnSpPr>
+          <p:cNvPr id="17" name="Straight Arrow Connector 16"/>
+          <p:cNvCxnSpPr>
+            <a:stCxn id="14" idx="0"/>
+            <a:endCxn id="12" idx="2"/>
+          </p:cNvCxnSpPr>
+          <p:nvPr/>
+        </p:nvCxnSpPr>
+        <p:spPr>
+          <a:xfrm flipV="1">
+            <a:off x="1524000" y="2514600"/>
+            <a:ext cx="457200" cy="381000"/>
+          </a:xfrm>
+          <a:prstGeom prst="straightConnector1">
+            <a:avLst/>
+          </a:prstGeom>
+          <a:ln w="9525">
+            <a:solidFill>
+              <a:srgbClr val="000000"/>
+            </a:solidFill>
+            <a:prstDash val="solid"/>
+            <a:tailEnd type="triangle" w="med" len="med"/>
+          </a:ln>
+        </p:spPr>
+        <p:style>
+          <a:lnRef idx="1">
+            <a:schemeClr val="accent1"/>
+          </a:lnRef>
+          <a:fillRef idx="0">
+            <a:schemeClr val="accent1"/>
+          </a:fillRef>
+          <a:effectRef idx="0">
+            <a:schemeClr val="accent1"/>
+          </a:effectRef>
+          <a:fontRef idx="minor">
+            <a:schemeClr val="tx1"/>
+          </a:fontRef>
+        </p:style>
+      </p:cxnSp>
+      <p:cxnSp>
+        <p:nvCxnSpPr>
+          <p:cNvPr id="18" name="Straight Arrow Connector 17"/>
+          <p:cNvCxnSpPr>
+            <a:stCxn id="16" idx="0"/>
+            <a:endCxn id="12" idx="2"/>
+          </p:cNvCxnSpPr>
+          <p:nvPr/>
+        </p:nvCxnSpPr>
+        <p:spPr>
+          <a:xfrm flipH="1" flipV="1">
+            <a:off x="1981200" y="2514600"/>
+            <a:ext cx="914400" cy="381000"/>
+          </a:xfrm>
+          <a:prstGeom prst="straightConnector1">
+            <a:avLst/>
+          </a:prstGeom>
+          <a:ln w="9525">
+            <a:solidFill>
+              <a:srgbClr val="000000"/>
+            </a:solidFill>
+            <a:prstDash val="solid"/>
+            <a:tailEnd type="triangle" w="med" len="med"/>
+          </a:ln>
+        </p:spPr>
+        <p:style>
+          <a:lnRef idx="1">
+            <a:schemeClr val="accent1"/>
+          </a:lnRef>
+          <a:fillRef idx="0">
+            <a:schemeClr val="accent1"/>
+          </a:fillRef>
+          <a:effectRef idx="0">
+            <a:schemeClr val="accent1"/>
+          </a:effectRef>
+          <a:fontRef idx="minor">
+            <a:schemeClr val="tx1"/>
+          </a:fontRef>
+        </p:style>
+      </p:cxnSp>
+      <p:sp>
+        <p:nvSpPr>
+          <p:cNvPr id="23" name="Rectangle 22"/>
+          <p:cNvSpPr/>
+          <p:nvPr/>
+        </p:nvSpPr>
+        <p:spPr>
+          <a:xfrm>
+            <a:off x="5981700" y="2438400"/>
+            <a:ext cx="304800" cy="304800"/>
+          </a:xfrm>
+          <a:prstGeom prst="rect">
+            <a:avLst/>
+          </a:prstGeom>
+          <a:solidFill>
+            <a:srgbClr val="FFFFFF"/>
+          </a:solidFill>
+          <a:ln w="9525">
+            <a:solidFill>
+              <a:srgbClr val="000000"/>
+            </a:solidFill>
+            <a:prstDash val="solid"/>
+          </a:ln>
+          <a:effectLst>
+            <a:outerShdw dist="38099" dir="2700015">
+              <a:srgbClr val="000000"/>
+            </a:outerShdw>
+          </a:effectLst>
+        </p:spPr>
+        <p:style>
+          <a:lnRef idx="2">
+            <a:schemeClr val="accent1">
+              <a:shade val="50000"/>
+            </a:schemeClr>
+          </a:lnRef>
+          <a:fillRef idx="1">
+            <a:schemeClr val="accent1"/>
+          </a:fillRef>
+          <a:effectRef idx="0">
+            <a:schemeClr val="accent1"/>
+          </a:effectRef>
+          <a:fontRef idx="minor">
+            <a:schemeClr val="lt1"/>
+          </a:fontRef>
+        </p:style>
+        <p:txBody>
+          <a:bodyPr rtlCol="0" anchor="ctr"/>
+          <a:lstStyle/>
+          <a:p>
+            <a:pPr algn="ctr"/>
+            <a:r>
+              <a:rPr lang="en-US" sz="1600" dirty="0" smtClean="0">
+                <a:solidFill>
+                  <a:schemeClr val="tx1"/>
+                </a:solidFill>
+                <a:latin typeface="Arial" pitchFamily="34" charset="0"/>
+                <a:cs typeface="Arial" pitchFamily="34" charset="0"/>
+              </a:rPr>
+              <a:t>+</a:t>
+            </a:r>
+            <a:endParaRPr lang="en-US" sz="1600" dirty="0">
+              <a:solidFill>
+                <a:schemeClr val="tx1"/>
+              </a:solidFill>
+              <a:latin typeface="Arial" pitchFamily="34" charset="0"/>
+              <a:cs typeface="Arial" pitchFamily="34" charset="0"/>
+            </a:endParaRPr>
+          </a:p>
+        </p:txBody>
+      </p:sp>
+      <p:sp>
+        <p:nvSpPr>
+          <p:cNvPr id="24" name="Rectangle 23"/>
+          <p:cNvSpPr/>
+          <p:nvPr/>
+        </p:nvSpPr>
+        <p:spPr>
+          <a:xfrm>
+            <a:off x="4191000" y="2286000"/>
+            <a:ext cx="762000" cy="304800"/>
+          </a:xfrm>
+          <a:prstGeom prst="rect">
+            <a:avLst/>
+          </a:prstGeom>
+          <a:solidFill>
+            <a:srgbClr val="FFFFFF"/>
+          </a:solidFill>
+          <a:ln w="9525">
+            <a:solidFill>
+              <a:srgbClr val="000000"/>
+            </a:solidFill>
+            <a:prstDash val="solid"/>
+          </a:ln>
+          <a:effectLst>
+            <a:outerShdw dist="38099" dir="2700015">
+              <a:srgbClr val="000000"/>
+            </a:outerShdw>
+          </a:effectLst>
+        </p:spPr>
+        <p:style>
+          <a:lnRef idx="2">
+            <a:schemeClr val="accent1">
+              <a:shade val="50000"/>
+            </a:schemeClr>
+          </a:lnRef>
+          <a:fillRef idx="1">
+            <a:schemeClr val="accent1"/>
+          </a:fillRef>
+          <a:effectRef idx="0">
+            <a:schemeClr val="accent1"/>
+          </a:effectRef>
+          <a:fontRef idx="minor">
+            <a:schemeClr val="lt1"/>
+          </a:fontRef>
+        </p:style>
+        <p:txBody>
+          <a:bodyPr rtlCol="0" anchor="ctr"/>
+          <a:lstStyle/>
+          <a:p>
+            <a:pPr algn="ctr"/>
+            <a:r>
+              <a:rPr lang="en-US" sz="1600" dirty="0" smtClean="0">
+                <a:solidFill>
+                  <a:schemeClr val="tx1"/>
+                </a:solidFill>
+                <a:latin typeface="Arial" pitchFamily="34" charset="0"/>
+                <a:cs typeface="Arial" pitchFamily="34" charset="0"/>
+              </a:rPr>
+              <a:t>x op y</a:t>
+            </a:r>
+            <a:endParaRPr lang="en-US" sz="1600" dirty="0">
+              <a:solidFill>
+                <a:schemeClr val="tx1"/>
+              </a:solidFill>
+              <a:latin typeface="Arial" pitchFamily="34" charset="0"/>
+              <a:cs typeface="Arial" pitchFamily="34" charset="0"/>
+            </a:endParaRPr>
+          </a:p>
+        </p:txBody>
+      </p:sp>
+      <p:sp>
+        <p:nvSpPr>
+          <p:cNvPr id="25" name="Rectangle 24"/>
+          <p:cNvSpPr/>
+          <p:nvPr/>
+        </p:nvSpPr>
+        <p:spPr>
+          <a:xfrm>
+            <a:off x="5410200" y="3124200"/>
+            <a:ext cx="304800" cy="304800"/>
+          </a:xfrm>
+          <a:prstGeom prst="rect">
+            <a:avLst/>
+          </a:prstGeom>
+          <a:solidFill>
+            <a:srgbClr val="FFFFFF"/>
+          </a:solidFill>
+          <a:ln w="9525">
+            <a:solidFill>
+              <a:srgbClr val="000000"/>
+            </a:solidFill>
+            <a:prstDash val="solid"/>
+          </a:ln>
+          <a:effectLst>
+            <a:outerShdw dist="38099" dir="2700015">
+              <a:srgbClr val="000000"/>
+            </a:outerShdw>
+          </a:effectLst>
+        </p:spPr>
+        <p:style>
+          <a:lnRef idx="2">
+            <a:schemeClr val="accent1">
+              <a:shade val="50000"/>
+            </a:schemeClr>
+          </a:lnRef>
+          <a:fillRef idx="1">
+            <a:schemeClr val="accent1"/>
+          </a:fillRef>
+          <a:effectRef idx="0">
+            <a:schemeClr val="accent1"/>
+          </a:effectRef>
+          <a:fontRef idx="minor">
+            <a:schemeClr val="lt1"/>
+          </a:fontRef>
+        </p:style>
+        <p:txBody>
+          <a:bodyPr rtlCol="0" anchor="ctr"/>
+          <a:lstStyle/>
+          <a:p>
+            <a:pPr algn="ctr"/>
+            <a:r>
+              <a:rPr lang="en-US" sz="1600" dirty="0" smtClean="0">
+                <a:solidFill>
+                  <a:schemeClr val="tx1"/>
+                </a:solidFill>
+                <a:latin typeface="Arial" pitchFamily="34" charset="0"/>
+                <a:cs typeface="Arial" pitchFamily="34" charset="0"/>
+              </a:rPr>
+              <a:t>4</a:t>
+            </a:r>
+            <a:endParaRPr lang="en-US" sz="1600" dirty="0">
+              <a:solidFill>
+                <a:schemeClr val="tx1"/>
+              </a:solidFill>
+              <a:latin typeface="Arial" pitchFamily="34" charset="0"/>
+              <a:cs typeface="Arial" pitchFamily="34" charset="0"/>
+            </a:endParaRPr>
+          </a:p>
+        </p:txBody>
+      </p:sp>
+      <p:sp>
+        <p:nvSpPr>
+          <p:cNvPr id="26" name="Rectangle 25"/>
+          <p:cNvSpPr/>
+          <p:nvPr/>
+        </p:nvSpPr>
+        <p:spPr>
+          <a:xfrm>
+            <a:off x="4191000" y="2743200"/>
+            <a:ext cx="762000" cy="304800"/>
+          </a:xfrm>
+          <a:prstGeom prst="rect">
+            <a:avLst/>
+          </a:prstGeom>
+          <a:solidFill>
+            <a:srgbClr val="FFFFFF"/>
+          </a:solidFill>
+          <a:ln w="9525">
+            <a:solidFill>
+              <a:srgbClr val="000000"/>
+            </a:solidFill>
+            <a:prstDash val="solid"/>
+          </a:ln>
+          <a:effectLst>
+            <a:outerShdw dist="38099" dir="2700015">
+              <a:srgbClr val="000000"/>
+            </a:outerShdw>
+          </a:effectLst>
+        </p:spPr>
+        <p:style>
+          <a:lnRef idx="2">
+            <a:schemeClr val="accent1">
+              <a:shade val="50000"/>
+            </a:schemeClr>
+          </a:lnRef>
+          <a:fillRef idx="1">
+            <a:schemeClr val="accent1"/>
+          </a:fillRef>
+          <a:effectRef idx="0">
+            <a:schemeClr val="accent1"/>
+          </a:effectRef>
+          <a:fontRef idx="minor">
+            <a:schemeClr val="lt1"/>
+          </a:fontRef>
+        </p:style>
+        <p:txBody>
+          <a:bodyPr rtlCol="0" anchor="ctr"/>
+          <a:lstStyle/>
+          <a:p>
+            <a:pPr algn="ctr"/>
+            <a:r>
+              <a:rPr lang="en-US" sz="1600" dirty="0" smtClean="0">
+                <a:solidFill>
+                  <a:schemeClr val="tx1"/>
+                </a:solidFill>
+                <a:latin typeface="Arial" pitchFamily="34" charset="0"/>
+                <a:cs typeface="Arial" pitchFamily="34" charset="0"/>
+              </a:rPr>
+              <a:t>return</a:t>
+            </a:r>
+            <a:endParaRPr lang="en-US" sz="1600" dirty="0">
+              <a:solidFill>
+                <a:schemeClr val="tx1"/>
+              </a:solidFill>
+              <a:latin typeface="Arial" pitchFamily="34" charset="0"/>
+              <a:cs typeface="Arial" pitchFamily="34" charset="0"/>
+            </a:endParaRPr>
+          </a:p>
+        </p:txBody>
+      </p:sp>
+      <p:sp>
+        <p:nvSpPr>
+          <p:cNvPr id="27" name="Rectangle 26"/>
+          <p:cNvSpPr/>
+          <p:nvPr/>
+        </p:nvSpPr>
+        <p:spPr>
+          <a:xfrm>
+            <a:off x="6553200" y="3124200"/>
+            <a:ext cx="304800" cy="304800"/>
+          </a:xfrm>
+          <a:prstGeom prst="rect">
+            <a:avLst/>
+          </a:prstGeom>
+          <a:solidFill>
+            <a:srgbClr val="FFFFFF"/>
+          </a:solidFill>
+          <a:ln w="9525">
+            <a:solidFill>
+              <a:srgbClr val="000000"/>
+            </a:solidFill>
+            <a:prstDash val="solid"/>
+          </a:ln>
+          <a:effectLst>
+            <a:outerShdw dist="38099" dir="2700015">
+              <a:srgbClr val="000000"/>
+            </a:outerShdw>
+          </a:effectLst>
+        </p:spPr>
+        <p:style>
+          <a:lnRef idx="2">
+            <a:schemeClr val="accent1">
+              <a:shade val="50000"/>
+            </a:schemeClr>
+          </a:lnRef>
+          <a:fillRef idx="1">
+            <a:schemeClr val="accent1"/>
+          </a:fillRef>
+          <a:effectRef idx="0">
+            <a:schemeClr val="accent1"/>
+          </a:effectRef>
+          <a:fontRef idx="minor">
+            <a:schemeClr val="lt1"/>
+          </a:fontRef>
+        </p:style>
+        <p:txBody>
+          <a:bodyPr rtlCol="0" anchor="ctr"/>
+          <a:lstStyle/>
+          <a:p>
+            <a:pPr algn="ctr"/>
+            <a:r>
+              <a:rPr lang="en-US" sz="1600" dirty="0" smtClean="0">
+                <a:solidFill>
+                  <a:schemeClr val="tx1"/>
+                </a:solidFill>
+                <a:latin typeface="Arial" pitchFamily="34" charset="0"/>
+                <a:cs typeface="Arial" pitchFamily="34" charset="0"/>
+              </a:rPr>
+              <a:t>2</a:t>
+            </a:r>
+            <a:endParaRPr lang="en-US" sz="1600" dirty="0">
+              <a:solidFill>
+                <a:schemeClr val="tx1"/>
+              </a:solidFill>
+              <a:latin typeface="Arial" pitchFamily="34" charset="0"/>
+              <a:cs typeface="Arial" pitchFamily="34" charset="0"/>
+            </a:endParaRPr>
+          </a:p>
+        </p:txBody>
+      </p:sp>
+      <p:cxnSp>
+        <p:nvCxnSpPr>
+          <p:cNvPr id="29" name="Straight Arrow Connector 28"/>
+          <p:cNvCxnSpPr>
+            <a:stCxn id="25" idx="0"/>
+            <a:endCxn id="23" idx="2"/>
+          </p:cNvCxnSpPr>
+          <p:nvPr/>
+        </p:nvCxnSpPr>
+        <p:spPr>
+          <a:xfrm flipV="1">
+            <a:off x="5562600" y="2743200"/>
+            <a:ext cx="571500" cy="381000"/>
+          </a:xfrm>
+          <a:prstGeom prst="straightConnector1">
+            <a:avLst/>
+          </a:prstGeom>
+          <a:ln w="9525">
+            <a:solidFill>
+              <a:srgbClr val="000000"/>
+            </a:solidFill>
+            <a:prstDash val="solid"/>
+            <a:tailEnd type="triangle" w="med" len="med"/>
+          </a:ln>
+        </p:spPr>
+        <p:style>
+          <a:lnRef idx="1">
+            <a:schemeClr val="accent1"/>
+          </a:lnRef>
+          <a:fillRef idx="0">
+            <a:schemeClr val="accent1"/>
+          </a:fillRef>
+          <a:effectRef idx="0">
+            <a:schemeClr val="accent1"/>
+          </a:effectRef>
+          <a:fontRef idx="minor">
+            <a:schemeClr val="tx1"/>
+          </a:fontRef>
+        </p:style>
+      </p:cxnSp>
+      <p:cxnSp>
+        <p:nvCxnSpPr>
+          <p:cNvPr id="30" name="Straight Arrow Connector 29"/>
+          <p:cNvCxnSpPr>
+            <a:stCxn id="27" idx="0"/>
+            <a:endCxn id="23" idx="2"/>
+          </p:cNvCxnSpPr>
+          <p:nvPr/>
+        </p:nvCxnSpPr>
+        <p:spPr>
+          <a:xfrm flipH="1" flipV="1">
+            <a:off x="6134100" y="2743200"/>
+            <a:ext cx="571500" cy="381000"/>
+          </a:xfrm>
+          <a:prstGeom prst="straightConnector1">
+            <a:avLst/>
+          </a:prstGeom>
+          <a:ln w="9525">
+            <a:solidFill>
+              <a:srgbClr val="000000"/>
+            </a:solidFill>
+            <a:prstDash val="solid"/>
+            <a:tailEnd type="triangle" w="med" len="med"/>
+          </a:ln>
+        </p:spPr>
+        <p:style>
+          <a:lnRef idx="1">
+            <a:schemeClr val="accent1"/>
+          </a:lnRef>
+          <a:fillRef idx="0">
+            <a:schemeClr val="accent1"/>
+          </a:fillRef>
+          <a:effectRef idx="0">
+            <a:schemeClr val="accent1"/>
+          </a:effectRef>
+          <a:fontRef idx="minor">
+            <a:schemeClr val="tx1"/>
+          </a:fontRef>
+        </p:style>
+      </p:cxnSp>
+      <p:cxnSp>
+        <p:nvCxnSpPr>
+          <p:cNvPr id="38" name="Straight Arrow Connector 37"/>
+          <p:cNvCxnSpPr>
+            <a:stCxn id="25" idx="1"/>
+            <a:endCxn id="26" idx="3"/>
+          </p:cNvCxnSpPr>
+          <p:nvPr/>
+        </p:nvCxnSpPr>
+        <p:spPr>
+          <a:xfrm flipH="1" flipV="1">
+            <a:off x="4953000" y="2895600"/>
+            <a:ext cx="457200" cy="381000"/>
+          </a:xfrm>
+          <a:prstGeom prst="straightConnector1">
+            <a:avLst/>
+          </a:prstGeom>
+          <a:ln w="9525">
+            <a:solidFill>
+              <a:srgbClr val="000000"/>
+            </a:solidFill>
+            <a:prstDash val="dash"/>
+            <a:tailEnd type="triangle" w="med" len="med"/>
+          </a:ln>
+        </p:spPr>
+        <p:style>
+          <a:lnRef idx="1">
+            <a:schemeClr val="accent1"/>
+          </a:lnRef>
+          <a:fillRef idx="0">
+            <a:schemeClr val="accent1"/>
+          </a:fillRef>
+          <a:effectRef idx="0">
+            <a:schemeClr val="accent1"/>
+          </a:effectRef>
+          <a:fontRef idx="minor">
+            <a:schemeClr val="tx1"/>
+          </a:fontRef>
+        </p:style>
+      </p:cxnSp>
+      <p:cxnSp>
+        <p:nvCxnSpPr>
+          <p:cNvPr id="39" name="Straight Arrow Connector 38"/>
+          <p:cNvCxnSpPr>
+            <a:stCxn id="27" idx="1"/>
+            <a:endCxn id="26" idx="3"/>
+          </p:cNvCxnSpPr>
+          <p:nvPr/>
+        </p:nvCxnSpPr>
+        <p:spPr>
+          <a:xfrm flipH="1" flipV="1">
+            <a:off x="4953000" y="2895600"/>
+            <a:ext cx="1600200" cy="381000"/>
+          </a:xfrm>
+          <a:prstGeom prst="straightConnector1">
+            <a:avLst/>
+          </a:prstGeom>
+          <a:ln w="9525">
+            <a:solidFill>
+              <a:srgbClr val="000000"/>
+            </a:solidFill>
+            <a:prstDash val="dash"/>
+            <a:tailEnd type="triangle" w="med" len="med"/>
+          </a:ln>
+        </p:spPr>
+        <p:style>
+          <a:lnRef idx="1">
+            <a:schemeClr val="accent1"/>
+          </a:lnRef>
+          <a:fillRef idx="0">
+            <a:schemeClr val="accent1"/>
+          </a:fillRef>
+          <a:effectRef idx="0">
+            <a:schemeClr val="accent1"/>
+          </a:effectRef>
+          <a:fontRef idx="minor">
+            <a:schemeClr val="tx1"/>
+          </a:fontRef>
+        </p:style>
+      </p:cxnSp>
+      <p:cxnSp>
+        <p:nvCxnSpPr>
+          <p:cNvPr id="40" name="Straight Arrow Connector 39"/>
+          <p:cNvCxnSpPr>
+            <a:stCxn id="23" idx="1"/>
+            <a:endCxn id="24" idx="3"/>
+          </p:cNvCxnSpPr>
+          <p:nvPr/>
+        </p:nvCxnSpPr>
+        <p:spPr>
+          <a:xfrm flipH="1" flipV="1">
+            <a:off x="4953000" y="2438400"/>
+            <a:ext cx="1028700" cy="152400"/>
+          </a:xfrm>
+          <a:prstGeom prst="straightConnector1">
+            <a:avLst/>
+          </a:prstGeom>
+          <a:ln w="9525">
+            <a:solidFill>
+              <a:srgbClr val="000000"/>
+            </a:solidFill>
+            <a:prstDash val="dash"/>
+            <a:tailEnd type="triangle" w="med" len="med"/>
+          </a:ln>
+        </p:spPr>
+        <p:style>
+          <a:lnRef idx="1">
+            <a:schemeClr val="accent1"/>
+          </a:lnRef>
+          <a:fillRef idx="0">
+            <a:schemeClr val="accent1"/>
+          </a:fillRef>
+          <a:effectRef idx="0">
+            <a:schemeClr val="accent1"/>
+          </a:effectRef>
+          <a:fontRef idx="minor">
+            <a:schemeClr val="tx1"/>
+          </a:fontRef>
+        </p:style>
+      </p:cxnSp>
+      <p:sp>
+        <p:nvSpPr>
+          <p:cNvPr id="41" name="TextBox 40"/>
+          <p:cNvSpPr txBox="1"/>
+          <p:nvPr/>
+        </p:nvSpPr>
+        <p:spPr>
+          <a:xfrm>
+            <a:off x="5239423" y="2286000"/>
+            <a:ext cx="319896" cy="240066"/>
+          </a:xfrm>
+          <a:prstGeom prst="rect">
+            <a:avLst/>
+          </a:prstGeom>
+          <a:noFill/>
+          <a:ln w="9525">
+            <a:noFill/>
+            <a:prstDash val="solid"/>
+          </a:ln>
+        </p:spPr>
+        <p:txBody>
+          <a:bodyPr vert="horz" wrap="none" lIns="27432" tIns="27432" rIns="27432" bIns="27432" rtlCol="0" anchor="ctr" anchorCtr="0">
+            <a:spAutoFit/>
+          </a:bodyPr>
+          <a:lstStyle/>
+          <a:p>
+            <a:pPr algn="r"/>
+            <a:r>
+              <a:rPr lang="en-US" sz="1200" i="1" dirty="0" smtClean="0">
+                <a:latin typeface="Arial"/>
+              </a:rPr>
+              <a:t>visit</a:t>
+            </a:r>
+            <a:endParaRPr lang="en-US" sz="1200" i="1" dirty="0">
+              <a:latin typeface="Arial"/>
+            </a:endParaRPr>
+          </a:p>
+        </p:txBody>
+      </p:sp>
+      <p:sp>
+        <p:nvSpPr>
+          <p:cNvPr id="46" name="Rectangle 45"/>
+          <p:cNvSpPr/>
+          <p:nvPr/>
+        </p:nvSpPr>
+        <p:spPr>
+          <a:xfrm>
+            <a:off x="5943600" y="4343400"/>
+            <a:ext cx="914400" cy="1752600"/>
+          </a:xfrm>
+          <a:prstGeom prst="rect">
+            <a:avLst/>
+          </a:prstGeom>
+          <a:solidFill>
+            <a:srgbClr val="FFFFFF"/>
+          </a:solidFill>
+          <a:ln w="9525">
+            <a:solidFill>
+              <a:srgbClr val="000000"/>
+            </a:solidFill>
+            <a:prstDash val="solid"/>
+          </a:ln>
+          <a:effectLst>
+            <a:outerShdw dist="38099" dir="2700015">
+              <a:srgbClr val="000000"/>
+            </a:outerShdw>
+          </a:effectLst>
+        </p:spPr>
+        <p:style>
+          <a:lnRef idx="2">
+            <a:schemeClr val="accent1">
+              <a:shade val="50000"/>
+            </a:schemeClr>
+          </a:lnRef>
+          <a:fillRef idx="1">
+            <a:schemeClr val="accent1"/>
+          </a:fillRef>
+          <a:effectRef idx="0">
+            <a:schemeClr val="accent1"/>
+          </a:effectRef>
+          <a:fontRef idx="minor">
+            <a:schemeClr val="lt1"/>
+          </a:fontRef>
+        </p:style>
+        <p:txBody>
+          <a:bodyPr rtlCol="0" anchor="t" anchorCtr="0"/>
+          <a:lstStyle/>
+          <a:p>
+            <a:pPr algn="ctr"/>
+            <a:r>
+              <a:rPr lang="en-US" sz="1600" dirty="0" smtClean="0">
+                <a:solidFill>
+                  <a:schemeClr val="tx1"/>
+                </a:solidFill>
+                <a:latin typeface="Arial" pitchFamily="34" charset="0"/>
+                <a:cs typeface="Arial" pitchFamily="34" charset="0"/>
+              </a:rPr>
+              <a:t>inner</a:t>
+            </a:r>
+            <a:endParaRPr lang="en-US" sz="1600" dirty="0">
+              <a:solidFill>
+                <a:schemeClr val="tx1"/>
+              </a:solidFill>
+              <a:latin typeface="Arial" pitchFamily="34" charset="0"/>
+              <a:cs typeface="Arial" pitchFamily="34" charset="0"/>
+            </a:endParaRPr>
+          </a:p>
+        </p:txBody>
+      </p:sp>
+      <p:sp>
+        <p:nvSpPr>
+          <p:cNvPr id="47" name="Rectangle 46"/>
+          <p:cNvSpPr/>
+          <p:nvPr/>
+        </p:nvSpPr>
+        <p:spPr>
+          <a:xfrm>
+            <a:off x="6019800" y="5181600"/>
+            <a:ext cx="762000" cy="304800"/>
+          </a:xfrm>
+          <a:prstGeom prst="rect">
+            <a:avLst/>
+          </a:prstGeom>
+          <a:solidFill>
+            <a:srgbClr val="FFFFFF"/>
+          </a:solidFill>
+          <a:ln w="9525">
+            <a:solidFill>
+              <a:srgbClr val="000000"/>
+            </a:solidFill>
+            <a:prstDash val="solid"/>
+          </a:ln>
+          <a:effectLst>
+            <a:outerShdw dist="38099" dir="2700015">
+              <a:srgbClr val="000000"/>
+            </a:outerShdw>
+          </a:effectLst>
+        </p:spPr>
+        <p:style>
+          <a:lnRef idx="2">
+            <a:schemeClr val="accent1">
+              <a:shade val="50000"/>
+            </a:schemeClr>
+          </a:lnRef>
+          <a:fillRef idx="1">
+            <a:schemeClr val="accent1"/>
+          </a:fillRef>
+          <a:effectRef idx="0">
+            <a:schemeClr val="accent1"/>
+          </a:effectRef>
+          <a:fontRef idx="minor">
+            <a:schemeClr val="lt1"/>
+          </a:fontRef>
+        </p:style>
+        <p:txBody>
+          <a:bodyPr rtlCol="0" anchor="ctr"/>
+          <a:lstStyle/>
+          <a:p>
+            <a:pPr algn="ctr"/>
+            <a:r>
+              <a:rPr lang="en-US" sz="1600" dirty="0" err="1" smtClean="0">
+                <a:solidFill>
+                  <a:schemeClr val="tx1"/>
+                </a:solidFill>
+                <a:latin typeface="Arial" pitchFamily="34" charset="0"/>
+                <a:cs typeface="Arial" pitchFamily="34" charset="0"/>
+              </a:rPr>
+              <a:t>foo</a:t>
+            </a:r>
+            <a:endParaRPr lang="en-US" sz="1600" dirty="0">
+              <a:solidFill>
+                <a:schemeClr val="tx1"/>
+              </a:solidFill>
+              <a:latin typeface="Arial" pitchFamily="34" charset="0"/>
+              <a:cs typeface="Arial" pitchFamily="34" charset="0"/>
+            </a:endParaRPr>
+          </a:p>
+        </p:txBody>
+      </p:sp>
+      <p:sp>
+        <p:nvSpPr>
+          <p:cNvPr id="48" name="Rectangle 47"/>
+          <p:cNvSpPr/>
+          <p:nvPr/>
+        </p:nvSpPr>
+        <p:spPr>
+          <a:xfrm>
+            <a:off x="6019800" y="5638800"/>
+            <a:ext cx="762000" cy="304800"/>
+          </a:xfrm>
+          <a:prstGeom prst="rect">
+            <a:avLst/>
+          </a:prstGeom>
+          <a:solidFill>
+            <a:srgbClr val="FFFFFF"/>
+          </a:solidFill>
+          <a:ln w="9525">
+            <a:solidFill>
+              <a:srgbClr val="000000"/>
+            </a:solidFill>
+            <a:prstDash val="solid"/>
+          </a:ln>
+          <a:effectLst>
+            <a:outerShdw dist="38099" dir="2700015">
+              <a:srgbClr val="000000"/>
+            </a:outerShdw>
+          </a:effectLst>
+        </p:spPr>
+        <p:style>
+          <a:lnRef idx="2">
+            <a:schemeClr val="accent1">
+              <a:shade val="50000"/>
+            </a:schemeClr>
+          </a:lnRef>
+          <a:fillRef idx="1">
+            <a:schemeClr val="accent1"/>
+          </a:fillRef>
+          <a:effectRef idx="0">
+            <a:schemeClr val="accent1"/>
+          </a:effectRef>
+          <a:fontRef idx="minor">
+            <a:schemeClr val="lt1"/>
+          </a:fontRef>
+        </p:style>
+        <p:txBody>
+          <a:bodyPr rtlCol="0" anchor="ctr"/>
+          <a:lstStyle/>
+          <a:p>
+            <a:pPr algn="ctr"/>
+            <a:r>
+              <a:rPr lang="en-US" sz="1600" dirty="0" smtClean="0">
+                <a:solidFill>
+                  <a:schemeClr val="tx1"/>
+                </a:solidFill>
+                <a:latin typeface="Arial" pitchFamily="34" charset="0"/>
+                <a:cs typeface="Arial" pitchFamily="34" charset="0"/>
+              </a:rPr>
+              <a:t>bar</a:t>
+            </a:r>
+            <a:endParaRPr lang="en-US" sz="1600" dirty="0">
+              <a:solidFill>
+                <a:schemeClr val="tx1"/>
+              </a:solidFill>
+              <a:latin typeface="Arial" pitchFamily="34" charset="0"/>
+              <a:cs typeface="Arial" pitchFamily="34" charset="0"/>
+            </a:endParaRPr>
+          </a:p>
+        </p:txBody>
+      </p:sp>
+      <p:sp>
+        <p:nvSpPr>
+          <p:cNvPr id="49" name="Rectangle 48"/>
+          <p:cNvSpPr/>
+          <p:nvPr/>
+        </p:nvSpPr>
+        <p:spPr>
+          <a:xfrm>
+            <a:off x="4419600" y="4343400"/>
+            <a:ext cx="914400" cy="1752600"/>
+          </a:xfrm>
+          <a:prstGeom prst="rect">
+            <a:avLst/>
+          </a:prstGeom>
+          <a:solidFill>
+            <a:srgbClr val="FFFFFF"/>
+          </a:solidFill>
+          <a:ln w="9525">
+            <a:solidFill>
+              <a:srgbClr val="000000"/>
+            </a:solidFill>
+            <a:prstDash val="solid"/>
+          </a:ln>
+          <a:effectLst>
+            <a:outerShdw dist="38099" dir="2700015">
+              <a:srgbClr val="000000"/>
+            </a:outerShdw>
+          </a:effectLst>
+        </p:spPr>
+        <p:style>
+          <a:lnRef idx="2">
+            <a:schemeClr val="accent1">
+              <a:shade val="50000"/>
+            </a:schemeClr>
+          </a:lnRef>
+          <a:fillRef idx="1">
+            <a:schemeClr val="accent1"/>
+          </a:fillRef>
+          <a:effectRef idx="0">
+            <a:schemeClr val="accent1"/>
+          </a:effectRef>
+          <a:fontRef idx="minor">
+            <a:schemeClr val="lt1"/>
+          </a:fontRef>
+        </p:style>
+        <p:txBody>
+          <a:bodyPr rtlCol="0" anchor="t" anchorCtr="0"/>
+          <a:lstStyle/>
+          <a:p>
+            <a:pPr algn="ctr"/>
+            <a:r>
+              <a:rPr lang="en-US" sz="1600" dirty="0" smtClean="0">
+                <a:solidFill>
+                  <a:schemeClr val="tx1"/>
+                </a:solidFill>
+                <a:latin typeface="Arial" pitchFamily="34" charset="0"/>
+                <a:cs typeface="Arial" pitchFamily="34" charset="0"/>
+              </a:rPr>
+              <a:t>outer</a:t>
+            </a:r>
+            <a:endParaRPr lang="en-US" sz="1600" dirty="0">
+              <a:solidFill>
+                <a:schemeClr val="tx1"/>
+              </a:solidFill>
+              <a:latin typeface="Arial" pitchFamily="34" charset="0"/>
+              <a:cs typeface="Arial" pitchFamily="34" charset="0"/>
+            </a:endParaRPr>
+          </a:p>
+        </p:txBody>
+      </p:sp>
+      <p:sp>
+        <p:nvSpPr>
+          <p:cNvPr id="50" name="Rectangle 49"/>
+          <p:cNvSpPr/>
+          <p:nvPr/>
+        </p:nvSpPr>
+        <p:spPr>
+          <a:xfrm>
+            <a:off x="4495800" y="5181600"/>
+            <a:ext cx="762000" cy="304800"/>
+          </a:xfrm>
+          <a:prstGeom prst="rect">
+            <a:avLst/>
+          </a:prstGeom>
+          <a:solidFill>
+            <a:srgbClr val="FFFFFF"/>
+          </a:solidFill>
+          <a:ln w="9525">
+            <a:solidFill>
+              <a:srgbClr val="000000"/>
+            </a:solidFill>
+            <a:prstDash val="solid"/>
+          </a:ln>
+          <a:effectLst>
+            <a:outerShdw dist="38099" dir="2700015">
+              <a:srgbClr val="000000"/>
+            </a:outerShdw>
+          </a:effectLst>
+        </p:spPr>
+        <p:style>
+          <a:lnRef idx="2">
+            <a:schemeClr val="accent1">
+              <a:shade val="50000"/>
+            </a:schemeClr>
+          </a:lnRef>
+          <a:fillRef idx="1">
+            <a:schemeClr val="accent1"/>
+          </a:fillRef>
+          <a:effectRef idx="0">
+            <a:schemeClr val="accent1"/>
+          </a:effectRef>
+          <a:fontRef idx="minor">
+            <a:schemeClr val="lt1"/>
+          </a:fontRef>
+        </p:style>
+        <p:txBody>
+          <a:bodyPr rtlCol="0" anchor="ctr"/>
+          <a:lstStyle/>
+          <a:p>
+            <a:pPr algn="ctr"/>
+            <a:r>
+              <a:rPr lang="en-US" sz="1600" dirty="0" err="1" smtClean="0">
+                <a:solidFill>
+                  <a:schemeClr val="tx1"/>
+                </a:solidFill>
+                <a:latin typeface="Arial" pitchFamily="34" charset="0"/>
+                <a:cs typeface="Arial" pitchFamily="34" charset="0"/>
+              </a:rPr>
+              <a:t>baz</a:t>
+            </a:r>
+            <a:endParaRPr lang="en-US" sz="1600" dirty="0">
+              <a:solidFill>
+                <a:schemeClr val="tx1"/>
+              </a:solidFill>
+              <a:latin typeface="Arial" pitchFamily="34" charset="0"/>
+              <a:cs typeface="Arial" pitchFamily="34" charset="0"/>
+            </a:endParaRPr>
+          </a:p>
+        </p:txBody>
+      </p:sp>
+      <p:sp>
+        <p:nvSpPr>
+          <p:cNvPr id="51" name="Rectangle 50"/>
+          <p:cNvSpPr/>
+          <p:nvPr/>
+        </p:nvSpPr>
+        <p:spPr>
+          <a:xfrm>
+            <a:off x="4495800" y="5638800"/>
+            <a:ext cx="762000" cy="304800"/>
+          </a:xfrm>
+          <a:prstGeom prst="rect">
+            <a:avLst/>
+          </a:prstGeom>
+          <a:solidFill>
+            <a:srgbClr val="FFFFFF"/>
+          </a:solidFill>
+          <a:ln w="9525">
+            <a:solidFill>
+              <a:srgbClr val="000000"/>
+            </a:solidFill>
+            <a:prstDash val="solid"/>
+          </a:ln>
+          <a:effectLst>
+            <a:outerShdw dist="38099" dir="2700015">
+              <a:srgbClr val="000000"/>
+            </a:outerShdw>
+          </a:effectLst>
+        </p:spPr>
+        <p:style>
+          <a:lnRef idx="2">
+            <a:schemeClr val="accent1">
+              <a:shade val="50000"/>
+            </a:schemeClr>
+          </a:lnRef>
+          <a:fillRef idx="1">
+            <a:schemeClr val="accent1"/>
+          </a:fillRef>
+          <a:effectRef idx="0">
+            <a:schemeClr val="accent1"/>
+          </a:effectRef>
+          <a:fontRef idx="minor">
+            <a:schemeClr val="lt1"/>
+          </a:fontRef>
+        </p:style>
+        <p:txBody>
+          <a:bodyPr rtlCol="0" anchor="ctr"/>
+          <a:lstStyle/>
+          <a:p>
+            <a:pPr algn="ctr"/>
+            <a:r>
+              <a:rPr lang="en-US" sz="1600" dirty="0" err="1" smtClean="0">
+                <a:solidFill>
+                  <a:schemeClr val="tx1"/>
+                </a:solidFill>
+                <a:latin typeface="Arial" pitchFamily="34" charset="0"/>
+                <a:cs typeface="Arial" pitchFamily="34" charset="0"/>
+              </a:rPr>
+              <a:t>quux</a:t>
+            </a:r>
+            <a:endParaRPr lang="en-US" sz="1600" dirty="0">
+              <a:solidFill>
+                <a:schemeClr val="tx1"/>
+              </a:solidFill>
+              <a:latin typeface="Arial" pitchFamily="34" charset="0"/>
+              <a:cs typeface="Arial" pitchFamily="34" charset="0"/>
+            </a:endParaRPr>
+          </a:p>
+        </p:txBody>
+      </p:sp>
+      <p:sp>
+        <p:nvSpPr>
+          <p:cNvPr id="52" name="Rectangle 51"/>
+          <p:cNvSpPr/>
+          <p:nvPr/>
+        </p:nvSpPr>
+        <p:spPr>
+          <a:xfrm>
+            <a:off x="6019800" y="4724400"/>
+            <a:ext cx="762000" cy="304800"/>
+          </a:xfrm>
+          <a:prstGeom prst="rect">
+            <a:avLst/>
+          </a:prstGeom>
+          <a:solidFill>
+            <a:srgbClr val="FFFFFF"/>
+          </a:solidFill>
+          <a:ln w="9525">
+            <a:solidFill>
+              <a:srgbClr val="000000"/>
+            </a:solidFill>
+            <a:prstDash val="solid"/>
+          </a:ln>
+          <a:effectLst>
+            <a:outerShdw dist="38099" dir="2700015">
+              <a:srgbClr val="000000"/>
+            </a:outerShdw>
+          </a:effectLst>
+        </p:spPr>
+        <p:style>
+          <a:lnRef idx="2">
+            <a:schemeClr val="accent1">
+              <a:shade val="50000"/>
+            </a:schemeClr>
+          </a:lnRef>
+          <a:fillRef idx="1">
+            <a:schemeClr val="accent1"/>
+          </a:fillRef>
+          <a:effectRef idx="0">
+            <a:schemeClr val="accent1"/>
+          </a:effectRef>
+          <a:fontRef idx="minor">
+            <a:schemeClr val="lt1"/>
+          </a:fontRef>
+        </p:style>
+        <p:txBody>
+          <a:bodyPr rtlCol="0" anchor="ctr"/>
+          <a:lstStyle/>
+          <a:p>
+            <a:pPr algn="ctr"/>
+            <a:r>
+              <a:rPr lang="en-US" sz="1600" dirty="0" smtClean="0">
+                <a:solidFill>
+                  <a:schemeClr val="tx1"/>
+                </a:solidFill>
+                <a:latin typeface="Arial" pitchFamily="34" charset="0"/>
+                <a:cs typeface="Arial" pitchFamily="34" charset="0"/>
+              </a:rPr>
+              <a:t>parent</a:t>
+            </a:r>
+            <a:endParaRPr lang="en-US" sz="1600" dirty="0">
+              <a:solidFill>
+                <a:schemeClr val="tx1"/>
+              </a:solidFill>
+              <a:latin typeface="Arial" pitchFamily="34" charset="0"/>
+              <a:cs typeface="Arial" pitchFamily="34" charset="0"/>
+            </a:endParaRPr>
+          </a:p>
+        </p:txBody>
+      </p:sp>
+      <p:sp>
+        <p:nvSpPr>
+          <p:cNvPr id="53" name="Rectangle 52"/>
+          <p:cNvSpPr/>
+          <p:nvPr/>
+        </p:nvSpPr>
+        <p:spPr>
+          <a:xfrm>
+            <a:off x="4495800" y="4724400"/>
+            <a:ext cx="762000" cy="304800"/>
+          </a:xfrm>
+          <a:prstGeom prst="rect">
+            <a:avLst/>
+          </a:prstGeom>
+          <a:solidFill>
+            <a:srgbClr val="FFFFFF"/>
+          </a:solidFill>
+          <a:ln w="9525">
+            <a:solidFill>
+              <a:srgbClr val="000000"/>
+            </a:solidFill>
+            <a:prstDash val="solid"/>
+          </a:ln>
+          <a:effectLst>
+            <a:outerShdw dist="38099" dir="2700015">
+              <a:srgbClr val="000000"/>
+            </a:outerShdw>
+          </a:effectLst>
+        </p:spPr>
+        <p:style>
+          <a:lnRef idx="2">
+            <a:schemeClr val="accent1">
+              <a:shade val="50000"/>
+            </a:schemeClr>
+          </a:lnRef>
+          <a:fillRef idx="1">
+            <a:schemeClr val="accent1"/>
+          </a:fillRef>
+          <a:effectRef idx="0">
+            <a:schemeClr val="accent1"/>
+          </a:effectRef>
+          <a:fontRef idx="minor">
+            <a:schemeClr val="lt1"/>
+          </a:fontRef>
+        </p:style>
+        <p:txBody>
+          <a:bodyPr rtlCol="0" anchor="ctr"/>
+          <a:lstStyle/>
+          <a:p>
+            <a:pPr algn="ctr"/>
+            <a:r>
+              <a:rPr lang="en-US" sz="1600" dirty="0" smtClean="0">
+                <a:solidFill>
+                  <a:schemeClr val="tx1"/>
+                </a:solidFill>
+                <a:latin typeface="Arial" pitchFamily="34" charset="0"/>
+                <a:cs typeface="Arial" pitchFamily="34" charset="0"/>
+              </a:rPr>
+              <a:t>parent</a:t>
+            </a:r>
+            <a:endParaRPr lang="en-US" sz="1600" dirty="0">
+              <a:solidFill>
+                <a:schemeClr val="tx1"/>
+              </a:solidFill>
+              <a:latin typeface="Arial" pitchFamily="34" charset="0"/>
+              <a:cs typeface="Arial" pitchFamily="34" charset="0"/>
+            </a:endParaRPr>
+          </a:p>
+        </p:txBody>
+      </p:sp>
+      <p:cxnSp>
+        <p:nvCxnSpPr>
+          <p:cNvPr id="54" name="Straight Arrow Connector 53"/>
+          <p:cNvCxnSpPr>
+            <a:stCxn id="52" idx="1"/>
+            <a:endCxn id="49" idx="3"/>
+          </p:cNvCxnSpPr>
+          <p:nvPr/>
+        </p:nvCxnSpPr>
+        <p:spPr>
+          <a:xfrm flipH="1">
+            <a:off x="5334000" y="4876800"/>
+            <a:ext cx="685800" cy="342900"/>
+          </a:xfrm>
+          <a:prstGeom prst="straightConnector1">
+            <a:avLst/>
+          </a:prstGeom>
+          <a:ln w="9525">
+            <a:solidFill>
+              <a:srgbClr val="000000"/>
+            </a:solidFill>
+            <a:prstDash val="solid"/>
+            <a:tailEnd type="triangle" w="med" len="med"/>
+          </a:ln>
+        </p:spPr>
+        <p:style>
+          <a:lnRef idx="1">
+            <a:schemeClr val="accent1"/>
+          </a:lnRef>
+          <a:fillRef idx="0">
+            <a:schemeClr val="accent1"/>
+          </a:fillRef>
+          <a:effectRef idx="0">
+            <a:schemeClr val="accent1"/>
+          </a:effectRef>
+          <a:fontRef idx="minor">
+            <a:schemeClr val="tx1"/>
+          </a:fontRef>
+        </p:style>
+      </p:cxnSp>
+      <p:sp>
+        <p:nvSpPr>
+          <p:cNvPr id="55" name="Isosceles Triangle 54"/>
+          <p:cNvSpPr/>
+          <p:nvPr/>
+        </p:nvSpPr>
+        <p:spPr>
+          <a:xfrm flipV="1">
+            <a:off x="4036656" y="5103456"/>
+            <a:ext cx="154344" cy="154344"/>
+          </a:xfrm>
+          <a:prstGeom prst="triangle">
+            <a:avLst/>
+          </a:prstGeom>
+          <a:solidFill>
+            <a:srgbClr val="FFFFFF"/>
+          </a:solidFill>
+          <a:ln w="9525">
+            <a:solidFill>
+              <a:srgbClr val="000000"/>
+            </a:solidFill>
+            <a:prstDash val="solid"/>
+          </a:ln>
+          <a:effectLst>
+            <a:outerShdw dist="38099" dir="2700015" rotWithShape="0">
+              <a:srgbClr val="000000"/>
+            </a:outerShdw>
+          </a:effectLst>
+        </p:spPr>
+        <p:style>
+          <a:lnRef idx="2">
+            <a:schemeClr val="accent1">
+              <a:shade val="50000"/>
+            </a:schemeClr>
+          </a:lnRef>
+          <a:fillRef idx="1">
+            <a:schemeClr val="accent1"/>
+          </a:fillRef>
+          <a:effectRef idx="0">
+            <a:schemeClr val="accent1"/>
+          </a:effectRef>
+          <a:fontRef idx="minor">
+            <a:schemeClr val="lt1"/>
+          </a:fontRef>
+        </p:style>
+        <p:txBody>
+          <a:bodyPr rtlCol="0" anchor="ctr"/>
+          <a:lstStyle/>
+          <a:p>
+            <a:pPr algn="ctr"/>
+            <a:endParaRPr lang="en-US"/>
+          </a:p>
+        </p:txBody>
+      </p:sp>
+      <p:cxnSp>
+        <p:nvCxnSpPr>
+          <p:cNvPr id="56" name="Elbow Connector 55"/>
+          <p:cNvCxnSpPr>
+            <a:stCxn id="53" idx="1"/>
+            <a:endCxn id="55" idx="3"/>
+          </p:cNvCxnSpPr>
+          <p:nvPr/>
+        </p:nvCxnSpPr>
+        <p:spPr>
+          <a:xfrm rot="10800000" flipV="1">
+            <a:off x="4113828" y="4876800"/>
+            <a:ext cx="381972" cy="226656"/>
+          </a:xfrm>
+          <a:prstGeom prst="bentConnector2">
+            <a:avLst/>
+          </a:prstGeom>
+          <a:ln w="9525">
+            <a:solidFill>
+              <a:srgbClr val="000000"/>
+            </a:solidFill>
+            <a:prstDash val="solid"/>
+          </a:ln>
+        </p:spPr>
+        <p:style>
+          <a:lnRef idx="1">
+            <a:schemeClr val="accent1"/>
+          </a:lnRef>
+          <a:fillRef idx="0">
+            <a:schemeClr val="accent1"/>
+          </a:fillRef>
+          <a:effectRef idx="0">
+            <a:schemeClr val="accent1"/>
+          </a:effectRef>
+          <a:fontRef idx="minor">
+            <a:schemeClr val="tx1"/>
+          </a:fontRef>
+        </p:style>
+      </p:cxnSp>
+      <p:sp>
+        <p:nvSpPr>
+          <p:cNvPr id="59" name="TextBox 58"/>
+          <p:cNvSpPr txBox="1"/>
+          <p:nvPr/>
+        </p:nvSpPr>
+        <p:spPr>
+          <a:xfrm>
+            <a:off x="4191000" y="1524000"/>
+            <a:ext cx="763927" cy="240066"/>
+          </a:xfrm>
+          <a:prstGeom prst="rect">
+            <a:avLst/>
+          </a:prstGeom>
+          <a:noFill/>
+          <a:ln w="9525">
+            <a:noFill/>
+            <a:prstDash val="solid"/>
+          </a:ln>
+        </p:spPr>
+        <p:txBody>
+          <a:bodyPr vert="horz" wrap="none" lIns="27432" tIns="27432" rIns="27432" bIns="27432" rtlCol="0" anchor="ctr" anchorCtr="0">
+            <a:spAutoFit/>
+          </a:bodyPr>
+          <a:lstStyle/>
+          <a:p>
+            <a:pPr algn="ctr"/>
+            <a:r>
+              <a:rPr lang="en-US" sz="1200" dirty="0" smtClean="0">
+                <a:latin typeface="Arial"/>
+              </a:rPr>
+              <a:t>Interpreter</a:t>
+            </a:r>
+            <a:endParaRPr lang="en-US" sz="1200" dirty="0">
+              <a:latin typeface="Arial"/>
+            </a:endParaRPr>
+          </a:p>
+        </p:txBody>
+      </p:sp>
+      <p:sp>
+        <p:nvSpPr>
+          <p:cNvPr id="60" name="TextBox 59"/>
+          <p:cNvSpPr txBox="1"/>
+          <p:nvPr/>
+        </p:nvSpPr>
+        <p:spPr>
+          <a:xfrm>
+            <a:off x="5919382" y="1524000"/>
+            <a:ext cx="355162" cy="240066"/>
+          </a:xfrm>
+          <a:prstGeom prst="rect">
+            <a:avLst/>
+          </a:prstGeom>
+          <a:noFill/>
+          <a:ln w="9525">
+            <a:noFill/>
+            <a:prstDash val="solid"/>
+          </a:ln>
+        </p:spPr>
+        <p:txBody>
+          <a:bodyPr vert="horz" wrap="none" lIns="27432" tIns="27432" rIns="27432" bIns="27432" rtlCol="0" anchor="ctr" anchorCtr="0">
+            <a:spAutoFit/>
+          </a:bodyPr>
+          <a:lstStyle/>
+          <a:p>
+            <a:pPr algn="ctr"/>
+            <a:r>
+              <a:rPr lang="en-US" sz="1200" dirty="0" smtClean="0">
+                <a:latin typeface="Arial"/>
+              </a:rPr>
+              <a:t>AST</a:t>
+            </a:r>
+            <a:endParaRPr lang="en-US" sz="1200" dirty="0">
+              <a:latin typeface="Arial"/>
+            </a:endParaRPr>
+          </a:p>
+        </p:txBody>
+      </p:sp>
+      <p:sp>
+        <p:nvSpPr>
+          <p:cNvPr id="61" name="TextBox 60"/>
+          <p:cNvSpPr txBox="1"/>
+          <p:nvPr/>
+        </p:nvSpPr>
+        <p:spPr>
+          <a:xfrm>
+            <a:off x="1063779" y="1524000"/>
+            <a:ext cx="1836785" cy="240066"/>
+          </a:xfrm>
+          <a:prstGeom prst="rect">
+            <a:avLst/>
+          </a:prstGeom>
+          <a:noFill/>
+          <a:ln w="9525">
+            <a:noFill/>
+            <a:prstDash val="solid"/>
+          </a:ln>
+        </p:spPr>
+        <p:txBody>
+          <a:bodyPr vert="horz" wrap="none" lIns="27432" tIns="27432" rIns="27432" bIns="27432" rtlCol="0" anchor="ctr" anchorCtr="0">
+            <a:spAutoFit/>
+          </a:bodyPr>
+          <a:lstStyle/>
+          <a:p>
+            <a:pPr algn="ctr"/>
+            <a:r>
+              <a:rPr lang="en-US" sz="1200" dirty="0" smtClean="0">
+                <a:latin typeface="Arial"/>
+              </a:rPr>
+              <a:t>AST with interpreter </a:t>
+            </a:r>
+            <a:r>
+              <a:rPr lang="en-US" sz="1200" dirty="0" err="1" smtClean="0">
+                <a:latin typeface="Arial"/>
+              </a:rPr>
+              <a:t>eval</a:t>
+            </a:r>
+            <a:r>
+              <a:rPr lang="en-US" sz="1200" smtClean="0">
+                <a:latin typeface="Arial"/>
+              </a:rPr>
+              <a:t>()</a:t>
+            </a:r>
+            <a:endParaRPr lang="en-US" sz="1200" dirty="0">
+              <a:latin typeface="Arial"/>
+            </a:endParaRPr>
+          </a:p>
+        </p:txBody>
+      </p:sp>
+      <p:sp>
+        <p:nvSpPr>
+          <p:cNvPr id="43" name="Rectangle 42"/>
+          <p:cNvSpPr/>
+          <p:nvPr/>
+        </p:nvSpPr>
+        <p:spPr>
+          <a:xfrm>
+            <a:off x="838200" y="5791200"/>
+            <a:ext cx="228600" cy="228600"/>
+          </a:xfrm>
+          <a:prstGeom prst="rect">
+            <a:avLst/>
+          </a:prstGeom>
+          <a:solidFill>
+            <a:srgbClr val="FFFFFF"/>
+          </a:solidFill>
+          <a:ln w="9525">
+            <a:solidFill>
+              <a:srgbClr val="000000"/>
+            </a:solidFill>
+            <a:prstDash val="solid"/>
+          </a:ln>
+          <a:effectLst>
+            <a:outerShdw dist="38099" dir="2700015">
+              <a:srgbClr val="000000"/>
+            </a:outerShdw>
+          </a:effectLst>
+        </p:spPr>
+        <p:style>
+          <a:lnRef idx="2">
+            <a:schemeClr val="accent1">
+              <a:shade val="50000"/>
+            </a:schemeClr>
+          </a:lnRef>
+          <a:fillRef idx="1">
+            <a:schemeClr val="accent1"/>
+          </a:fillRef>
+          <a:effectRef idx="0">
+            <a:schemeClr val="accent1"/>
+          </a:effectRef>
+          <a:fontRef idx="minor">
+            <a:schemeClr val="lt1"/>
+          </a:fontRef>
+        </p:style>
+        <p:txBody>
+          <a:bodyPr rtlCol="0" anchor="ctr"/>
+          <a:lstStyle/>
+          <a:p>
+            <a:pPr algn="ctr"/>
+            <a:r>
+              <a:rPr lang="en-US" sz="1600" dirty="0" smtClean="0">
+                <a:solidFill>
+                  <a:schemeClr val="tx1"/>
+                </a:solidFill>
+                <a:latin typeface="Arial" pitchFamily="34" charset="0"/>
+                <a:cs typeface="Arial" pitchFamily="34" charset="0"/>
+              </a:rPr>
+              <a:t>a</a:t>
+            </a:r>
+            <a:endParaRPr lang="en-US" sz="1600" dirty="0">
+              <a:solidFill>
+                <a:schemeClr val="tx1"/>
+              </a:solidFill>
+              <a:latin typeface="Arial" pitchFamily="34" charset="0"/>
+              <a:cs typeface="Arial" pitchFamily="34" charset="0"/>
+            </a:endParaRPr>
+          </a:p>
+        </p:txBody>
+      </p:sp>
+      <p:sp>
+        <p:nvSpPr>
+          <p:cNvPr id="44" name="Rectangle 43"/>
+          <p:cNvSpPr/>
+          <p:nvPr/>
+        </p:nvSpPr>
+        <p:spPr>
+          <a:xfrm>
+            <a:off x="1066800" y="5791200"/>
+            <a:ext cx="228600" cy="228600"/>
+          </a:xfrm>
+          <a:prstGeom prst="rect">
+            <a:avLst/>
+          </a:prstGeom>
+          <a:solidFill>
+            <a:srgbClr val="FFFFFF"/>
+          </a:solidFill>
+          <a:ln w="9525">
+            <a:solidFill>
+              <a:srgbClr val="000000"/>
+            </a:solidFill>
+            <a:prstDash val="solid"/>
+          </a:ln>
+          <a:effectLst>
+            <a:outerShdw dist="38099" dir="2700015">
+              <a:srgbClr val="000000"/>
+            </a:outerShdw>
+          </a:effectLst>
+        </p:spPr>
+        <p:style>
+          <a:lnRef idx="2">
+            <a:schemeClr val="accent1">
+              <a:shade val="50000"/>
+            </a:schemeClr>
+          </a:lnRef>
+          <a:fillRef idx="1">
+            <a:schemeClr val="accent1"/>
+          </a:fillRef>
+          <a:effectRef idx="0">
+            <a:schemeClr val="accent1"/>
+          </a:effectRef>
+          <a:fontRef idx="minor">
+            <a:schemeClr val="lt1"/>
+          </a:fontRef>
+        </p:style>
+        <p:txBody>
+          <a:bodyPr rtlCol="0" anchor="ctr"/>
+          <a:lstStyle/>
+          <a:p>
+            <a:pPr algn="ctr"/>
+            <a:r>
+              <a:rPr lang="en-US" sz="1600" dirty="0" smtClean="0">
+                <a:solidFill>
+                  <a:schemeClr val="tx1"/>
+                </a:solidFill>
+                <a:latin typeface="Arial" pitchFamily="34" charset="0"/>
+                <a:cs typeface="Arial" pitchFamily="34" charset="0"/>
+              </a:rPr>
+              <a:t>b</a:t>
+            </a:r>
+            <a:endParaRPr lang="en-US" sz="1600" dirty="0">
+              <a:solidFill>
+                <a:schemeClr val="tx1"/>
+              </a:solidFill>
+              <a:latin typeface="Arial" pitchFamily="34" charset="0"/>
+              <a:cs typeface="Arial" pitchFamily="34" charset="0"/>
+            </a:endParaRPr>
+          </a:p>
+        </p:txBody>
+      </p:sp>
+      <p:sp>
+        <p:nvSpPr>
+          <p:cNvPr id="45" name="Rectangle 44"/>
+          <p:cNvSpPr/>
+          <p:nvPr/>
+        </p:nvSpPr>
+        <p:spPr>
+          <a:xfrm>
+            <a:off x="1295400" y="5791200"/>
+            <a:ext cx="228600" cy="228600"/>
+          </a:xfrm>
+          <a:prstGeom prst="rect">
+            <a:avLst/>
+          </a:prstGeom>
+          <a:solidFill>
+            <a:srgbClr val="FFFFFF"/>
+          </a:solidFill>
+          <a:ln w="9525">
+            <a:solidFill>
+              <a:srgbClr val="000000"/>
+            </a:solidFill>
+            <a:prstDash val="solid"/>
+          </a:ln>
+          <a:effectLst>
+            <a:outerShdw dist="38099" dir="2700015">
+              <a:srgbClr val="000000"/>
+            </a:outerShdw>
+          </a:effectLst>
+        </p:spPr>
+        <p:style>
+          <a:lnRef idx="2">
+            <a:schemeClr val="accent1">
+              <a:shade val="50000"/>
+            </a:schemeClr>
+          </a:lnRef>
+          <a:fillRef idx="1">
+            <a:schemeClr val="accent1"/>
+          </a:fillRef>
+          <a:effectRef idx="0">
+            <a:schemeClr val="accent1"/>
+          </a:effectRef>
+          <a:fontRef idx="minor">
+            <a:schemeClr val="lt1"/>
+          </a:fontRef>
+        </p:style>
+        <p:txBody>
+          <a:bodyPr rtlCol="0" anchor="ctr"/>
+          <a:lstStyle/>
+          <a:p>
+            <a:pPr algn="ctr"/>
+            <a:r>
+              <a:rPr lang="en-US" sz="1600" dirty="0" smtClean="0">
+                <a:solidFill>
+                  <a:schemeClr val="tx1"/>
+                </a:solidFill>
+                <a:latin typeface="Arial" pitchFamily="34" charset="0"/>
+                <a:cs typeface="Arial" pitchFamily="34" charset="0"/>
+              </a:rPr>
+              <a:t>c</a:t>
+            </a:r>
+            <a:endParaRPr lang="en-US" sz="1600" dirty="0">
+              <a:solidFill>
+                <a:schemeClr val="tx1"/>
+              </a:solidFill>
+              <a:latin typeface="Arial" pitchFamily="34" charset="0"/>
+              <a:cs typeface="Arial" pitchFamily="34" charset="0"/>
+            </a:endParaRPr>
+          </a:p>
+        </p:txBody>
+      </p:sp>
+      <p:sp>
+        <p:nvSpPr>
+          <p:cNvPr id="57" name="Rectangle 56"/>
+          <p:cNvSpPr/>
+          <p:nvPr/>
+        </p:nvSpPr>
+        <p:spPr>
+          <a:xfrm>
+            <a:off x="1524000" y="5791200"/>
+            <a:ext cx="228600" cy="228600"/>
+          </a:xfrm>
+          <a:prstGeom prst="rect">
+            <a:avLst/>
+          </a:prstGeom>
+          <a:solidFill>
+            <a:srgbClr val="FFFFFF"/>
+          </a:solidFill>
+          <a:ln w="9525">
+            <a:solidFill>
+              <a:srgbClr val="000000"/>
+            </a:solidFill>
+            <a:prstDash val="solid"/>
+          </a:ln>
+          <a:effectLst>
+            <a:outerShdw dist="38099" dir="2700015">
+              <a:srgbClr val="000000"/>
+            </a:outerShdw>
+          </a:effectLst>
+        </p:spPr>
+        <p:style>
+          <a:lnRef idx="2">
+            <a:schemeClr val="accent1">
+              <a:shade val="50000"/>
+            </a:schemeClr>
+          </a:lnRef>
+          <a:fillRef idx="1">
+            <a:schemeClr val="accent1"/>
+          </a:fillRef>
+          <a:effectRef idx="0">
+            <a:schemeClr val="accent1"/>
+          </a:effectRef>
+          <a:fontRef idx="minor">
+            <a:schemeClr val="lt1"/>
+          </a:fontRef>
+        </p:style>
+        <p:txBody>
+          <a:bodyPr rtlCol="0" anchor="ctr"/>
+          <a:lstStyle/>
+          <a:p>
+            <a:pPr algn="ctr"/>
+            <a:r>
+              <a:rPr lang="en-US" sz="1600" dirty="0" smtClean="0">
+                <a:solidFill>
+                  <a:schemeClr val="tx1"/>
+                </a:solidFill>
+                <a:latin typeface="Arial" pitchFamily="34" charset="0"/>
+                <a:cs typeface="Arial" pitchFamily="34" charset="0"/>
+              </a:rPr>
+              <a:t>d</a:t>
+            </a:r>
+            <a:endParaRPr lang="en-US" sz="1600" dirty="0">
+              <a:solidFill>
+                <a:schemeClr val="tx1"/>
+              </a:solidFill>
+              <a:latin typeface="Arial" pitchFamily="34" charset="0"/>
+              <a:cs typeface="Arial" pitchFamily="34" charset="0"/>
+            </a:endParaRPr>
+          </a:p>
+        </p:txBody>
+      </p:sp>
+      <p:sp>
+        <p:nvSpPr>
+          <p:cNvPr id="58" name="Rectangle 57"/>
+          <p:cNvSpPr/>
+          <p:nvPr/>
+        </p:nvSpPr>
+        <p:spPr>
+          <a:xfrm>
+            <a:off x="1752600" y="5334000"/>
+            <a:ext cx="228600" cy="228600"/>
+          </a:xfrm>
+          <a:prstGeom prst="rect">
+            <a:avLst/>
+          </a:prstGeom>
+          <a:solidFill>
+            <a:srgbClr val="FFFFFF"/>
+          </a:solidFill>
+          <a:ln w="9525">
+            <a:solidFill>
+              <a:srgbClr val="000000"/>
+            </a:solidFill>
+            <a:prstDash val="solid"/>
+          </a:ln>
+          <a:effectLst>
+            <a:outerShdw dist="38099" dir="2700015">
+              <a:srgbClr val="000000"/>
+            </a:outerShdw>
+          </a:effectLst>
+        </p:spPr>
+        <p:style>
+          <a:lnRef idx="2">
+            <a:schemeClr val="accent1">
+              <a:shade val="50000"/>
+            </a:schemeClr>
+          </a:lnRef>
+          <a:fillRef idx="1">
+            <a:schemeClr val="accent1"/>
+          </a:fillRef>
+          <a:effectRef idx="0">
+            <a:schemeClr val="accent1"/>
+          </a:effectRef>
+          <a:fontRef idx="minor">
+            <a:schemeClr val="lt1"/>
+          </a:fontRef>
+        </p:style>
+        <p:txBody>
+          <a:bodyPr rtlCol="0" anchor="ctr"/>
+          <a:lstStyle/>
+          <a:p>
+            <a:pPr algn="ctr"/>
+            <a:r>
+              <a:rPr lang="en-US" sz="1600" dirty="0" smtClean="0">
+                <a:solidFill>
+                  <a:schemeClr val="tx1"/>
+                </a:solidFill>
+                <a:latin typeface="Arial" pitchFamily="34" charset="0"/>
+                <a:cs typeface="Arial" pitchFamily="34" charset="0"/>
+              </a:rPr>
+              <a:t>e</a:t>
+            </a:r>
+            <a:endParaRPr lang="en-US" sz="1600" dirty="0">
+              <a:solidFill>
+                <a:schemeClr val="tx1"/>
+              </a:solidFill>
+              <a:latin typeface="Arial" pitchFamily="34" charset="0"/>
+              <a:cs typeface="Arial" pitchFamily="34" charset="0"/>
+            </a:endParaRPr>
+          </a:p>
+        </p:txBody>
+      </p:sp>
+      <p:sp>
+        <p:nvSpPr>
+          <p:cNvPr id="62" name="Rectangle 61"/>
+          <p:cNvSpPr/>
+          <p:nvPr/>
+        </p:nvSpPr>
+        <p:spPr>
+          <a:xfrm>
+            <a:off x="1295400" y="5334000"/>
+            <a:ext cx="228600" cy="228600"/>
+          </a:xfrm>
+          <a:prstGeom prst="rect">
+            <a:avLst/>
+          </a:prstGeom>
+          <a:solidFill>
+            <a:srgbClr val="FFFFFF"/>
+          </a:solidFill>
+          <a:ln w="9525">
+            <a:solidFill>
+              <a:srgbClr val="000000"/>
+            </a:solidFill>
+            <a:prstDash val="solid"/>
+          </a:ln>
+          <a:effectLst>
+            <a:outerShdw dist="38099" dir="2700015">
+              <a:srgbClr val="000000"/>
+            </a:outerShdw>
+          </a:effectLst>
+        </p:spPr>
+        <p:style>
+          <a:lnRef idx="2">
+            <a:schemeClr val="accent1">
+              <a:shade val="50000"/>
+            </a:schemeClr>
+          </a:lnRef>
+          <a:fillRef idx="1">
+            <a:schemeClr val="accent1"/>
+          </a:fillRef>
+          <a:effectRef idx="0">
+            <a:schemeClr val="accent1"/>
+          </a:effectRef>
+          <a:fontRef idx="minor">
+            <a:schemeClr val="lt1"/>
+          </a:fontRef>
+        </p:style>
+        <p:txBody>
+          <a:bodyPr rtlCol="0" anchor="ctr"/>
+          <a:lstStyle/>
+          <a:p>
+            <a:pPr algn="ctr"/>
+            <a:r>
+              <a:rPr lang="en-US" sz="1600" dirty="0" smtClean="0">
+                <a:solidFill>
+                  <a:schemeClr val="tx1"/>
+                </a:solidFill>
+                <a:latin typeface="Arial" pitchFamily="34" charset="0"/>
+                <a:cs typeface="Arial" pitchFamily="34" charset="0"/>
+              </a:rPr>
+              <a:t>c</a:t>
+            </a:r>
+            <a:endParaRPr lang="en-US" sz="1600" dirty="0">
+              <a:solidFill>
+                <a:schemeClr val="tx1"/>
+              </a:solidFill>
+              <a:latin typeface="Arial" pitchFamily="34" charset="0"/>
+              <a:cs typeface="Arial" pitchFamily="34" charset="0"/>
+            </a:endParaRPr>
+          </a:p>
+        </p:txBody>
+      </p:sp>
+      <p:sp>
+        <p:nvSpPr>
+          <p:cNvPr id="63" name="Rectangle 62"/>
+          <p:cNvSpPr/>
+          <p:nvPr/>
+        </p:nvSpPr>
+        <p:spPr>
+          <a:xfrm>
+            <a:off x="1752600" y="4876800"/>
+            <a:ext cx="228600" cy="228600"/>
+          </a:xfrm>
+          <a:prstGeom prst="rect">
+            <a:avLst/>
+          </a:prstGeom>
+          <a:solidFill>
+            <a:srgbClr val="FFFFFF"/>
+          </a:solidFill>
+          <a:ln w="9525">
+            <a:solidFill>
+              <a:srgbClr val="000000"/>
+            </a:solidFill>
+            <a:prstDash val="solid"/>
+          </a:ln>
+          <a:effectLst>
+            <a:outerShdw dist="38099" dir="2700015">
+              <a:srgbClr val="000000"/>
+            </a:outerShdw>
+          </a:effectLst>
+        </p:spPr>
+        <p:style>
+          <a:lnRef idx="2">
+            <a:schemeClr val="accent1">
+              <a:shade val="50000"/>
+            </a:schemeClr>
+          </a:lnRef>
+          <a:fillRef idx="1">
+            <a:schemeClr val="accent1"/>
+          </a:fillRef>
+          <a:effectRef idx="0">
+            <a:schemeClr val="accent1"/>
+          </a:effectRef>
+          <a:fontRef idx="minor">
+            <a:schemeClr val="lt1"/>
+          </a:fontRef>
+        </p:style>
+        <p:txBody>
+          <a:bodyPr rtlCol="0" anchor="ctr"/>
+          <a:lstStyle/>
+          <a:p>
+            <a:pPr algn="ctr"/>
+            <a:r>
+              <a:rPr lang="en-US" sz="1600" dirty="0" smtClean="0">
+                <a:solidFill>
+                  <a:schemeClr val="tx1"/>
+                </a:solidFill>
+                <a:latin typeface="Arial" pitchFamily="34" charset="0"/>
+                <a:cs typeface="Arial" pitchFamily="34" charset="0"/>
+              </a:rPr>
+              <a:t>e</a:t>
+            </a:r>
+            <a:endParaRPr lang="en-US" sz="1600" dirty="0">
+              <a:solidFill>
+                <a:schemeClr val="tx1"/>
+              </a:solidFill>
+              <a:latin typeface="Arial" pitchFamily="34" charset="0"/>
+              <a:cs typeface="Arial" pitchFamily="34" charset="0"/>
+            </a:endParaRPr>
+          </a:p>
+        </p:txBody>
+      </p:sp>
+      <p:sp>
+        <p:nvSpPr>
+          <p:cNvPr id="66" name="Rectangle 65"/>
+          <p:cNvSpPr/>
+          <p:nvPr/>
+        </p:nvSpPr>
+        <p:spPr>
+          <a:xfrm>
+            <a:off x="1981200" y="5791200"/>
+            <a:ext cx="228600" cy="228600"/>
+          </a:xfrm>
+          <a:prstGeom prst="rect">
+            <a:avLst/>
+          </a:prstGeom>
+          <a:solidFill>
+            <a:srgbClr val="FFFFFF"/>
+          </a:solidFill>
+          <a:ln w="9525">
+            <a:solidFill>
+              <a:srgbClr val="000000"/>
+            </a:solidFill>
+            <a:prstDash val="solid"/>
+          </a:ln>
+          <a:effectLst>
+            <a:outerShdw dist="38099" dir="2700015">
+              <a:srgbClr val="000000"/>
+            </a:outerShdw>
+          </a:effectLst>
+        </p:spPr>
+        <p:style>
+          <a:lnRef idx="2">
+            <a:schemeClr val="accent1">
+              <a:shade val="50000"/>
+            </a:schemeClr>
+          </a:lnRef>
+          <a:fillRef idx="1">
+            <a:schemeClr val="accent1"/>
+          </a:fillRef>
+          <a:effectRef idx="0">
+            <a:schemeClr val="accent1"/>
+          </a:effectRef>
+          <a:fontRef idx="minor">
+            <a:schemeClr val="lt1"/>
+          </a:fontRef>
+        </p:style>
+        <p:txBody>
+          <a:bodyPr rtlCol="0" anchor="ctr"/>
+          <a:lstStyle/>
+          <a:p>
+            <a:pPr algn="ctr"/>
+            <a:r>
+              <a:rPr lang="en-US" sz="1600" dirty="0" smtClean="0">
+                <a:solidFill>
+                  <a:schemeClr val="tx1"/>
+                </a:solidFill>
+                <a:latin typeface="Arial" pitchFamily="34" charset="0"/>
+                <a:cs typeface="Arial" pitchFamily="34" charset="0"/>
+              </a:rPr>
+              <a:t>f</a:t>
+            </a:r>
+            <a:endParaRPr lang="en-US" sz="1600" dirty="0">
+              <a:solidFill>
+                <a:schemeClr val="tx1"/>
+              </a:solidFill>
+              <a:latin typeface="Arial" pitchFamily="34" charset="0"/>
+              <a:cs typeface="Arial" pitchFamily="34" charset="0"/>
+            </a:endParaRPr>
+          </a:p>
+        </p:txBody>
+      </p:sp>
+      <p:sp>
+        <p:nvSpPr>
+          <p:cNvPr id="67" name="Rectangle 66"/>
+          <p:cNvSpPr/>
+          <p:nvPr/>
+        </p:nvSpPr>
+        <p:spPr>
+          <a:xfrm>
+            <a:off x="762000" y="5715000"/>
+            <a:ext cx="1524000" cy="381000"/>
+          </a:xfrm>
+          <a:prstGeom prst="rect">
+            <a:avLst/>
+          </a:prstGeom>
+          <a:noFill/>
+          <a:ln w="9525">
+            <a:solidFill>
+              <a:srgbClr val="000000"/>
+            </a:solidFill>
+            <a:prstDash val="sysDash"/>
+          </a:ln>
+          <a:effectLst/>
+        </p:spPr>
+        <p:style>
+          <a:lnRef idx="2">
+            <a:schemeClr val="accent1">
+              <a:shade val="50000"/>
+            </a:schemeClr>
+          </a:lnRef>
+          <a:fillRef idx="1">
+            <a:schemeClr val="accent1"/>
+          </a:fillRef>
+          <a:effectRef idx="0">
+            <a:schemeClr val="accent1"/>
+          </a:effectRef>
+          <a:fontRef idx="minor">
+            <a:schemeClr val="lt1"/>
+          </a:fontRef>
+        </p:style>
+        <p:txBody>
+          <a:bodyPr rtlCol="0" anchor="ctr"/>
+          <a:lstStyle/>
+          <a:p>
+            <a:pPr algn="ctr"/>
+            <a:endParaRPr lang="en-US" sz="1600" dirty="0">
+              <a:solidFill>
+                <a:schemeClr val="tx1"/>
+              </a:solidFill>
+              <a:latin typeface="Arial" pitchFamily="34" charset="0"/>
+              <a:cs typeface="Arial" pitchFamily="34" charset="0"/>
+            </a:endParaRPr>
+          </a:p>
+        </p:txBody>
+      </p:sp>
+      <p:sp>
+        <p:nvSpPr>
+          <p:cNvPr id="68" name="Rectangle 67"/>
+          <p:cNvSpPr/>
+          <p:nvPr/>
+        </p:nvSpPr>
+        <p:spPr>
+          <a:xfrm>
+            <a:off x="762000" y="5257800"/>
+            <a:ext cx="1524000" cy="381000"/>
+          </a:xfrm>
+          <a:prstGeom prst="rect">
+            <a:avLst/>
+          </a:prstGeom>
+          <a:noFill/>
+          <a:ln w="9525">
+            <a:solidFill>
+              <a:srgbClr val="000000"/>
+            </a:solidFill>
+            <a:prstDash val="sysDash"/>
+          </a:ln>
+          <a:effectLst/>
+        </p:spPr>
+        <p:style>
+          <a:lnRef idx="2">
+            <a:schemeClr val="accent1">
+              <a:shade val="50000"/>
+            </a:schemeClr>
+          </a:lnRef>
+          <a:fillRef idx="1">
+            <a:schemeClr val="accent1"/>
+          </a:fillRef>
+          <a:effectRef idx="0">
+            <a:schemeClr val="accent1"/>
+          </a:effectRef>
+          <a:fontRef idx="minor">
+            <a:schemeClr val="lt1"/>
+          </a:fontRef>
+        </p:style>
+        <p:txBody>
+          <a:bodyPr rtlCol="0" anchor="ctr"/>
+          <a:lstStyle/>
+          <a:p>
+            <a:pPr algn="ctr"/>
+            <a:endParaRPr lang="en-US" sz="1600" dirty="0">
+              <a:solidFill>
+                <a:schemeClr val="tx1"/>
+              </a:solidFill>
+              <a:latin typeface="Arial" pitchFamily="34" charset="0"/>
+              <a:cs typeface="Arial" pitchFamily="34" charset="0"/>
+            </a:endParaRPr>
+          </a:p>
+        </p:txBody>
+      </p:sp>
+      <p:sp>
+        <p:nvSpPr>
+          <p:cNvPr id="69" name="Rectangle 68"/>
+          <p:cNvSpPr/>
+          <p:nvPr/>
+        </p:nvSpPr>
+        <p:spPr>
+          <a:xfrm>
+            <a:off x="762000" y="4800600"/>
+            <a:ext cx="1524000" cy="381000"/>
+          </a:xfrm>
+          <a:prstGeom prst="rect">
+            <a:avLst/>
+          </a:prstGeom>
+          <a:noFill/>
+          <a:ln w="9525">
+            <a:solidFill>
+              <a:srgbClr val="000000"/>
+            </a:solidFill>
+            <a:prstDash val="sysDash"/>
+          </a:ln>
+          <a:effectLst/>
+        </p:spPr>
+        <p:style>
+          <a:lnRef idx="2">
+            <a:schemeClr val="accent1">
+              <a:shade val="50000"/>
+            </a:schemeClr>
+          </a:lnRef>
+          <a:fillRef idx="1">
+            <a:schemeClr val="accent1"/>
+          </a:fillRef>
+          <a:effectRef idx="0">
+            <a:schemeClr val="accent1"/>
+          </a:effectRef>
+          <a:fontRef idx="minor">
+            <a:schemeClr val="lt1"/>
+          </a:fontRef>
+        </p:style>
+        <p:txBody>
+          <a:bodyPr rtlCol="0" anchor="ctr"/>
+          <a:lstStyle/>
+          <a:p>
+            <a:pPr algn="ctr"/>
+            <a:endParaRPr lang="en-US" sz="1600" dirty="0">
+              <a:solidFill>
+                <a:schemeClr val="tx1"/>
+              </a:solidFill>
+              <a:latin typeface="Arial" pitchFamily="34" charset="0"/>
+              <a:cs typeface="Arial" pitchFamily="34" charset="0"/>
+            </a:endParaRPr>
+          </a:p>
+        </p:txBody>
+      </p:sp>
+      <p:cxnSp>
+        <p:nvCxnSpPr>
+          <p:cNvPr id="71" name="Straight Arrow Connector 70"/>
+          <p:cNvCxnSpPr>
+            <a:stCxn id="63" idx="2"/>
+            <a:endCxn id="58" idx="0"/>
+          </p:cNvCxnSpPr>
+          <p:nvPr/>
+        </p:nvCxnSpPr>
+        <p:spPr>
+          <a:xfrm>
+            <a:off x="1866900" y="5105400"/>
+            <a:ext cx="0" cy="228600"/>
+          </a:xfrm>
+          <a:prstGeom prst="straightConnector1">
+            <a:avLst/>
+          </a:prstGeom>
+          <a:ln w="9525">
+            <a:solidFill>
+              <a:srgbClr val="000000"/>
+            </a:solidFill>
+            <a:prstDash val="solid"/>
+            <a:tailEnd type="triangle" w="med" len="med"/>
+          </a:ln>
+        </p:spPr>
+        <p:style>
+          <a:lnRef idx="1">
+            <a:schemeClr val="accent1"/>
+          </a:lnRef>
+          <a:fillRef idx="0">
+            <a:schemeClr val="accent1"/>
+          </a:fillRef>
+          <a:effectRef idx="0">
+            <a:schemeClr val="accent1"/>
+          </a:effectRef>
+          <a:fontRef idx="minor">
+            <a:schemeClr val="tx1"/>
+          </a:fontRef>
+        </p:style>
+      </p:cxnSp>
+      <p:cxnSp>
+        <p:nvCxnSpPr>
+          <p:cNvPr id="72" name="Straight Arrow Connector 71"/>
+          <p:cNvCxnSpPr>
+            <a:stCxn id="62" idx="2"/>
+            <a:endCxn id="45" idx="0"/>
+          </p:cNvCxnSpPr>
+          <p:nvPr/>
+        </p:nvCxnSpPr>
+        <p:spPr>
+          <a:xfrm>
+            <a:off x="1409700" y="5562600"/>
+            <a:ext cx="0" cy="228600"/>
+          </a:xfrm>
+          <a:prstGeom prst="straightConnector1">
+            <a:avLst/>
+          </a:prstGeom>
+          <a:ln w="9525">
+            <a:solidFill>
+              <a:srgbClr val="000000"/>
+            </a:solidFill>
+            <a:prstDash val="solid"/>
+            <a:tailEnd type="triangle" w="med" len="med"/>
+          </a:ln>
+        </p:spPr>
+        <p:style>
+          <a:lnRef idx="1">
+            <a:schemeClr val="accent1"/>
+          </a:lnRef>
+          <a:fillRef idx="0">
+            <a:schemeClr val="accent1"/>
+          </a:fillRef>
+          <a:effectRef idx="0">
+            <a:schemeClr val="accent1"/>
+          </a:effectRef>
+          <a:fontRef idx="minor">
+            <a:schemeClr val="tx1"/>
+          </a:fontRef>
+        </p:style>
+      </p:cxnSp>
+      <p:cxnSp>
+        <p:nvCxnSpPr>
+          <p:cNvPr id="73" name="Elbow Connector 72"/>
+          <p:cNvCxnSpPr>
+            <a:stCxn id="69" idx="3"/>
+            <a:endCxn id="68" idx="3"/>
+          </p:cNvCxnSpPr>
+          <p:nvPr/>
+        </p:nvCxnSpPr>
+        <p:spPr>
+          <a:xfrm>
+            <a:off x="2286000" y="4991100"/>
+            <a:ext cx="12700" cy="457200"/>
+          </a:xfrm>
+          <a:prstGeom prst="bentConnector3">
+            <a:avLst>
+              <a:gd name="adj1" fmla="val 1800000"/>
+            </a:avLst>
+          </a:prstGeom>
+          <a:ln w="9525">
+            <a:solidFill>
+              <a:srgbClr val="000000"/>
+            </a:solidFill>
+            <a:prstDash val="sysDash"/>
+            <a:tailEnd type="triangle" w="med" len="med"/>
+          </a:ln>
+        </p:spPr>
+        <p:style>
+          <a:lnRef idx="1">
+            <a:schemeClr val="accent1"/>
+          </a:lnRef>
+          <a:fillRef idx="0">
+            <a:schemeClr val="accent1"/>
+          </a:fillRef>
+          <a:effectRef idx="0">
+            <a:schemeClr val="accent1"/>
+          </a:effectRef>
+          <a:fontRef idx="minor">
+            <a:schemeClr val="tx1"/>
+          </a:fontRef>
+        </p:style>
+      </p:cxnSp>
+      <p:cxnSp>
+        <p:nvCxnSpPr>
+          <p:cNvPr id="76" name="Elbow Connector 75"/>
+          <p:cNvCxnSpPr>
+            <a:stCxn id="68" idx="1"/>
+            <a:endCxn id="67" idx="1"/>
+          </p:cNvCxnSpPr>
+          <p:nvPr/>
+        </p:nvCxnSpPr>
+        <p:spPr>
+          <a:xfrm rot="10800000" flipV="1">
+            <a:off x="762000" y="5448300"/>
+            <a:ext cx="12700" cy="457200"/>
+          </a:xfrm>
+          <a:prstGeom prst="bentConnector3">
+            <a:avLst>
+              <a:gd name="adj1" fmla="val 1800000"/>
+            </a:avLst>
+          </a:prstGeom>
+          <a:ln w="9525">
+            <a:solidFill>
+              <a:srgbClr val="000000"/>
+            </a:solidFill>
+            <a:prstDash val="sysDash"/>
+            <a:tailEnd type="triangle" w="med" len="med"/>
+          </a:ln>
+        </p:spPr>
+        <p:style>
+          <a:lnRef idx="1">
+            <a:schemeClr val="accent1"/>
+          </a:lnRef>
+          <a:fillRef idx="0">
+            <a:schemeClr val="accent1"/>
+          </a:fillRef>
+          <a:effectRef idx="0">
+            <a:schemeClr val="accent1"/>
+          </a:effectRef>
+          <a:fontRef idx="minor">
+            <a:schemeClr val="tx1"/>
+          </a:fontRef>
+        </p:style>
+      </p:cxnSp>
     </p:spTree>
   </p:cSld>
   <p:clrMapOvr>

--- a/Interpreters from the Trenches - handout.pptx
+++ b/Interpreters from the Trenches - handout.pptx
@@ -4,8 +4,12 @@
   <p:sldMasterIdLst>
     <p:sldMasterId id="2147483648" r:id="rId1"/>
   </p:sldMasterIdLst>
+  <p:notesMasterIdLst>
+    <p:notesMasterId r:id="rId4"/>
+  </p:notesMasterIdLst>
   <p:sldIdLst>
     <p:sldId id="256" r:id="rId2"/>
+    <p:sldId id="257" r:id="rId3"/>
   </p:sldIdLst>
   <p:sldSz cx="7772400" cy="10058400"/>
   <p:notesSz cx="6858000" cy="9144000"/>
@@ -107,6 +111,353 @@
 </p:presentation>
 </file>
 
+<file path=ppt/notesMasters/notesMaster1.xml><?xml version="1.0" encoding="utf-8"?>
+<p:notesMaster xmlns:a="http://schemas.openxmlformats.org/drawingml/2006/main" xmlns:r="http://schemas.openxmlformats.org/officeDocument/2006/relationships" xmlns:p="http://schemas.openxmlformats.org/presentationml/2006/main">
+  <p:cSld>
+    <p:bg>
+      <p:bgRef idx="1001">
+        <a:schemeClr val="bg1"/>
+      </p:bgRef>
+    </p:bg>
+    <p:spTree>
+      <p:nvGrpSpPr>
+        <p:cNvPr id="1" name=""/>
+        <p:cNvGrpSpPr/>
+        <p:nvPr/>
+      </p:nvGrpSpPr>
+      <p:grpSpPr>
+        <a:xfrm>
+          <a:off x="0" y="0"/>
+          <a:ext cx="0" cy="0"/>
+          <a:chOff x="0" y="0"/>
+          <a:chExt cx="0" cy="0"/>
+        </a:xfrm>
+      </p:grpSpPr>
+      <p:sp>
+        <p:nvSpPr>
+          <p:cNvPr id="2" name="Header Placeholder 1"/>
+          <p:cNvSpPr>
+            <a:spLocks noGrp="1"/>
+          </p:cNvSpPr>
+          <p:nvPr>
+            <p:ph type="hdr" sz="quarter"/>
+          </p:nvPr>
+        </p:nvSpPr>
+        <p:spPr>
+          <a:xfrm>
+            <a:off x="0" y="0"/>
+            <a:ext cx="2971800" cy="457200"/>
+          </a:xfrm>
+          <a:prstGeom prst="rect">
+            <a:avLst/>
+          </a:prstGeom>
+        </p:spPr>
+        <p:txBody>
+          <a:bodyPr vert="horz" lIns="91440" tIns="45720" rIns="91440" bIns="45720" rtlCol="0"/>
+          <a:lstStyle>
+            <a:lvl1pPr algn="l">
+              <a:defRPr sz="1200"/>
+            </a:lvl1pPr>
+          </a:lstStyle>
+          <a:p>
+            <a:endParaRPr lang="en-US"/>
+          </a:p>
+        </p:txBody>
+      </p:sp>
+      <p:sp>
+        <p:nvSpPr>
+          <p:cNvPr id="3" name="Date Placeholder 2"/>
+          <p:cNvSpPr>
+            <a:spLocks noGrp="1"/>
+          </p:cNvSpPr>
+          <p:nvPr>
+            <p:ph type="dt" idx="1"/>
+          </p:nvPr>
+        </p:nvSpPr>
+        <p:spPr>
+          <a:xfrm>
+            <a:off x="3884613" y="0"/>
+            <a:ext cx="2971800" cy="457200"/>
+          </a:xfrm>
+          <a:prstGeom prst="rect">
+            <a:avLst/>
+          </a:prstGeom>
+        </p:spPr>
+        <p:txBody>
+          <a:bodyPr vert="horz" lIns="91440" tIns="45720" rIns="91440" bIns="45720" rtlCol="0"/>
+          <a:lstStyle>
+            <a:lvl1pPr algn="r">
+              <a:defRPr sz="1200"/>
+            </a:lvl1pPr>
+          </a:lstStyle>
+          <a:p>
+            <a:fld id="{16B28326-895C-44A3-8000-DF4AFB830613}" type="datetimeFigureOut">
+              <a:rPr lang="en-US" smtClean="0"/>
+              <a:t>10/25/2015</a:t>
+            </a:fld>
+            <a:endParaRPr lang="en-US"/>
+          </a:p>
+        </p:txBody>
+      </p:sp>
+      <p:sp>
+        <p:nvSpPr>
+          <p:cNvPr id="4" name="Slide Image Placeholder 3"/>
+          <p:cNvSpPr>
+            <a:spLocks noGrp="1" noRot="1" noChangeAspect="1"/>
+          </p:cNvSpPr>
+          <p:nvPr>
+            <p:ph type="sldImg" idx="2"/>
+          </p:nvPr>
+        </p:nvSpPr>
+        <p:spPr>
+          <a:xfrm>
+            <a:off x="2103438" y="685800"/>
+            <a:ext cx="2651125" cy="3429000"/>
+          </a:xfrm>
+          <a:prstGeom prst="rect">
+            <a:avLst/>
+          </a:prstGeom>
+          <a:noFill/>
+          <a:ln w="12700">
+            <a:solidFill>
+              <a:prstClr val="black"/>
+            </a:solidFill>
+          </a:ln>
+        </p:spPr>
+        <p:txBody>
+          <a:bodyPr vert="horz" lIns="91440" tIns="45720" rIns="91440" bIns="45720" rtlCol="0" anchor="ctr"/>
+          <a:lstStyle/>
+          <a:p>
+            <a:endParaRPr lang="en-US"/>
+          </a:p>
+        </p:txBody>
+      </p:sp>
+      <p:sp>
+        <p:nvSpPr>
+          <p:cNvPr id="5" name="Notes Placeholder 4"/>
+          <p:cNvSpPr>
+            <a:spLocks noGrp="1"/>
+          </p:cNvSpPr>
+          <p:nvPr>
+            <p:ph type="body" sz="quarter" idx="3"/>
+          </p:nvPr>
+        </p:nvSpPr>
+        <p:spPr>
+          <a:xfrm>
+            <a:off x="685800" y="4343400"/>
+            <a:ext cx="5486400" cy="4114800"/>
+          </a:xfrm>
+          <a:prstGeom prst="rect">
+            <a:avLst/>
+          </a:prstGeom>
+        </p:spPr>
+        <p:txBody>
+          <a:bodyPr vert="horz" lIns="91440" tIns="45720" rIns="91440" bIns="45720" rtlCol="0">
+            <a:normAutofit/>
+          </a:bodyPr>
+          <a:lstStyle/>
+          <a:p>
+            <a:pPr lvl="0"/>
+            <a:r>
+              <a:rPr lang="en-US" smtClean="0"/>
+              <a:t>Click to edit Master text styles</a:t>
+            </a:r>
+          </a:p>
+          <a:p>
+            <a:pPr lvl="1"/>
+            <a:r>
+              <a:rPr lang="en-US" smtClean="0"/>
+              <a:t>Second level</a:t>
+            </a:r>
+          </a:p>
+          <a:p>
+            <a:pPr lvl="2"/>
+            <a:r>
+              <a:rPr lang="en-US" smtClean="0"/>
+              <a:t>Third level</a:t>
+            </a:r>
+          </a:p>
+          <a:p>
+            <a:pPr lvl="3"/>
+            <a:r>
+              <a:rPr lang="en-US" smtClean="0"/>
+              <a:t>Fourth level</a:t>
+            </a:r>
+          </a:p>
+          <a:p>
+            <a:pPr lvl="4"/>
+            <a:r>
+              <a:rPr lang="en-US" smtClean="0"/>
+              <a:t>Fifth level</a:t>
+            </a:r>
+            <a:endParaRPr lang="en-US"/>
+          </a:p>
+        </p:txBody>
+      </p:sp>
+      <p:sp>
+        <p:nvSpPr>
+          <p:cNvPr id="6" name="Footer Placeholder 5"/>
+          <p:cNvSpPr>
+            <a:spLocks noGrp="1"/>
+          </p:cNvSpPr>
+          <p:nvPr>
+            <p:ph type="ftr" sz="quarter" idx="4"/>
+          </p:nvPr>
+        </p:nvSpPr>
+        <p:spPr>
+          <a:xfrm>
+            <a:off x="0" y="8685213"/>
+            <a:ext cx="2971800" cy="457200"/>
+          </a:xfrm>
+          <a:prstGeom prst="rect">
+            <a:avLst/>
+          </a:prstGeom>
+        </p:spPr>
+        <p:txBody>
+          <a:bodyPr vert="horz" lIns="91440" tIns="45720" rIns="91440" bIns="45720" rtlCol="0" anchor="b"/>
+          <a:lstStyle>
+            <a:lvl1pPr algn="l">
+              <a:defRPr sz="1200"/>
+            </a:lvl1pPr>
+          </a:lstStyle>
+          <a:p>
+            <a:endParaRPr lang="en-US"/>
+          </a:p>
+        </p:txBody>
+      </p:sp>
+      <p:sp>
+        <p:nvSpPr>
+          <p:cNvPr id="7" name="Slide Number Placeholder 6"/>
+          <p:cNvSpPr>
+            <a:spLocks noGrp="1"/>
+          </p:cNvSpPr>
+          <p:nvPr>
+            <p:ph type="sldNum" sz="quarter" idx="5"/>
+          </p:nvPr>
+        </p:nvSpPr>
+        <p:spPr>
+          <a:xfrm>
+            <a:off x="3884613" y="8685213"/>
+            <a:ext cx="2971800" cy="457200"/>
+          </a:xfrm>
+          <a:prstGeom prst="rect">
+            <a:avLst/>
+          </a:prstGeom>
+        </p:spPr>
+        <p:txBody>
+          <a:bodyPr vert="horz" lIns="91440" tIns="45720" rIns="91440" bIns="45720" rtlCol="0" anchor="b"/>
+          <a:lstStyle>
+            <a:lvl1pPr algn="r">
+              <a:defRPr sz="1200"/>
+            </a:lvl1pPr>
+          </a:lstStyle>
+          <a:p>
+            <a:fld id="{6831FA9A-18A4-4401-BC9F-9CEB12887856}" type="slidenum">
+              <a:rPr lang="en-US" smtClean="0"/>
+              <a:t>‹#›</a:t>
+            </a:fld>
+            <a:endParaRPr lang="en-US"/>
+          </a:p>
+        </p:txBody>
+      </p:sp>
+    </p:spTree>
+  </p:cSld>
+  <p:clrMap bg1="lt1" tx1="dk1" bg2="lt2" tx2="dk2" accent1="accent1" accent2="accent2" accent3="accent3" accent4="accent4" accent5="accent5" accent6="accent6" hlink="hlink" folHlink="folHlink"/>
+  <p:notesStyle>
+    <a:lvl1pPr marL="0" algn="l" defTabSz="914400" rtl="0" eaLnBrk="1" latinLnBrk="0" hangingPunct="1">
+      <a:defRPr sz="1200" kern="1200">
+        <a:solidFill>
+          <a:schemeClr val="tx1"/>
+        </a:solidFill>
+        <a:latin typeface="+mn-lt"/>
+        <a:ea typeface="+mn-ea"/>
+        <a:cs typeface="+mn-cs"/>
+      </a:defRPr>
+    </a:lvl1pPr>
+    <a:lvl2pPr marL="457200" algn="l" defTabSz="914400" rtl="0" eaLnBrk="1" latinLnBrk="0" hangingPunct="1">
+      <a:defRPr sz="1200" kern="1200">
+        <a:solidFill>
+          <a:schemeClr val="tx1"/>
+        </a:solidFill>
+        <a:latin typeface="+mn-lt"/>
+        <a:ea typeface="+mn-ea"/>
+        <a:cs typeface="+mn-cs"/>
+      </a:defRPr>
+    </a:lvl2pPr>
+    <a:lvl3pPr marL="914400" algn="l" defTabSz="914400" rtl="0" eaLnBrk="1" latinLnBrk="0" hangingPunct="1">
+      <a:defRPr sz="1200" kern="1200">
+        <a:solidFill>
+          <a:schemeClr val="tx1"/>
+        </a:solidFill>
+        <a:latin typeface="+mn-lt"/>
+        <a:ea typeface="+mn-ea"/>
+        <a:cs typeface="+mn-cs"/>
+      </a:defRPr>
+    </a:lvl3pPr>
+    <a:lvl4pPr marL="1371600" algn="l" defTabSz="914400" rtl="0" eaLnBrk="1" latinLnBrk="0" hangingPunct="1">
+      <a:defRPr sz="1200" kern="1200">
+        <a:solidFill>
+          <a:schemeClr val="tx1"/>
+        </a:solidFill>
+        <a:latin typeface="+mn-lt"/>
+        <a:ea typeface="+mn-ea"/>
+        <a:cs typeface="+mn-cs"/>
+      </a:defRPr>
+    </a:lvl4pPr>
+    <a:lvl5pPr marL="1828800" algn="l" defTabSz="914400" rtl="0" eaLnBrk="1" latinLnBrk="0" hangingPunct="1">
+      <a:defRPr sz="1200" kern="1200">
+        <a:solidFill>
+          <a:schemeClr val="tx1"/>
+        </a:solidFill>
+        <a:latin typeface="+mn-lt"/>
+        <a:ea typeface="+mn-ea"/>
+        <a:cs typeface="+mn-cs"/>
+      </a:defRPr>
+    </a:lvl5pPr>
+    <a:lvl6pPr marL="2286000" algn="l" defTabSz="914400" rtl="0" eaLnBrk="1" latinLnBrk="0" hangingPunct="1">
+      <a:defRPr sz="1200" kern="1200">
+        <a:solidFill>
+          <a:schemeClr val="tx1"/>
+        </a:solidFill>
+        <a:latin typeface="+mn-lt"/>
+        <a:ea typeface="+mn-ea"/>
+        <a:cs typeface="+mn-cs"/>
+      </a:defRPr>
+    </a:lvl6pPr>
+    <a:lvl7pPr marL="2743200" algn="l" defTabSz="914400" rtl="0" eaLnBrk="1" latinLnBrk="0" hangingPunct="1">
+      <a:defRPr sz="1200" kern="1200">
+        <a:solidFill>
+          <a:schemeClr val="tx1"/>
+        </a:solidFill>
+        <a:latin typeface="+mn-lt"/>
+        <a:ea typeface="+mn-ea"/>
+        <a:cs typeface="+mn-cs"/>
+      </a:defRPr>
+    </a:lvl7pPr>
+    <a:lvl8pPr marL="3200400" algn="l" defTabSz="914400" rtl="0" eaLnBrk="1" latinLnBrk="0" hangingPunct="1">
+      <a:defRPr sz="1200" kern="1200">
+        <a:solidFill>
+          <a:schemeClr val="tx1"/>
+        </a:solidFill>
+        <a:latin typeface="+mn-lt"/>
+        <a:ea typeface="+mn-ea"/>
+        <a:cs typeface="+mn-cs"/>
+      </a:defRPr>
+    </a:lvl8pPr>
+    <a:lvl9pPr marL="3657600" algn="l" defTabSz="914400" rtl="0" eaLnBrk="1" latinLnBrk="0" hangingPunct="1">
+      <a:defRPr sz="1200" kern="1200">
+        <a:solidFill>
+          <a:schemeClr val="tx1"/>
+        </a:solidFill>
+        <a:latin typeface="+mn-lt"/>
+        <a:ea typeface="+mn-ea"/>
+        <a:cs typeface="+mn-cs"/>
+      </a:defRPr>
+    </a:lvl9pPr>
+  </p:notesStyle>
+</p:notesMaster>
+</file>
+
 <file path=ppt/slideLayouts/slideLayout1.xml><?xml version="1.0" encoding="utf-8"?>
 <p:sldLayout xmlns:a="http://schemas.openxmlformats.org/drawingml/2006/main" xmlns:r="http://schemas.openxmlformats.org/officeDocument/2006/relationships" xmlns:p="http://schemas.openxmlformats.org/presentationml/2006/main" type="title" preserve="1">
   <p:cSld name="Title Slide">
@@ -286,10 +637,9 @@
           <a:bodyPr/>
           <a:lstStyle/>
           <a:p>
-            <a:fld id="{573CCEAB-AADC-4908-99DE-6A25E4682A83}" type="datetimeFigureOut">
-              <a:rPr lang="en-US" smtClean="0"/>
-              <a:pPr/>
-              <a:t>10/9/2015</a:t>
+            <a:fld id="{F63271CC-2F78-4B2F-B8E8-67B198BD1FF0}" type="datetime1">
+              <a:rPr lang="en-US" smtClean="0"/>
+              <a:t>10/25/2015</a:t>
             </a:fld>
             <a:endParaRPr lang="en-US"/>
           </a:p>
@@ -324,10 +674,23 @@
             <p:ph type="sldNum" sz="quarter" idx="12"/>
           </p:nvPr>
         </p:nvSpPr>
-        <p:spPr/>
+        <p:spPr>
+          <a:xfrm>
+            <a:off x="5486400" y="9144000"/>
+            <a:ext cx="1813560" cy="535516"/>
+          </a:xfrm>
+        </p:spPr>
         <p:txBody>
           <a:bodyPr/>
-          <a:lstStyle/>
+          <a:lstStyle>
+            <a:lvl1pPr>
+              <a:defRPr>
+                <a:solidFill>
+                  <a:schemeClr val="tx1"/>
+                </a:solidFill>
+              </a:defRPr>
+            </a:lvl1pPr>
+          </a:lstStyle>
           <a:p>
             <a:fld id="{773D3EE4-96C3-4842-A252-14153AEC730C}" type="slidenum">
               <a:rPr lang="en-US" smtClean="0"/>
@@ -453,10 +816,9 @@
           <a:bodyPr/>
           <a:lstStyle/>
           <a:p>
-            <a:fld id="{573CCEAB-AADC-4908-99DE-6A25E4682A83}" type="datetimeFigureOut">
-              <a:rPr lang="en-US" smtClean="0"/>
-              <a:pPr/>
-              <a:t>10/9/2015</a:t>
+            <a:fld id="{B37FE4A1-18C3-4C55-8379-F8E79FA944F3}" type="datetime1">
+              <a:rPr lang="en-US" smtClean="0"/>
+              <a:t>10/25/2015</a:t>
             </a:fld>
             <a:endParaRPr lang="en-US"/>
           </a:p>
@@ -630,10 +992,9 @@
           <a:bodyPr/>
           <a:lstStyle/>
           <a:p>
-            <a:fld id="{573CCEAB-AADC-4908-99DE-6A25E4682A83}" type="datetimeFigureOut">
-              <a:rPr lang="en-US" smtClean="0"/>
-              <a:pPr/>
-              <a:t>10/9/2015</a:t>
+            <a:fld id="{5D12BB76-53E4-4C62-A161-5E25FBEEFC4D}" type="datetime1">
+              <a:rPr lang="en-US" smtClean="0"/>
+              <a:t>10/25/2015</a:t>
             </a:fld>
             <a:endParaRPr lang="en-US"/>
           </a:p>
@@ -797,10 +1158,9 @@
           <a:bodyPr/>
           <a:lstStyle/>
           <a:p>
-            <a:fld id="{573CCEAB-AADC-4908-99DE-6A25E4682A83}" type="datetimeFigureOut">
-              <a:rPr lang="en-US" smtClean="0"/>
-              <a:pPr/>
-              <a:t>10/9/2015</a:t>
+            <a:fld id="{7A8086F3-637F-4F51-A666-A1A305B043DF}" type="datetime1">
+              <a:rPr lang="en-US" smtClean="0"/>
+              <a:t>10/25/2015</a:t>
             </a:fld>
             <a:endParaRPr lang="en-US"/>
           </a:p>
@@ -1040,10 +1400,9 @@
           <a:bodyPr/>
           <a:lstStyle/>
           <a:p>
-            <a:fld id="{573CCEAB-AADC-4908-99DE-6A25E4682A83}" type="datetimeFigureOut">
-              <a:rPr lang="en-US" smtClean="0"/>
-              <a:pPr/>
-              <a:t>10/9/2015</a:t>
+            <a:fld id="{670889C0-5ADB-4B95-93A8-CF7859B7FE05}" type="datetime1">
+              <a:rPr lang="en-US" smtClean="0"/>
+              <a:t>10/25/2015</a:t>
             </a:fld>
             <a:endParaRPr lang="en-US"/>
           </a:p>
@@ -1325,10 +1684,9 @@
           <a:bodyPr/>
           <a:lstStyle/>
           <a:p>
-            <a:fld id="{573CCEAB-AADC-4908-99DE-6A25E4682A83}" type="datetimeFigureOut">
-              <a:rPr lang="en-US" smtClean="0"/>
-              <a:pPr/>
-              <a:t>10/9/2015</a:t>
+            <a:fld id="{F9783D8E-50ED-4885-BC66-43519472DAC3}" type="datetime1">
+              <a:rPr lang="en-US" smtClean="0"/>
+              <a:t>10/25/2015</a:t>
             </a:fld>
             <a:endParaRPr lang="en-US"/>
           </a:p>
@@ -1749,10 +2107,9 @@
           <a:bodyPr/>
           <a:lstStyle/>
           <a:p>
-            <a:fld id="{573CCEAB-AADC-4908-99DE-6A25E4682A83}" type="datetimeFigureOut">
-              <a:rPr lang="en-US" smtClean="0"/>
-              <a:pPr/>
-              <a:t>10/9/2015</a:t>
+            <a:fld id="{A7444248-97C8-4EE4-A333-6A3AB128EB96}" type="datetime1">
+              <a:rPr lang="en-US" smtClean="0"/>
+              <a:t>10/25/2015</a:t>
             </a:fld>
             <a:endParaRPr lang="en-US"/>
           </a:p>
@@ -1864,10 +2221,9 @@
           <a:bodyPr/>
           <a:lstStyle/>
           <a:p>
-            <a:fld id="{573CCEAB-AADC-4908-99DE-6A25E4682A83}" type="datetimeFigureOut">
-              <a:rPr lang="en-US" smtClean="0"/>
-              <a:pPr/>
-              <a:t>10/9/2015</a:t>
+            <a:fld id="{E2045289-2C34-4CE2-AA5C-7590C66602BD}" type="datetime1">
+              <a:rPr lang="en-US" smtClean="0"/>
+              <a:t>10/25/2015</a:t>
             </a:fld>
             <a:endParaRPr lang="en-US"/>
           </a:p>
@@ -1956,10 +2312,9 @@
           <a:bodyPr/>
           <a:lstStyle/>
           <a:p>
-            <a:fld id="{573CCEAB-AADC-4908-99DE-6A25E4682A83}" type="datetimeFigureOut">
-              <a:rPr lang="en-US" smtClean="0"/>
-              <a:pPr/>
-              <a:t>10/9/2015</a:t>
+            <a:fld id="{1D22A986-B692-405D-BB6C-6479AE865C8B}" type="datetime1">
+              <a:rPr lang="en-US" smtClean="0"/>
+              <a:t>10/25/2015</a:t>
             </a:fld>
             <a:endParaRPr lang="en-US"/>
           </a:p>
@@ -2230,10 +2585,9 @@
           <a:bodyPr/>
           <a:lstStyle/>
           <a:p>
-            <a:fld id="{573CCEAB-AADC-4908-99DE-6A25E4682A83}" type="datetimeFigureOut">
-              <a:rPr lang="en-US" smtClean="0"/>
-              <a:pPr/>
-              <a:t>10/9/2015</a:t>
+            <a:fld id="{F6267EB8-843F-47AC-8CB8-EA612B9812D1}" type="datetime1">
+              <a:rPr lang="en-US" smtClean="0"/>
+              <a:t>10/25/2015</a:t>
             </a:fld>
             <a:endParaRPr lang="en-US"/>
           </a:p>
@@ -2480,10 +2834,9 @@
           <a:bodyPr/>
           <a:lstStyle/>
           <a:p>
-            <a:fld id="{573CCEAB-AADC-4908-99DE-6A25E4682A83}" type="datetimeFigureOut">
-              <a:rPr lang="en-US" smtClean="0"/>
-              <a:pPr/>
-              <a:t>10/9/2015</a:t>
+            <a:fld id="{EB975FB2-C93B-499D-AAAA-031D01BAEE38}" type="datetime1">
+              <a:rPr lang="en-US" smtClean="0"/>
+              <a:t>10/25/2015</a:t>
             </a:fld>
             <a:endParaRPr lang="en-US"/>
           </a:p>
@@ -2690,10 +3043,9 @@
             </a:lvl1pPr>
           </a:lstStyle>
           <a:p>
-            <a:fld id="{573CCEAB-AADC-4908-99DE-6A25E4682A83}" type="datetimeFigureOut">
-              <a:rPr lang="en-US" smtClean="0"/>
-              <a:pPr/>
-              <a:t>10/9/2015</a:t>
+            <a:fld id="{28A466DD-91A3-4BF6-BD51-FD1C117005C1}" type="datetime1">
+              <a:rPr lang="en-US" smtClean="0"/>
+              <a:t>10/25/2015</a:t>
             </a:fld>
             <a:endParaRPr lang="en-US"/>
           </a:p>
@@ -2748,7 +3100,7 @@
         </p:nvSpPr>
         <p:spPr>
           <a:xfrm>
-            <a:off x="5570220" y="9322648"/>
+            <a:off x="5486400" y="9144000"/>
             <a:ext cx="1813560" cy="535516"/>
           </a:xfrm>
           <a:prstGeom prst="rect">
@@ -2761,9 +3113,7 @@
             <a:lvl1pPr algn="r">
               <a:defRPr sz="1300">
                 <a:solidFill>
-                  <a:schemeClr val="tx1">
-                    <a:tint val="75000"/>
-                  </a:schemeClr>
+                  <a:schemeClr val="tx1"/>
                 </a:solidFill>
               </a:defRPr>
             </a:lvl1pPr>
@@ -2794,6 +3144,7 @@
     <p:sldLayoutId id="2147483658" r:id="rId10"/>
     <p:sldLayoutId id="2147483659" r:id="rId11"/>
   </p:sldLayoutIdLst>
+  <p:hf hdr="0" ftr="0" dt="0"/>
   <p:txStyles>
     <p:titleStyle>
       <a:lvl1pPr algn="ctr" defTabSz="1018824" rtl="0" eaLnBrk="1" latinLnBrk="0" hangingPunct="1">
@@ -3072,8 +3423,8 @@
         </p:nvSpPr>
         <p:spPr>
           <a:xfrm>
-            <a:off x="4038600" y="1905000"/>
-            <a:ext cx="1066800" cy="1295400"/>
+            <a:off x="4038600" y="3352800"/>
+            <a:ext cx="1066800" cy="1600200"/>
           </a:xfrm>
           <a:prstGeom prst="rect">
             <a:avLst/>
@@ -3114,16 +3465,6 @@
           <a:lstStyle/>
           <a:p>
             <a:pPr algn="ctr"/>
-            <a:r>
-              <a:rPr lang="en-US" sz="1600" dirty="0" err="1" smtClean="0">
-                <a:solidFill>
-                  <a:schemeClr val="tx1"/>
-                </a:solidFill>
-                <a:latin typeface="Arial" pitchFamily="34" charset="0"/>
-                <a:cs typeface="Arial" pitchFamily="34" charset="0"/>
-              </a:rPr>
-              <a:t>interp</a:t>
-            </a:r>
             <a:endParaRPr lang="en-US" sz="1600" dirty="0">
               <a:solidFill>
                 <a:schemeClr val="tx1"/>
@@ -3228,7 +3569,7 @@
         </p:nvSpPr>
         <p:spPr>
           <a:xfrm>
-            <a:off x="914400" y="1143000"/>
+            <a:off x="914400" y="2590800"/>
             <a:ext cx="1302536" cy="240066"/>
           </a:xfrm>
           <a:prstGeom prst="rect">
@@ -3267,7 +3608,7 @@
         </p:nvSpPr>
         <p:spPr>
           <a:xfrm>
-            <a:off x="5324044" y="1143000"/>
+            <a:off x="5324044" y="2590800"/>
             <a:ext cx="1017651" cy="240066"/>
           </a:xfrm>
           <a:prstGeom prst="rect">
@@ -3306,7 +3647,7 @@
         </p:nvSpPr>
         <p:spPr>
           <a:xfrm>
-            <a:off x="3125130" y="3962400"/>
+            <a:off x="2438400" y="6781800"/>
             <a:ext cx="1522148" cy="240066"/>
           </a:xfrm>
           <a:prstGeom prst="rect">
@@ -3339,130 +3680,13 @@
       </p:sp>
       <p:sp>
         <p:nvSpPr>
-          <p:cNvPr id="8" name="TextBox 7"/>
-          <p:cNvSpPr txBox="1"/>
-          <p:nvPr/>
-        </p:nvSpPr>
-        <p:spPr>
-          <a:xfrm>
-            <a:off x="2907930" y="6617934"/>
-            <a:ext cx="1956561" cy="240066"/>
-          </a:xfrm>
-          <a:prstGeom prst="rect">
-            <a:avLst/>
-          </a:prstGeom>
-          <a:noFill/>
-          <a:ln w="9525">
-            <a:noFill/>
-            <a:prstDash val="solid"/>
-          </a:ln>
-        </p:spPr>
-        <p:txBody>
-          <a:bodyPr vert="horz" wrap="none" lIns="27432" tIns="27432" rIns="27432" bIns="27432" rtlCol="0" anchor="ctr" anchorCtr="0">
-            <a:spAutoFit/>
-          </a:bodyPr>
-          <a:lstStyle/>
-          <a:p>
-            <a:pPr algn="ctr"/>
-            <a:r>
-              <a:rPr lang="en-US" sz="1200" i="1" dirty="0" smtClean="0">
-                <a:latin typeface="Arial"/>
-              </a:rPr>
-              <a:t>Keeping Everything Straight</a:t>
-            </a:r>
-            <a:endParaRPr lang="en-US" sz="1200" i="1" dirty="0">
-              <a:latin typeface="Arial"/>
-            </a:endParaRPr>
-          </a:p>
-        </p:txBody>
-      </p:sp>
-      <p:sp>
-        <p:nvSpPr>
-          <p:cNvPr id="9" name="TextBox 8"/>
-          <p:cNvSpPr txBox="1"/>
-          <p:nvPr/>
-        </p:nvSpPr>
-        <p:spPr>
-          <a:xfrm>
-            <a:off x="2010841" y="7379934"/>
-            <a:ext cx="3750771" cy="240066"/>
-          </a:xfrm>
-          <a:prstGeom prst="rect">
-            <a:avLst/>
-          </a:prstGeom>
-          <a:noFill/>
-          <a:ln w="9525">
-            <a:noFill/>
-            <a:prstDash val="solid"/>
-          </a:ln>
-        </p:spPr>
-        <p:txBody>
-          <a:bodyPr vert="horz" wrap="none" lIns="27432" tIns="27432" rIns="27432" bIns="27432" rtlCol="0" anchor="ctr" anchorCtr="0">
-            <a:spAutoFit/>
-          </a:bodyPr>
-          <a:lstStyle/>
-          <a:p>
-            <a:pPr algn="ctr"/>
-            <a:r>
-              <a:rPr lang="en-US" sz="1200" i="1" dirty="0" smtClean="0">
-                <a:latin typeface="Arial"/>
-              </a:rPr>
-              <a:t>Multiline REPL – how do you know when you’re done?</a:t>
-            </a:r>
-            <a:endParaRPr lang="en-US" sz="1200" i="1" dirty="0">
-              <a:latin typeface="Arial"/>
-            </a:endParaRPr>
-          </a:p>
-        </p:txBody>
-      </p:sp>
-      <p:sp>
-        <p:nvSpPr>
-          <p:cNvPr id="10" name="TextBox 9"/>
-          <p:cNvSpPr txBox="1"/>
-          <p:nvPr/>
-        </p:nvSpPr>
-        <p:spPr>
-          <a:xfrm>
-            <a:off x="1672027" y="8522934"/>
-            <a:ext cx="4428393" cy="240066"/>
-          </a:xfrm>
-          <a:prstGeom prst="rect">
-            <a:avLst/>
-          </a:prstGeom>
-          <a:noFill/>
-          <a:ln w="9525">
-            <a:noFill/>
-            <a:prstDash val="solid"/>
-          </a:ln>
-        </p:spPr>
-        <p:txBody>
-          <a:bodyPr vert="horz" wrap="none" lIns="27432" tIns="27432" rIns="27432" bIns="27432" rtlCol="0" anchor="ctr" anchorCtr="0">
-            <a:spAutoFit/>
-          </a:bodyPr>
-          <a:lstStyle/>
-          <a:p>
-            <a:pPr algn="ctr"/>
-            <a:r>
-              <a:rPr lang="en-US" sz="1200" i="1" dirty="0" smtClean="0">
-                <a:latin typeface="Arial"/>
-              </a:rPr>
-              <a:t>Keeping going after syntax errors – unwinding partial commands</a:t>
-            </a:r>
-            <a:endParaRPr lang="en-US" sz="1200" i="1" dirty="0">
-              <a:latin typeface="Arial"/>
-            </a:endParaRPr>
-          </a:p>
-        </p:txBody>
-      </p:sp>
-      <p:sp>
-        <p:nvSpPr>
           <p:cNvPr id="11" name="Rectangle 10"/>
           <p:cNvSpPr/>
           <p:nvPr/>
         </p:nvSpPr>
         <p:spPr>
           <a:xfrm>
-            <a:off x="1295400" y="2209800"/>
+            <a:off x="1295400" y="3657600"/>
             <a:ext cx="304800" cy="304800"/>
           </a:xfrm>
           <a:prstGeom prst="rect">
@@ -3532,7 +3756,7 @@
         </p:nvSpPr>
         <p:spPr>
           <a:xfrm>
-            <a:off x="1600200" y="2209800"/>
+            <a:off x="1600200" y="3657600"/>
             <a:ext cx="762000" cy="304800"/>
           </a:xfrm>
           <a:prstGeom prst="rect">
@@ -3602,7 +3826,7 @@
         </p:nvSpPr>
         <p:spPr>
           <a:xfrm>
-            <a:off x="838200" y="2895600"/>
+            <a:off x="838200" y="4343400"/>
             <a:ext cx="304800" cy="304800"/>
           </a:xfrm>
           <a:prstGeom prst="rect">
@@ -3672,7 +3896,7 @@
         </p:nvSpPr>
         <p:spPr>
           <a:xfrm>
-            <a:off x="1143000" y="2895600"/>
+            <a:off x="1143000" y="4343400"/>
             <a:ext cx="762000" cy="304800"/>
           </a:xfrm>
           <a:prstGeom prst="rect">
@@ -3742,7 +3966,7 @@
         </p:nvSpPr>
         <p:spPr>
           <a:xfrm>
-            <a:off x="2209800" y="2895600"/>
+            <a:off x="2209800" y="4343400"/>
             <a:ext cx="304800" cy="304800"/>
           </a:xfrm>
           <a:prstGeom prst="rect">
@@ -3812,7 +4036,7 @@
         </p:nvSpPr>
         <p:spPr>
           <a:xfrm>
-            <a:off x="2514600" y="2895600"/>
+            <a:off x="2514600" y="4343400"/>
             <a:ext cx="762000" cy="304800"/>
           </a:xfrm>
           <a:prstGeom prst="rect">
@@ -3885,7 +4109,7 @@
         </p:nvCxnSpPr>
         <p:spPr>
           <a:xfrm flipV="1">
-            <a:off x="1524000" y="2514600"/>
+            <a:off x="1524000" y="3962400"/>
             <a:ext cx="457200" cy="381000"/>
           </a:xfrm>
           <a:prstGeom prst="straightConnector1">
@@ -3925,7 +4149,7 @@
         </p:nvCxnSpPr>
         <p:spPr>
           <a:xfrm flipH="1" flipV="1">
-            <a:off x="1981200" y="2514600"/>
+            <a:off x="1981200" y="3962400"/>
             <a:ext cx="914400" cy="381000"/>
           </a:xfrm>
           <a:prstGeom prst="straightConnector1">
@@ -3962,7 +4186,7 @@
         </p:nvSpPr>
         <p:spPr>
           <a:xfrm>
-            <a:off x="5981700" y="2438400"/>
+            <a:off x="5981700" y="3886200"/>
             <a:ext cx="304800" cy="304800"/>
           </a:xfrm>
           <a:prstGeom prst="rect">
@@ -4032,7 +4256,7 @@
         </p:nvSpPr>
         <p:spPr>
           <a:xfrm>
-            <a:off x="4191000" y="2286000"/>
+            <a:off x="4191000" y="3733800"/>
             <a:ext cx="762000" cy="304800"/>
           </a:xfrm>
           <a:prstGeom prst="rect">
@@ -4102,7 +4326,7 @@
         </p:nvSpPr>
         <p:spPr>
           <a:xfrm>
-            <a:off x="5410200" y="3124200"/>
+            <a:off x="5562600" y="4876800"/>
             <a:ext cx="304800" cy="304800"/>
           </a:xfrm>
           <a:prstGeom prst="rect">
@@ -4172,7 +4396,7 @@
         </p:nvSpPr>
         <p:spPr>
           <a:xfrm>
-            <a:off x="4191000" y="2743200"/>
+            <a:off x="4191000" y="4495800"/>
             <a:ext cx="762000" cy="304800"/>
           </a:xfrm>
           <a:prstGeom prst="rect">
@@ -4242,7 +4466,7 @@
         </p:nvSpPr>
         <p:spPr>
           <a:xfrm>
-            <a:off x="6553200" y="3124200"/>
+            <a:off x="6553200" y="4876800"/>
             <a:ext cx="304800" cy="304800"/>
           </a:xfrm>
           <a:prstGeom prst="rect">
@@ -4315,8 +4539,8 @@
         </p:nvCxnSpPr>
         <p:spPr>
           <a:xfrm flipV="1">
-            <a:off x="5562600" y="2743200"/>
-            <a:ext cx="571500" cy="381000"/>
+            <a:off x="5715000" y="4191000"/>
+            <a:ext cx="419100" cy="685800"/>
           </a:xfrm>
           <a:prstGeom prst="straightConnector1">
             <a:avLst/>
@@ -4355,8 +4579,8 @@
         </p:nvCxnSpPr>
         <p:spPr>
           <a:xfrm flipH="1" flipV="1">
-            <a:off x="6134100" y="2743200"/>
-            <a:ext cx="571500" cy="381000"/>
+            <a:off x="6134100" y="4191000"/>
+            <a:ext cx="571500" cy="685800"/>
           </a:xfrm>
           <a:prstGeom prst="straightConnector1">
             <a:avLst/>
@@ -4394,12 +4618,14 @@
           <p:nvPr/>
         </p:nvCxnSpPr>
         <p:spPr>
-          <a:xfrm flipH="1" flipV="1">
-            <a:off x="4953000" y="2895600"/>
-            <a:ext cx="457200" cy="381000"/>
-          </a:xfrm>
-          <a:prstGeom prst="straightConnector1">
-            <a:avLst/>
+          <a:xfrm rot="10800000">
+            <a:off x="4953000" y="4648200"/>
+            <a:ext cx="609600" cy="381000"/>
+          </a:xfrm>
+          <a:prstGeom prst="bentConnector3">
+            <a:avLst>
+              <a:gd name="adj1" fmla="val 50000"/>
+            </a:avLst>
           </a:prstGeom>
           <a:ln w="9525">
             <a:solidFill>
@@ -4428,17 +4654,17 @@
         <p:nvCxnSpPr>
           <p:cNvPr id="39" name="Straight Arrow Connector 38"/>
           <p:cNvCxnSpPr>
-            <a:stCxn id="27" idx="1"/>
+            <a:stCxn id="91" idx="0"/>
             <a:endCxn id="26" idx="3"/>
           </p:cNvCxnSpPr>
           <p:nvPr/>
         </p:nvCxnSpPr>
         <p:spPr>
-          <a:xfrm flipH="1" flipV="1">
-            <a:off x="4953000" y="2895600"/>
-            <a:ext cx="1600200" cy="381000"/>
-          </a:xfrm>
-          <a:prstGeom prst="straightConnector1">
+          <a:xfrm rot="16200000" flipV="1">
+            <a:off x="5543663" y="4057537"/>
+            <a:ext cx="64734" cy="1246060"/>
+          </a:xfrm>
+          <a:prstGeom prst="bentConnector2">
             <a:avLst/>
           </a:prstGeom>
           <a:ln w="9525">
@@ -4474,12 +4700,14 @@
           <p:nvPr/>
         </p:nvCxnSpPr>
         <p:spPr>
-          <a:xfrm flipH="1" flipV="1">
-            <a:off x="4953000" y="2438400"/>
+          <a:xfrm rot="10800000">
+            <a:off x="4953000" y="3886200"/>
             <a:ext cx="1028700" cy="152400"/>
           </a:xfrm>
-          <a:prstGeom prst="straightConnector1">
-            <a:avLst/>
+          <a:prstGeom prst="bentConnector3">
+            <a:avLst>
+              <a:gd name="adj1" fmla="val 50000"/>
+            </a:avLst>
           </a:prstGeom>
           <a:ln w="9525">
             <a:solidFill>
@@ -4512,7 +4740,7 @@
         </p:nvSpPr>
         <p:spPr>
           <a:xfrm>
-            <a:off x="5239423" y="2286000"/>
+            <a:off x="5166504" y="3657600"/>
             <a:ext cx="319896" cy="240066"/>
           </a:xfrm>
           <a:prstGeom prst="rect">
@@ -4545,14 +4773,143 @@
       </p:sp>
       <p:sp>
         <p:nvSpPr>
-          <p:cNvPr id="46" name="Rectangle 45"/>
+          <p:cNvPr id="59" name="TextBox 58"/>
+          <p:cNvSpPr txBox="1"/>
+          <p:nvPr/>
+        </p:nvSpPr>
+        <p:spPr>
+          <a:xfrm>
+            <a:off x="4191000" y="2971800"/>
+            <a:ext cx="763927" cy="240066"/>
+          </a:xfrm>
+          <a:prstGeom prst="rect">
+            <a:avLst/>
+          </a:prstGeom>
+          <a:noFill/>
+          <a:ln w="9525">
+            <a:noFill/>
+            <a:prstDash val="solid"/>
+          </a:ln>
+        </p:spPr>
+        <p:txBody>
+          <a:bodyPr vert="horz" wrap="none" lIns="27432" tIns="27432" rIns="27432" bIns="27432" rtlCol="0" anchor="ctr" anchorCtr="0">
+            <a:spAutoFit/>
+          </a:bodyPr>
+          <a:lstStyle/>
+          <a:p>
+            <a:pPr algn="ctr"/>
+            <a:r>
+              <a:rPr lang="en-US" sz="1200" dirty="0" smtClean="0">
+                <a:latin typeface="Arial"/>
+              </a:rPr>
+              <a:t>Interpreter</a:t>
+            </a:r>
+            <a:endParaRPr lang="en-US" sz="1200" dirty="0">
+              <a:latin typeface="Arial"/>
+            </a:endParaRPr>
+          </a:p>
+        </p:txBody>
+      </p:sp>
+      <p:sp>
+        <p:nvSpPr>
+          <p:cNvPr id="60" name="TextBox 59"/>
+          <p:cNvSpPr txBox="1"/>
+          <p:nvPr/>
+        </p:nvSpPr>
+        <p:spPr>
+          <a:xfrm>
+            <a:off x="5919382" y="2971800"/>
+            <a:ext cx="355162" cy="240066"/>
+          </a:xfrm>
+          <a:prstGeom prst="rect">
+            <a:avLst/>
+          </a:prstGeom>
+          <a:noFill/>
+          <a:ln w="9525">
+            <a:noFill/>
+            <a:prstDash val="solid"/>
+          </a:ln>
+        </p:spPr>
+        <p:txBody>
+          <a:bodyPr vert="horz" wrap="none" lIns="27432" tIns="27432" rIns="27432" bIns="27432" rtlCol="0" anchor="ctr" anchorCtr="0">
+            <a:spAutoFit/>
+          </a:bodyPr>
+          <a:lstStyle/>
+          <a:p>
+            <a:pPr algn="ctr"/>
+            <a:r>
+              <a:rPr lang="en-US" sz="1200" dirty="0" smtClean="0">
+                <a:latin typeface="Arial"/>
+              </a:rPr>
+              <a:t>AST</a:t>
+            </a:r>
+            <a:endParaRPr lang="en-US" sz="1200" dirty="0">
+              <a:latin typeface="Arial"/>
+            </a:endParaRPr>
+          </a:p>
+        </p:txBody>
+      </p:sp>
+      <p:sp>
+        <p:nvSpPr>
+          <p:cNvPr id="61" name="TextBox 60"/>
+          <p:cNvSpPr txBox="1"/>
+          <p:nvPr/>
+        </p:nvSpPr>
+        <p:spPr>
+          <a:xfrm>
+            <a:off x="1063779" y="2971800"/>
+            <a:ext cx="1836785" cy="240066"/>
+          </a:xfrm>
+          <a:prstGeom prst="rect">
+            <a:avLst/>
+          </a:prstGeom>
+          <a:noFill/>
+          <a:ln w="9525">
+            <a:noFill/>
+            <a:prstDash val="solid"/>
+          </a:ln>
+        </p:spPr>
+        <p:txBody>
+          <a:bodyPr vert="horz" wrap="none" lIns="27432" tIns="27432" rIns="27432" bIns="27432" rtlCol="0" anchor="ctr" anchorCtr="0">
+            <a:spAutoFit/>
+          </a:bodyPr>
+          <a:lstStyle/>
+          <a:p>
+            <a:pPr algn="ctr"/>
+            <a:r>
+              <a:rPr lang="en-US" sz="1200" dirty="0" smtClean="0">
+                <a:latin typeface="Arial"/>
+              </a:rPr>
+              <a:t>AST with interpreter </a:t>
+            </a:r>
+            <a:r>
+              <a:rPr lang="en-US" sz="1200" dirty="0" err="1" smtClean="0">
+                <a:latin typeface="Arial"/>
+              </a:rPr>
+              <a:t>eval</a:t>
+            </a:r>
+            <a:r>
+              <a:rPr lang="en-US" sz="1200" smtClean="0">
+                <a:latin typeface="Arial"/>
+              </a:rPr>
+              <a:t>()</a:t>
+            </a:r>
+            <a:endParaRPr lang="en-US" sz="1200" dirty="0">
+              <a:latin typeface="Arial"/>
+            </a:endParaRPr>
+          </a:p>
+        </p:txBody>
+      </p:sp>
+      <p:sp>
+        <p:nvSpPr>
+          <p:cNvPr id="43" name="Rectangle 42"/>
           <p:cNvSpPr/>
           <p:nvPr/>
         </p:nvSpPr>
         <p:spPr>
           <a:xfrm>
-            <a:off x="5943600" y="4343400"/>
-            <a:ext cx="914400" cy="1752600"/>
+            <a:off x="838200" y="6400800"/>
+            <a:ext cx="228600" cy="228600"/>
           </a:xfrm>
           <a:prstGeom prst="rect">
             <a:avLst/>
@@ -4589,7 +4946,7 @@
           </a:fontRef>
         </p:style>
         <p:txBody>
-          <a:bodyPr rtlCol="0" anchor="t" anchorCtr="0"/>
+          <a:bodyPr rtlCol="0" anchor="ctr"/>
           <a:lstStyle/>
           <a:p>
             <a:pPr algn="ctr"/>
@@ -4601,7 +4958,7 @@
                 <a:latin typeface="Arial" pitchFamily="34" charset="0"/>
                 <a:cs typeface="Arial" pitchFamily="34" charset="0"/>
               </a:rPr>
-              <a:t>inner</a:t>
+              <a:t>a</a:t>
             </a:r>
             <a:endParaRPr lang="en-US" sz="1600" dirty="0">
               <a:solidFill>
@@ -4615,14 +4972,14 @@
       </p:sp>
       <p:sp>
         <p:nvSpPr>
-          <p:cNvPr id="47" name="Rectangle 46"/>
+          <p:cNvPr id="44" name="Rectangle 43"/>
           <p:cNvSpPr/>
           <p:nvPr/>
         </p:nvSpPr>
         <p:spPr>
           <a:xfrm>
-            <a:off x="6019800" y="5181600"/>
-            <a:ext cx="762000" cy="304800"/>
+            <a:off x="1066800" y="6400800"/>
+            <a:ext cx="228600" cy="228600"/>
           </a:xfrm>
           <a:prstGeom prst="rect">
             <a:avLst/>
@@ -4664,14 +5021,14 @@
           <a:p>
             <a:pPr algn="ctr"/>
             <a:r>
-              <a:rPr lang="en-US" sz="1600" dirty="0" err="1" smtClean="0">
+              <a:rPr lang="en-US" sz="1600" dirty="0" smtClean="0">
                 <a:solidFill>
                   <a:schemeClr val="tx1"/>
                 </a:solidFill>
                 <a:latin typeface="Arial" pitchFamily="34" charset="0"/>
                 <a:cs typeface="Arial" pitchFamily="34" charset="0"/>
               </a:rPr>
-              <a:t>foo</a:t>
+              <a:t>b</a:t>
             </a:r>
             <a:endParaRPr lang="en-US" sz="1600" dirty="0">
               <a:solidFill>
@@ -4685,14 +5042,14 @@
       </p:sp>
       <p:sp>
         <p:nvSpPr>
-          <p:cNvPr id="48" name="Rectangle 47"/>
+          <p:cNvPr id="45" name="Rectangle 44"/>
           <p:cNvSpPr/>
           <p:nvPr/>
         </p:nvSpPr>
         <p:spPr>
           <a:xfrm>
-            <a:off x="6019800" y="5638800"/>
-            <a:ext cx="762000" cy="304800"/>
+            <a:off x="1295400" y="6400800"/>
+            <a:ext cx="228600" cy="228600"/>
           </a:xfrm>
           <a:prstGeom prst="rect">
             <a:avLst/>
@@ -4741,7 +5098,7 @@
                 <a:latin typeface="Arial" pitchFamily="34" charset="0"/>
                 <a:cs typeface="Arial" pitchFamily="34" charset="0"/>
               </a:rPr>
-              <a:t>bar</a:t>
+              <a:t>c</a:t>
             </a:r>
             <a:endParaRPr lang="en-US" sz="1600" dirty="0">
               <a:solidFill>
@@ -4755,14 +5112,14 @@
       </p:sp>
       <p:sp>
         <p:nvSpPr>
-          <p:cNvPr id="49" name="Rectangle 48"/>
+          <p:cNvPr id="57" name="Rectangle 56"/>
           <p:cNvSpPr/>
           <p:nvPr/>
         </p:nvSpPr>
         <p:spPr>
           <a:xfrm>
-            <a:off x="4419600" y="4343400"/>
-            <a:ext cx="914400" cy="1752600"/>
+            <a:off x="1524000" y="6400800"/>
+            <a:ext cx="228600" cy="228600"/>
           </a:xfrm>
           <a:prstGeom prst="rect">
             <a:avLst/>
@@ -4799,7 +5156,7 @@
           </a:fontRef>
         </p:style>
         <p:txBody>
-          <a:bodyPr rtlCol="0" anchor="t" anchorCtr="0"/>
+          <a:bodyPr rtlCol="0" anchor="ctr"/>
           <a:lstStyle/>
           <a:p>
             <a:pPr algn="ctr"/>
@@ -4811,7 +5168,7 @@
                 <a:latin typeface="Arial" pitchFamily="34" charset="0"/>
                 <a:cs typeface="Arial" pitchFamily="34" charset="0"/>
               </a:rPr>
-              <a:t>outer</a:t>
+              <a:t>d</a:t>
             </a:r>
             <a:endParaRPr lang="en-US" sz="1600" dirty="0">
               <a:solidFill>
@@ -4825,14 +5182,14 @@
       </p:sp>
       <p:sp>
         <p:nvSpPr>
-          <p:cNvPr id="50" name="Rectangle 49"/>
+          <p:cNvPr id="58" name="Rectangle 57"/>
           <p:cNvSpPr/>
           <p:nvPr/>
         </p:nvSpPr>
         <p:spPr>
           <a:xfrm>
-            <a:off x="4495800" y="5181600"/>
-            <a:ext cx="762000" cy="304800"/>
+            <a:off x="1752600" y="5943600"/>
+            <a:ext cx="228600" cy="228600"/>
           </a:xfrm>
           <a:prstGeom prst="rect">
             <a:avLst/>
@@ -4874,14 +5231,14 @@
           <a:p>
             <a:pPr algn="ctr"/>
             <a:r>
-              <a:rPr lang="en-US" sz="1600" dirty="0" err="1" smtClean="0">
+              <a:rPr lang="en-US" sz="1600" dirty="0" smtClean="0">
                 <a:solidFill>
                   <a:schemeClr val="tx1"/>
                 </a:solidFill>
                 <a:latin typeface="Arial" pitchFamily="34" charset="0"/>
                 <a:cs typeface="Arial" pitchFamily="34" charset="0"/>
               </a:rPr>
-              <a:t>baz</a:t>
+              <a:t>e</a:t>
             </a:r>
             <a:endParaRPr lang="en-US" sz="1600" dirty="0">
               <a:solidFill>
@@ -4895,14 +5252,14 @@
       </p:sp>
       <p:sp>
         <p:nvSpPr>
-          <p:cNvPr id="51" name="Rectangle 50"/>
+          <p:cNvPr id="62" name="Rectangle 61"/>
           <p:cNvSpPr/>
           <p:nvPr/>
         </p:nvSpPr>
         <p:spPr>
           <a:xfrm>
-            <a:off x="4495800" y="5638800"/>
-            <a:ext cx="762000" cy="304800"/>
+            <a:off x="1295400" y="5943600"/>
+            <a:ext cx="228600" cy="228600"/>
           </a:xfrm>
           <a:prstGeom prst="rect">
             <a:avLst/>
@@ -4944,14 +5301,14 @@
           <a:p>
             <a:pPr algn="ctr"/>
             <a:r>
-              <a:rPr lang="en-US" sz="1600" dirty="0" err="1" smtClean="0">
+              <a:rPr lang="en-US" sz="1600" dirty="0" smtClean="0">
                 <a:solidFill>
                   <a:schemeClr val="tx1"/>
                 </a:solidFill>
                 <a:latin typeface="Arial" pitchFamily="34" charset="0"/>
                 <a:cs typeface="Arial" pitchFamily="34" charset="0"/>
               </a:rPr>
-              <a:t>quux</a:t>
+              <a:t>c</a:t>
             </a:r>
             <a:endParaRPr lang="en-US" sz="1600" dirty="0">
               <a:solidFill>
@@ -4965,14 +5322,14 @@
       </p:sp>
       <p:sp>
         <p:nvSpPr>
-          <p:cNvPr id="52" name="Rectangle 51"/>
+          <p:cNvPr id="63" name="Rectangle 62"/>
           <p:cNvSpPr/>
           <p:nvPr/>
         </p:nvSpPr>
         <p:spPr>
           <a:xfrm>
-            <a:off x="6019800" y="4724400"/>
-            <a:ext cx="762000" cy="304800"/>
+            <a:off x="1752600" y="5486400"/>
+            <a:ext cx="228600" cy="228600"/>
           </a:xfrm>
           <a:prstGeom prst="rect">
             <a:avLst/>
@@ -5021,7 +5378,7 @@
                 <a:latin typeface="Arial" pitchFamily="34" charset="0"/>
                 <a:cs typeface="Arial" pitchFamily="34" charset="0"/>
               </a:rPr>
-              <a:t>parent</a:t>
+              <a:t>e</a:t>
             </a:r>
             <a:endParaRPr lang="en-US" sz="1600" dirty="0">
               <a:solidFill>
@@ -5035,14 +5392,14 @@
       </p:sp>
       <p:sp>
         <p:nvSpPr>
-          <p:cNvPr id="53" name="Rectangle 52"/>
+          <p:cNvPr id="66" name="Rectangle 65"/>
           <p:cNvSpPr/>
           <p:nvPr/>
         </p:nvSpPr>
         <p:spPr>
           <a:xfrm>
-            <a:off x="4495800" y="4724400"/>
-            <a:ext cx="762000" cy="304800"/>
+            <a:off x="1981200" y="6400800"/>
+            <a:ext cx="228600" cy="228600"/>
           </a:xfrm>
           <a:prstGeom prst="rect">
             <a:avLst/>
@@ -5091,7 +5448,7 @@
                 <a:latin typeface="Arial" pitchFamily="34" charset="0"/>
                 <a:cs typeface="Arial" pitchFamily="34" charset="0"/>
               </a:rPr>
-              <a:t>parent</a:t>
+              <a:t>f</a:t>
             </a:r>
             <a:endParaRPr lang="en-US" sz="1600" dirty="0">
               <a:solidFill>
@@ -5103,828 +5460,6 @@
           </a:p>
         </p:txBody>
       </p:sp>
-      <p:cxnSp>
-        <p:nvCxnSpPr>
-          <p:cNvPr id="54" name="Straight Arrow Connector 53"/>
-          <p:cNvCxnSpPr>
-            <a:stCxn id="52" idx="1"/>
-            <a:endCxn id="49" idx="3"/>
-          </p:cNvCxnSpPr>
-          <p:nvPr/>
-        </p:nvCxnSpPr>
-        <p:spPr>
-          <a:xfrm flipH="1">
-            <a:off x="5334000" y="4876800"/>
-            <a:ext cx="685800" cy="342900"/>
-          </a:xfrm>
-          <a:prstGeom prst="straightConnector1">
-            <a:avLst/>
-          </a:prstGeom>
-          <a:ln w="9525">
-            <a:solidFill>
-              <a:srgbClr val="000000"/>
-            </a:solidFill>
-            <a:prstDash val="solid"/>
-            <a:tailEnd type="triangle" w="med" len="med"/>
-          </a:ln>
-        </p:spPr>
-        <p:style>
-          <a:lnRef idx="1">
-            <a:schemeClr val="accent1"/>
-          </a:lnRef>
-          <a:fillRef idx="0">
-            <a:schemeClr val="accent1"/>
-          </a:fillRef>
-          <a:effectRef idx="0">
-            <a:schemeClr val="accent1"/>
-          </a:effectRef>
-          <a:fontRef idx="minor">
-            <a:schemeClr val="tx1"/>
-          </a:fontRef>
-        </p:style>
-      </p:cxnSp>
-      <p:sp>
-        <p:nvSpPr>
-          <p:cNvPr id="55" name="Isosceles Triangle 54"/>
-          <p:cNvSpPr/>
-          <p:nvPr/>
-        </p:nvSpPr>
-        <p:spPr>
-          <a:xfrm flipV="1">
-            <a:off x="4036656" y="5103456"/>
-            <a:ext cx="154344" cy="154344"/>
-          </a:xfrm>
-          <a:prstGeom prst="triangle">
-            <a:avLst/>
-          </a:prstGeom>
-          <a:solidFill>
-            <a:srgbClr val="FFFFFF"/>
-          </a:solidFill>
-          <a:ln w="9525">
-            <a:solidFill>
-              <a:srgbClr val="000000"/>
-            </a:solidFill>
-            <a:prstDash val="solid"/>
-          </a:ln>
-          <a:effectLst>
-            <a:outerShdw dist="38099" dir="2700015" rotWithShape="0">
-              <a:srgbClr val="000000"/>
-            </a:outerShdw>
-          </a:effectLst>
-        </p:spPr>
-        <p:style>
-          <a:lnRef idx="2">
-            <a:schemeClr val="accent1">
-              <a:shade val="50000"/>
-            </a:schemeClr>
-          </a:lnRef>
-          <a:fillRef idx="1">
-            <a:schemeClr val="accent1"/>
-          </a:fillRef>
-          <a:effectRef idx="0">
-            <a:schemeClr val="accent1"/>
-          </a:effectRef>
-          <a:fontRef idx="minor">
-            <a:schemeClr val="lt1"/>
-          </a:fontRef>
-        </p:style>
-        <p:txBody>
-          <a:bodyPr rtlCol="0" anchor="ctr"/>
-          <a:lstStyle/>
-          <a:p>
-            <a:pPr algn="ctr"/>
-            <a:endParaRPr lang="en-US"/>
-          </a:p>
-        </p:txBody>
-      </p:sp>
-      <p:cxnSp>
-        <p:nvCxnSpPr>
-          <p:cNvPr id="56" name="Elbow Connector 55"/>
-          <p:cNvCxnSpPr>
-            <a:stCxn id="53" idx="1"/>
-            <a:endCxn id="55" idx="3"/>
-          </p:cNvCxnSpPr>
-          <p:nvPr/>
-        </p:nvCxnSpPr>
-        <p:spPr>
-          <a:xfrm rot="10800000" flipV="1">
-            <a:off x="4113828" y="4876800"/>
-            <a:ext cx="381972" cy="226656"/>
-          </a:xfrm>
-          <a:prstGeom prst="bentConnector2">
-            <a:avLst/>
-          </a:prstGeom>
-          <a:ln w="9525">
-            <a:solidFill>
-              <a:srgbClr val="000000"/>
-            </a:solidFill>
-            <a:prstDash val="solid"/>
-          </a:ln>
-        </p:spPr>
-        <p:style>
-          <a:lnRef idx="1">
-            <a:schemeClr val="accent1"/>
-          </a:lnRef>
-          <a:fillRef idx="0">
-            <a:schemeClr val="accent1"/>
-          </a:fillRef>
-          <a:effectRef idx="0">
-            <a:schemeClr val="accent1"/>
-          </a:effectRef>
-          <a:fontRef idx="minor">
-            <a:schemeClr val="tx1"/>
-          </a:fontRef>
-        </p:style>
-      </p:cxnSp>
-      <p:sp>
-        <p:nvSpPr>
-          <p:cNvPr id="59" name="TextBox 58"/>
-          <p:cNvSpPr txBox="1"/>
-          <p:nvPr/>
-        </p:nvSpPr>
-        <p:spPr>
-          <a:xfrm>
-            <a:off x="4191000" y="1524000"/>
-            <a:ext cx="763927" cy="240066"/>
-          </a:xfrm>
-          <a:prstGeom prst="rect">
-            <a:avLst/>
-          </a:prstGeom>
-          <a:noFill/>
-          <a:ln w="9525">
-            <a:noFill/>
-            <a:prstDash val="solid"/>
-          </a:ln>
-        </p:spPr>
-        <p:txBody>
-          <a:bodyPr vert="horz" wrap="none" lIns="27432" tIns="27432" rIns="27432" bIns="27432" rtlCol="0" anchor="ctr" anchorCtr="0">
-            <a:spAutoFit/>
-          </a:bodyPr>
-          <a:lstStyle/>
-          <a:p>
-            <a:pPr algn="ctr"/>
-            <a:r>
-              <a:rPr lang="en-US" sz="1200" dirty="0" smtClean="0">
-                <a:latin typeface="Arial"/>
-              </a:rPr>
-              <a:t>Interpreter</a:t>
-            </a:r>
-            <a:endParaRPr lang="en-US" sz="1200" dirty="0">
-              <a:latin typeface="Arial"/>
-            </a:endParaRPr>
-          </a:p>
-        </p:txBody>
-      </p:sp>
-      <p:sp>
-        <p:nvSpPr>
-          <p:cNvPr id="60" name="TextBox 59"/>
-          <p:cNvSpPr txBox="1"/>
-          <p:nvPr/>
-        </p:nvSpPr>
-        <p:spPr>
-          <a:xfrm>
-            <a:off x="5919382" y="1524000"/>
-            <a:ext cx="355162" cy="240066"/>
-          </a:xfrm>
-          <a:prstGeom prst="rect">
-            <a:avLst/>
-          </a:prstGeom>
-          <a:noFill/>
-          <a:ln w="9525">
-            <a:noFill/>
-            <a:prstDash val="solid"/>
-          </a:ln>
-        </p:spPr>
-        <p:txBody>
-          <a:bodyPr vert="horz" wrap="none" lIns="27432" tIns="27432" rIns="27432" bIns="27432" rtlCol="0" anchor="ctr" anchorCtr="0">
-            <a:spAutoFit/>
-          </a:bodyPr>
-          <a:lstStyle/>
-          <a:p>
-            <a:pPr algn="ctr"/>
-            <a:r>
-              <a:rPr lang="en-US" sz="1200" dirty="0" smtClean="0">
-                <a:latin typeface="Arial"/>
-              </a:rPr>
-              <a:t>AST</a:t>
-            </a:r>
-            <a:endParaRPr lang="en-US" sz="1200" dirty="0">
-              <a:latin typeface="Arial"/>
-            </a:endParaRPr>
-          </a:p>
-        </p:txBody>
-      </p:sp>
-      <p:sp>
-        <p:nvSpPr>
-          <p:cNvPr id="61" name="TextBox 60"/>
-          <p:cNvSpPr txBox="1"/>
-          <p:nvPr/>
-        </p:nvSpPr>
-        <p:spPr>
-          <a:xfrm>
-            <a:off x="1063779" y="1524000"/>
-            <a:ext cx="1836785" cy="240066"/>
-          </a:xfrm>
-          <a:prstGeom prst="rect">
-            <a:avLst/>
-          </a:prstGeom>
-          <a:noFill/>
-          <a:ln w="9525">
-            <a:noFill/>
-            <a:prstDash val="solid"/>
-          </a:ln>
-        </p:spPr>
-        <p:txBody>
-          <a:bodyPr vert="horz" wrap="none" lIns="27432" tIns="27432" rIns="27432" bIns="27432" rtlCol="0" anchor="ctr" anchorCtr="0">
-            <a:spAutoFit/>
-          </a:bodyPr>
-          <a:lstStyle/>
-          <a:p>
-            <a:pPr algn="ctr"/>
-            <a:r>
-              <a:rPr lang="en-US" sz="1200" dirty="0" smtClean="0">
-                <a:latin typeface="Arial"/>
-              </a:rPr>
-              <a:t>AST with interpreter </a:t>
-            </a:r>
-            <a:r>
-              <a:rPr lang="en-US" sz="1200" dirty="0" err="1" smtClean="0">
-                <a:latin typeface="Arial"/>
-              </a:rPr>
-              <a:t>eval</a:t>
-            </a:r>
-            <a:r>
-              <a:rPr lang="en-US" sz="1200" smtClean="0">
-                <a:latin typeface="Arial"/>
-              </a:rPr>
-              <a:t>()</a:t>
-            </a:r>
-            <a:endParaRPr lang="en-US" sz="1200" dirty="0">
-              <a:latin typeface="Arial"/>
-            </a:endParaRPr>
-          </a:p>
-        </p:txBody>
-      </p:sp>
-      <p:sp>
-        <p:nvSpPr>
-          <p:cNvPr id="43" name="Rectangle 42"/>
-          <p:cNvSpPr/>
-          <p:nvPr/>
-        </p:nvSpPr>
-        <p:spPr>
-          <a:xfrm>
-            <a:off x="838200" y="5791200"/>
-            <a:ext cx="228600" cy="228600"/>
-          </a:xfrm>
-          <a:prstGeom prst="rect">
-            <a:avLst/>
-          </a:prstGeom>
-          <a:solidFill>
-            <a:srgbClr val="FFFFFF"/>
-          </a:solidFill>
-          <a:ln w="9525">
-            <a:solidFill>
-              <a:srgbClr val="000000"/>
-            </a:solidFill>
-            <a:prstDash val="solid"/>
-          </a:ln>
-          <a:effectLst>
-            <a:outerShdw dist="38099" dir="2700015">
-              <a:srgbClr val="000000"/>
-            </a:outerShdw>
-          </a:effectLst>
-        </p:spPr>
-        <p:style>
-          <a:lnRef idx="2">
-            <a:schemeClr val="accent1">
-              <a:shade val="50000"/>
-            </a:schemeClr>
-          </a:lnRef>
-          <a:fillRef idx="1">
-            <a:schemeClr val="accent1"/>
-          </a:fillRef>
-          <a:effectRef idx="0">
-            <a:schemeClr val="accent1"/>
-          </a:effectRef>
-          <a:fontRef idx="minor">
-            <a:schemeClr val="lt1"/>
-          </a:fontRef>
-        </p:style>
-        <p:txBody>
-          <a:bodyPr rtlCol="0" anchor="ctr"/>
-          <a:lstStyle/>
-          <a:p>
-            <a:pPr algn="ctr"/>
-            <a:r>
-              <a:rPr lang="en-US" sz="1600" dirty="0" smtClean="0">
-                <a:solidFill>
-                  <a:schemeClr val="tx1"/>
-                </a:solidFill>
-                <a:latin typeface="Arial" pitchFamily="34" charset="0"/>
-                <a:cs typeface="Arial" pitchFamily="34" charset="0"/>
-              </a:rPr>
-              <a:t>a</a:t>
-            </a:r>
-            <a:endParaRPr lang="en-US" sz="1600" dirty="0">
-              <a:solidFill>
-                <a:schemeClr val="tx1"/>
-              </a:solidFill>
-              <a:latin typeface="Arial" pitchFamily="34" charset="0"/>
-              <a:cs typeface="Arial" pitchFamily="34" charset="0"/>
-            </a:endParaRPr>
-          </a:p>
-        </p:txBody>
-      </p:sp>
-      <p:sp>
-        <p:nvSpPr>
-          <p:cNvPr id="44" name="Rectangle 43"/>
-          <p:cNvSpPr/>
-          <p:nvPr/>
-        </p:nvSpPr>
-        <p:spPr>
-          <a:xfrm>
-            <a:off x="1066800" y="5791200"/>
-            <a:ext cx="228600" cy="228600"/>
-          </a:xfrm>
-          <a:prstGeom prst="rect">
-            <a:avLst/>
-          </a:prstGeom>
-          <a:solidFill>
-            <a:srgbClr val="FFFFFF"/>
-          </a:solidFill>
-          <a:ln w="9525">
-            <a:solidFill>
-              <a:srgbClr val="000000"/>
-            </a:solidFill>
-            <a:prstDash val="solid"/>
-          </a:ln>
-          <a:effectLst>
-            <a:outerShdw dist="38099" dir="2700015">
-              <a:srgbClr val="000000"/>
-            </a:outerShdw>
-          </a:effectLst>
-        </p:spPr>
-        <p:style>
-          <a:lnRef idx="2">
-            <a:schemeClr val="accent1">
-              <a:shade val="50000"/>
-            </a:schemeClr>
-          </a:lnRef>
-          <a:fillRef idx="1">
-            <a:schemeClr val="accent1"/>
-          </a:fillRef>
-          <a:effectRef idx="0">
-            <a:schemeClr val="accent1"/>
-          </a:effectRef>
-          <a:fontRef idx="minor">
-            <a:schemeClr val="lt1"/>
-          </a:fontRef>
-        </p:style>
-        <p:txBody>
-          <a:bodyPr rtlCol="0" anchor="ctr"/>
-          <a:lstStyle/>
-          <a:p>
-            <a:pPr algn="ctr"/>
-            <a:r>
-              <a:rPr lang="en-US" sz="1600" dirty="0" smtClean="0">
-                <a:solidFill>
-                  <a:schemeClr val="tx1"/>
-                </a:solidFill>
-                <a:latin typeface="Arial" pitchFamily="34" charset="0"/>
-                <a:cs typeface="Arial" pitchFamily="34" charset="0"/>
-              </a:rPr>
-              <a:t>b</a:t>
-            </a:r>
-            <a:endParaRPr lang="en-US" sz="1600" dirty="0">
-              <a:solidFill>
-                <a:schemeClr val="tx1"/>
-              </a:solidFill>
-              <a:latin typeface="Arial" pitchFamily="34" charset="0"/>
-              <a:cs typeface="Arial" pitchFamily="34" charset="0"/>
-            </a:endParaRPr>
-          </a:p>
-        </p:txBody>
-      </p:sp>
-      <p:sp>
-        <p:nvSpPr>
-          <p:cNvPr id="45" name="Rectangle 44"/>
-          <p:cNvSpPr/>
-          <p:nvPr/>
-        </p:nvSpPr>
-        <p:spPr>
-          <a:xfrm>
-            <a:off x="1295400" y="5791200"/>
-            <a:ext cx="228600" cy="228600"/>
-          </a:xfrm>
-          <a:prstGeom prst="rect">
-            <a:avLst/>
-          </a:prstGeom>
-          <a:solidFill>
-            <a:srgbClr val="FFFFFF"/>
-          </a:solidFill>
-          <a:ln w="9525">
-            <a:solidFill>
-              <a:srgbClr val="000000"/>
-            </a:solidFill>
-            <a:prstDash val="solid"/>
-          </a:ln>
-          <a:effectLst>
-            <a:outerShdw dist="38099" dir="2700015">
-              <a:srgbClr val="000000"/>
-            </a:outerShdw>
-          </a:effectLst>
-        </p:spPr>
-        <p:style>
-          <a:lnRef idx="2">
-            <a:schemeClr val="accent1">
-              <a:shade val="50000"/>
-            </a:schemeClr>
-          </a:lnRef>
-          <a:fillRef idx="1">
-            <a:schemeClr val="accent1"/>
-          </a:fillRef>
-          <a:effectRef idx="0">
-            <a:schemeClr val="accent1"/>
-          </a:effectRef>
-          <a:fontRef idx="minor">
-            <a:schemeClr val="lt1"/>
-          </a:fontRef>
-        </p:style>
-        <p:txBody>
-          <a:bodyPr rtlCol="0" anchor="ctr"/>
-          <a:lstStyle/>
-          <a:p>
-            <a:pPr algn="ctr"/>
-            <a:r>
-              <a:rPr lang="en-US" sz="1600" dirty="0" smtClean="0">
-                <a:solidFill>
-                  <a:schemeClr val="tx1"/>
-                </a:solidFill>
-                <a:latin typeface="Arial" pitchFamily="34" charset="0"/>
-                <a:cs typeface="Arial" pitchFamily="34" charset="0"/>
-              </a:rPr>
-              <a:t>c</a:t>
-            </a:r>
-            <a:endParaRPr lang="en-US" sz="1600" dirty="0">
-              <a:solidFill>
-                <a:schemeClr val="tx1"/>
-              </a:solidFill>
-              <a:latin typeface="Arial" pitchFamily="34" charset="0"/>
-              <a:cs typeface="Arial" pitchFamily="34" charset="0"/>
-            </a:endParaRPr>
-          </a:p>
-        </p:txBody>
-      </p:sp>
-      <p:sp>
-        <p:nvSpPr>
-          <p:cNvPr id="57" name="Rectangle 56"/>
-          <p:cNvSpPr/>
-          <p:nvPr/>
-        </p:nvSpPr>
-        <p:spPr>
-          <a:xfrm>
-            <a:off x="1524000" y="5791200"/>
-            <a:ext cx="228600" cy="228600"/>
-          </a:xfrm>
-          <a:prstGeom prst="rect">
-            <a:avLst/>
-          </a:prstGeom>
-          <a:solidFill>
-            <a:srgbClr val="FFFFFF"/>
-          </a:solidFill>
-          <a:ln w="9525">
-            <a:solidFill>
-              <a:srgbClr val="000000"/>
-            </a:solidFill>
-            <a:prstDash val="solid"/>
-          </a:ln>
-          <a:effectLst>
-            <a:outerShdw dist="38099" dir="2700015">
-              <a:srgbClr val="000000"/>
-            </a:outerShdw>
-          </a:effectLst>
-        </p:spPr>
-        <p:style>
-          <a:lnRef idx="2">
-            <a:schemeClr val="accent1">
-              <a:shade val="50000"/>
-            </a:schemeClr>
-          </a:lnRef>
-          <a:fillRef idx="1">
-            <a:schemeClr val="accent1"/>
-          </a:fillRef>
-          <a:effectRef idx="0">
-            <a:schemeClr val="accent1"/>
-          </a:effectRef>
-          <a:fontRef idx="minor">
-            <a:schemeClr val="lt1"/>
-          </a:fontRef>
-        </p:style>
-        <p:txBody>
-          <a:bodyPr rtlCol="0" anchor="ctr"/>
-          <a:lstStyle/>
-          <a:p>
-            <a:pPr algn="ctr"/>
-            <a:r>
-              <a:rPr lang="en-US" sz="1600" dirty="0" smtClean="0">
-                <a:solidFill>
-                  <a:schemeClr val="tx1"/>
-                </a:solidFill>
-                <a:latin typeface="Arial" pitchFamily="34" charset="0"/>
-                <a:cs typeface="Arial" pitchFamily="34" charset="0"/>
-              </a:rPr>
-              <a:t>d</a:t>
-            </a:r>
-            <a:endParaRPr lang="en-US" sz="1600" dirty="0">
-              <a:solidFill>
-                <a:schemeClr val="tx1"/>
-              </a:solidFill>
-              <a:latin typeface="Arial" pitchFamily="34" charset="0"/>
-              <a:cs typeface="Arial" pitchFamily="34" charset="0"/>
-            </a:endParaRPr>
-          </a:p>
-        </p:txBody>
-      </p:sp>
-      <p:sp>
-        <p:nvSpPr>
-          <p:cNvPr id="58" name="Rectangle 57"/>
-          <p:cNvSpPr/>
-          <p:nvPr/>
-        </p:nvSpPr>
-        <p:spPr>
-          <a:xfrm>
-            <a:off x="1752600" y="5334000"/>
-            <a:ext cx="228600" cy="228600"/>
-          </a:xfrm>
-          <a:prstGeom prst="rect">
-            <a:avLst/>
-          </a:prstGeom>
-          <a:solidFill>
-            <a:srgbClr val="FFFFFF"/>
-          </a:solidFill>
-          <a:ln w="9525">
-            <a:solidFill>
-              <a:srgbClr val="000000"/>
-            </a:solidFill>
-            <a:prstDash val="solid"/>
-          </a:ln>
-          <a:effectLst>
-            <a:outerShdw dist="38099" dir="2700015">
-              <a:srgbClr val="000000"/>
-            </a:outerShdw>
-          </a:effectLst>
-        </p:spPr>
-        <p:style>
-          <a:lnRef idx="2">
-            <a:schemeClr val="accent1">
-              <a:shade val="50000"/>
-            </a:schemeClr>
-          </a:lnRef>
-          <a:fillRef idx="1">
-            <a:schemeClr val="accent1"/>
-          </a:fillRef>
-          <a:effectRef idx="0">
-            <a:schemeClr val="accent1"/>
-          </a:effectRef>
-          <a:fontRef idx="minor">
-            <a:schemeClr val="lt1"/>
-          </a:fontRef>
-        </p:style>
-        <p:txBody>
-          <a:bodyPr rtlCol="0" anchor="ctr"/>
-          <a:lstStyle/>
-          <a:p>
-            <a:pPr algn="ctr"/>
-            <a:r>
-              <a:rPr lang="en-US" sz="1600" dirty="0" smtClean="0">
-                <a:solidFill>
-                  <a:schemeClr val="tx1"/>
-                </a:solidFill>
-                <a:latin typeface="Arial" pitchFamily="34" charset="0"/>
-                <a:cs typeface="Arial" pitchFamily="34" charset="0"/>
-              </a:rPr>
-              <a:t>e</a:t>
-            </a:r>
-            <a:endParaRPr lang="en-US" sz="1600" dirty="0">
-              <a:solidFill>
-                <a:schemeClr val="tx1"/>
-              </a:solidFill>
-              <a:latin typeface="Arial" pitchFamily="34" charset="0"/>
-              <a:cs typeface="Arial" pitchFamily="34" charset="0"/>
-            </a:endParaRPr>
-          </a:p>
-        </p:txBody>
-      </p:sp>
-      <p:sp>
-        <p:nvSpPr>
-          <p:cNvPr id="62" name="Rectangle 61"/>
-          <p:cNvSpPr/>
-          <p:nvPr/>
-        </p:nvSpPr>
-        <p:spPr>
-          <a:xfrm>
-            <a:off x="1295400" y="5334000"/>
-            <a:ext cx="228600" cy="228600"/>
-          </a:xfrm>
-          <a:prstGeom prst="rect">
-            <a:avLst/>
-          </a:prstGeom>
-          <a:solidFill>
-            <a:srgbClr val="FFFFFF"/>
-          </a:solidFill>
-          <a:ln w="9525">
-            <a:solidFill>
-              <a:srgbClr val="000000"/>
-            </a:solidFill>
-            <a:prstDash val="solid"/>
-          </a:ln>
-          <a:effectLst>
-            <a:outerShdw dist="38099" dir="2700015">
-              <a:srgbClr val="000000"/>
-            </a:outerShdw>
-          </a:effectLst>
-        </p:spPr>
-        <p:style>
-          <a:lnRef idx="2">
-            <a:schemeClr val="accent1">
-              <a:shade val="50000"/>
-            </a:schemeClr>
-          </a:lnRef>
-          <a:fillRef idx="1">
-            <a:schemeClr val="accent1"/>
-          </a:fillRef>
-          <a:effectRef idx="0">
-            <a:schemeClr val="accent1"/>
-          </a:effectRef>
-          <a:fontRef idx="minor">
-            <a:schemeClr val="lt1"/>
-          </a:fontRef>
-        </p:style>
-        <p:txBody>
-          <a:bodyPr rtlCol="0" anchor="ctr"/>
-          <a:lstStyle/>
-          <a:p>
-            <a:pPr algn="ctr"/>
-            <a:r>
-              <a:rPr lang="en-US" sz="1600" dirty="0" smtClean="0">
-                <a:solidFill>
-                  <a:schemeClr val="tx1"/>
-                </a:solidFill>
-                <a:latin typeface="Arial" pitchFamily="34" charset="0"/>
-                <a:cs typeface="Arial" pitchFamily="34" charset="0"/>
-              </a:rPr>
-              <a:t>c</a:t>
-            </a:r>
-            <a:endParaRPr lang="en-US" sz="1600" dirty="0">
-              <a:solidFill>
-                <a:schemeClr val="tx1"/>
-              </a:solidFill>
-              <a:latin typeface="Arial" pitchFamily="34" charset="0"/>
-              <a:cs typeface="Arial" pitchFamily="34" charset="0"/>
-            </a:endParaRPr>
-          </a:p>
-        </p:txBody>
-      </p:sp>
-      <p:sp>
-        <p:nvSpPr>
-          <p:cNvPr id="63" name="Rectangle 62"/>
-          <p:cNvSpPr/>
-          <p:nvPr/>
-        </p:nvSpPr>
-        <p:spPr>
-          <a:xfrm>
-            <a:off x="1752600" y="4876800"/>
-            <a:ext cx="228600" cy="228600"/>
-          </a:xfrm>
-          <a:prstGeom prst="rect">
-            <a:avLst/>
-          </a:prstGeom>
-          <a:solidFill>
-            <a:srgbClr val="FFFFFF"/>
-          </a:solidFill>
-          <a:ln w="9525">
-            <a:solidFill>
-              <a:srgbClr val="000000"/>
-            </a:solidFill>
-            <a:prstDash val="solid"/>
-          </a:ln>
-          <a:effectLst>
-            <a:outerShdw dist="38099" dir="2700015">
-              <a:srgbClr val="000000"/>
-            </a:outerShdw>
-          </a:effectLst>
-        </p:spPr>
-        <p:style>
-          <a:lnRef idx="2">
-            <a:schemeClr val="accent1">
-              <a:shade val="50000"/>
-            </a:schemeClr>
-          </a:lnRef>
-          <a:fillRef idx="1">
-            <a:schemeClr val="accent1"/>
-          </a:fillRef>
-          <a:effectRef idx="0">
-            <a:schemeClr val="accent1"/>
-          </a:effectRef>
-          <a:fontRef idx="minor">
-            <a:schemeClr val="lt1"/>
-          </a:fontRef>
-        </p:style>
-        <p:txBody>
-          <a:bodyPr rtlCol="0" anchor="ctr"/>
-          <a:lstStyle/>
-          <a:p>
-            <a:pPr algn="ctr"/>
-            <a:r>
-              <a:rPr lang="en-US" sz="1600" dirty="0" smtClean="0">
-                <a:solidFill>
-                  <a:schemeClr val="tx1"/>
-                </a:solidFill>
-                <a:latin typeface="Arial" pitchFamily="34" charset="0"/>
-                <a:cs typeface="Arial" pitchFamily="34" charset="0"/>
-              </a:rPr>
-              <a:t>e</a:t>
-            </a:r>
-            <a:endParaRPr lang="en-US" sz="1600" dirty="0">
-              <a:solidFill>
-                <a:schemeClr val="tx1"/>
-              </a:solidFill>
-              <a:latin typeface="Arial" pitchFamily="34" charset="0"/>
-              <a:cs typeface="Arial" pitchFamily="34" charset="0"/>
-            </a:endParaRPr>
-          </a:p>
-        </p:txBody>
-      </p:sp>
-      <p:sp>
-        <p:nvSpPr>
-          <p:cNvPr id="66" name="Rectangle 65"/>
-          <p:cNvSpPr/>
-          <p:nvPr/>
-        </p:nvSpPr>
-        <p:spPr>
-          <a:xfrm>
-            <a:off x="1981200" y="5791200"/>
-            <a:ext cx="228600" cy="228600"/>
-          </a:xfrm>
-          <a:prstGeom prst="rect">
-            <a:avLst/>
-          </a:prstGeom>
-          <a:solidFill>
-            <a:srgbClr val="FFFFFF"/>
-          </a:solidFill>
-          <a:ln w="9525">
-            <a:solidFill>
-              <a:srgbClr val="000000"/>
-            </a:solidFill>
-            <a:prstDash val="solid"/>
-          </a:ln>
-          <a:effectLst>
-            <a:outerShdw dist="38099" dir="2700015">
-              <a:srgbClr val="000000"/>
-            </a:outerShdw>
-          </a:effectLst>
-        </p:spPr>
-        <p:style>
-          <a:lnRef idx="2">
-            <a:schemeClr val="accent1">
-              <a:shade val="50000"/>
-            </a:schemeClr>
-          </a:lnRef>
-          <a:fillRef idx="1">
-            <a:schemeClr val="accent1"/>
-          </a:fillRef>
-          <a:effectRef idx="0">
-            <a:schemeClr val="accent1"/>
-          </a:effectRef>
-          <a:fontRef idx="minor">
-            <a:schemeClr val="lt1"/>
-          </a:fontRef>
-        </p:style>
-        <p:txBody>
-          <a:bodyPr rtlCol="0" anchor="ctr"/>
-          <a:lstStyle/>
-          <a:p>
-            <a:pPr algn="ctr"/>
-            <a:r>
-              <a:rPr lang="en-US" sz="1600" dirty="0" smtClean="0">
-                <a:solidFill>
-                  <a:schemeClr val="tx1"/>
-                </a:solidFill>
-                <a:latin typeface="Arial" pitchFamily="34" charset="0"/>
-                <a:cs typeface="Arial" pitchFamily="34" charset="0"/>
-              </a:rPr>
-              <a:t>f</a:t>
-            </a:r>
-            <a:endParaRPr lang="en-US" sz="1600" dirty="0">
-              <a:solidFill>
-                <a:schemeClr val="tx1"/>
-              </a:solidFill>
-              <a:latin typeface="Arial" pitchFamily="34" charset="0"/>
-              <a:cs typeface="Arial" pitchFamily="34" charset="0"/>
-            </a:endParaRPr>
-          </a:p>
-        </p:txBody>
-      </p:sp>
       <p:sp>
         <p:nvSpPr>
           <p:cNvPr id="67" name="Rectangle 66"/>
@@ -5933,7 +5468,7 @@
         </p:nvSpPr>
         <p:spPr>
           <a:xfrm>
-            <a:off x="762000" y="5715000"/>
+            <a:off x="762000" y="6324600"/>
             <a:ext cx="1524000" cy="381000"/>
           </a:xfrm>
           <a:prstGeom prst="rect">
@@ -5987,7 +5522,7 @@
         </p:nvSpPr>
         <p:spPr>
           <a:xfrm>
-            <a:off x="762000" y="5257800"/>
+            <a:off x="762000" y="5867400"/>
             <a:ext cx="1524000" cy="381000"/>
           </a:xfrm>
           <a:prstGeom prst="rect">
@@ -6041,7 +5576,7 @@
         </p:nvSpPr>
         <p:spPr>
           <a:xfrm>
-            <a:off x="762000" y="4800600"/>
+            <a:off x="762000" y="5410200"/>
             <a:ext cx="1524000" cy="381000"/>
           </a:xfrm>
           <a:prstGeom prst="rect">
@@ -6098,7 +5633,7 @@
         </p:nvCxnSpPr>
         <p:spPr>
           <a:xfrm>
-            <a:off x="1866900" y="5105400"/>
+            <a:off x="1866900" y="5715000"/>
             <a:ext cx="0" cy="228600"/>
           </a:xfrm>
           <a:prstGeom prst="straightConnector1">
@@ -6138,7 +5673,7 @@
         </p:nvCxnSpPr>
         <p:spPr>
           <a:xfrm>
-            <a:off x="1409700" y="5562600"/>
+            <a:off x="1409700" y="6172200"/>
             <a:ext cx="0" cy="228600"/>
           </a:xfrm>
           <a:prstGeom prst="straightConnector1">
@@ -6178,7 +5713,7 @@
         </p:nvCxnSpPr>
         <p:spPr>
           <a:xfrm>
-            <a:off x="2286000" y="4991100"/>
+            <a:off x="2286000" y="5600700"/>
             <a:ext cx="12700" cy="457200"/>
           </a:xfrm>
           <a:prstGeom prst="bentConnector3">
@@ -6220,7 +5755,7 @@
         </p:nvCxnSpPr>
         <p:spPr>
           <a:xfrm rot="10800000" flipV="1">
-            <a:off x="762000" y="5448300"/>
+            <a:off x="762000" y="6057900"/>
             <a:ext cx="12700" cy="457200"/>
           </a:xfrm>
           <a:prstGeom prst="bentConnector3">
@@ -6251,6 +5786,2727 @@
           </a:fontRef>
         </p:style>
       </p:cxnSp>
+      <p:sp>
+        <p:nvSpPr>
+          <p:cNvPr id="64" name="Rectangle 63"/>
+          <p:cNvSpPr/>
+          <p:nvPr/>
+        </p:nvSpPr>
+        <p:spPr>
+          <a:xfrm>
+            <a:off x="838200" y="5486400"/>
+            <a:ext cx="228600" cy="228600"/>
+          </a:xfrm>
+          <a:prstGeom prst="rect">
+            <a:avLst/>
+          </a:prstGeom>
+          <a:solidFill>
+            <a:srgbClr val="FFFFFF"/>
+          </a:solidFill>
+          <a:ln w="9525">
+            <a:solidFill>
+              <a:srgbClr val="000000"/>
+            </a:solidFill>
+            <a:prstDash val="solid"/>
+          </a:ln>
+          <a:effectLst>
+            <a:outerShdw dist="38099" dir="2700015">
+              <a:srgbClr val="000000"/>
+            </a:outerShdw>
+          </a:effectLst>
+        </p:spPr>
+        <p:style>
+          <a:lnRef idx="2">
+            <a:schemeClr val="accent1">
+              <a:shade val="50000"/>
+            </a:schemeClr>
+          </a:lnRef>
+          <a:fillRef idx="1">
+            <a:schemeClr val="accent1"/>
+          </a:fillRef>
+          <a:effectRef idx="0">
+            <a:schemeClr val="accent1"/>
+          </a:effectRef>
+          <a:fontRef idx="minor">
+            <a:schemeClr val="lt1"/>
+          </a:fontRef>
+        </p:style>
+        <p:txBody>
+          <a:bodyPr rtlCol="0" anchor="ctr"/>
+          <a:lstStyle/>
+          <a:p>
+            <a:pPr algn="ctr"/>
+            <a:r>
+              <a:rPr lang="en-US" sz="1600" dirty="0" smtClean="0">
+                <a:solidFill>
+                  <a:schemeClr val="tx1"/>
+                </a:solidFill>
+                <a:latin typeface="Arial" pitchFamily="34" charset="0"/>
+                <a:cs typeface="Arial" pitchFamily="34" charset="0"/>
+              </a:rPr>
+              <a:t>a</a:t>
+            </a:r>
+            <a:endParaRPr lang="en-US" sz="1600" dirty="0">
+              <a:solidFill>
+                <a:schemeClr val="tx1"/>
+              </a:solidFill>
+              <a:latin typeface="Arial" pitchFamily="34" charset="0"/>
+              <a:cs typeface="Arial" pitchFamily="34" charset="0"/>
+            </a:endParaRPr>
+          </a:p>
+        </p:txBody>
+      </p:sp>
+      <p:cxnSp>
+        <p:nvCxnSpPr>
+          <p:cNvPr id="65" name="Straight Arrow Connector 64"/>
+          <p:cNvCxnSpPr>
+            <a:stCxn id="64" idx="2"/>
+            <a:endCxn id="43" idx="0"/>
+          </p:cNvCxnSpPr>
+          <p:nvPr/>
+        </p:nvCxnSpPr>
+        <p:spPr>
+          <a:xfrm>
+            <a:off x="952500" y="5715000"/>
+            <a:ext cx="0" cy="685800"/>
+          </a:xfrm>
+          <a:prstGeom prst="straightConnector1">
+            <a:avLst/>
+          </a:prstGeom>
+          <a:ln w="9525">
+            <a:solidFill>
+              <a:srgbClr val="000000"/>
+            </a:solidFill>
+            <a:prstDash val="solid"/>
+            <a:tailEnd type="triangle" w="med" len="med"/>
+          </a:ln>
+        </p:spPr>
+        <p:style>
+          <a:lnRef idx="1">
+            <a:schemeClr val="accent1"/>
+          </a:lnRef>
+          <a:fillRef idx="0">
+            <a:schemeClr val="accent1"/>
+          </a:fillRef>
+          <a:effectRef idx="0">
+            <a:schemeClr val="accent1"/>
+          </a:effectRef>
+          <a:fontRef idx="minor">
+            <a:schemeClr val="tx1"/>
+          </a:fontRef>
+        </p:style>
+      </p:cxnSp>
+      <p:sp>
+        <p:nvSpPr>
+          <p:cNvPr id="46" name="Rectangle 45"/>
+          <p:cNvSpPr/>
+          <p:nvPr/>
+        </p:nvSpPr>
+        <p:spPr>
+          <a:xfrm>
+            <a:off x="3525415" y="7162800"/>
+            <a:ext cx="844982" cy="1752600"/>
+          </a:xfrm>
+          <a:prstGeom prst="rect">
+            <a:avLst/>
+          </a:prstGeom>
+          <a:solidFill>
+            <a:srgbClr val="FFFFFF"/>
+          </a:solidFill>
+          <a:ln w="9525">
+            <a:solidFill>
+              <a:srgbClr val="000000"/>
+            </a:solidFill>
+            <a:prstDash val="solid"/>
+          </a:ln>
+          <a:effectLst>
+            <a:outerShdw dist="38099" dir="2700015">
+              <a:srgbClr val="000000"/>
+            </a:outerShdw>
+          </a:effectLst>
+        </p:spPr>
+        <p:style>
+          <a:lnRef idx="2">
+            <a:schemeClr val="accent1">
+              <a:shade val="50000"/>
+            </a:schemeClr>
+          </a:lnRef>
+          <a:fillRef idx="1">
+            <a:schemeClr val="accent1"/>
+          </a:fillRef>
+          <a:effectRef idx="0">
+            <a:schemeClr val="accent1"/>
+          </a:effectRef>
+          <a:fontRef idx="minor">
+            <a:schemeClr val="lt1"/>
+          </a:fontRef>
+        </p:style>
+        <p:txBody>
+          <a:bodyPr rtlCol="0" anchor="t" anchorCtr="0"/>
+          <a:lstStyle/>
+          <a:p>
+            <a:pPr algn="ctr"/>
+            <a:r>
+              <a:rPr lang="en-US" sz="1600" dirty="0" smtClean="0">
+                <a:solidFill>
+                  <a:schemeClr val="tx1"/>
+                </a:solidFill>
+                <a:latin typeface="Arial Narrow" pitchFamily="34" charset="0"/>
+                <a:cs typeface="Arial" pitchFamily="34" charset="0"/>
+              </a:rPr>
+              <a:t>class</a:t>
+            </a:r>
+            <a:endParaRPr lang="en-US" sz="1600" dirty="0">
+              <a:solidFill>
+                <a:schemeClr val="tx1"/>
+              </a:solidFill>
+              <a:latin typeface="Arial Narrow" pitchFamily="34" charset="0"/>
+              <a:cs typeface="Arial" pitchFamily="34" charset="0"/>
+            </a:endParaRPr>
+          </a:p>
+        </p:txBody>
+      </p:sp>
+      <p:sp>
+        <p:nvSpPr>
+          <p:cNvPr id="47" name="Rectangle 46"/>
+          <p:cNvSpPr/>
+          <p:nvPr/>
+        </p:nvSpPr>
+        <p:spPr>
+          <a:xfrm>
+            <a:off x="3595830" y="8001000"/>
+            <a:ext cx="704152" cy="304800"/>
+          </a:xfrm>
+          <a:prstGeom prst="rect">
+            <a:avLst/>
+          </a:prstGeom>
+          <a:solidFill>
+            <a:srgbClr val="FFFFFF"/>
+          </a:solidFill>
+          <a:ln w="9525">
+            <a:solidFill>
+              <a:srgbClr val="000000"/>
+            </a:solidFill>
+            <a:prstDash val="solid"/>
+          </a:ln>
+          <a:effectLst>
+            <a:outerShdw dist="38099" dir="2700015">
+              <a:srgbClr val="000000"/>
+            </a:outerShdw>
+          </a:effectLst>
+        </p:spPr>
+        <p:style>
+          <a:lnRef idx="2">
+            <a:schemeClr val="accent1">
+              <a:shade val="50000"/>
+            </a:schemeClr>
+          </a:lnRef>
+          <a:fillRef idx="1">
+            <a:schemeClr val="accent1"/>
+          </a:fillRef>
+          <a:effectRef idx="0">
+            <a:schemeClr val="accent1"/>
+          </a:effectRef>
+          <a:fontRef idx="minor">
+            <a:schemeClr val="lt1"/>
+          </a:fontRef>
+        </p:style>
+        <p:txBody>
+          <a:bodyPr rtlCol="0" anchor="ctr"/>
+          <a:lstStyle/>
+          <a:p>
+            <a:pPr algn="ctr"/>
+            <a:r>
+              <a:rPr lang="en-US" sz="1600" dirty="0" smtClean="0">
+                <a:solidFill>
+                  <a:schemeClr val="tx1"/>
+                </a:solidFill>
+                <a:latin typeface="Arial Narrow" pitchFamily="34" charset="0"/>
+                <a:cs typeface="Arial" pitchFamily="34" charset="0"/>
+              </a:rPr>
+              <a:t>bat_</a:t>
+            </a:r>
+            <a:endParaRPr lang="en-US" sz="1600" dirty="0">
+              <a:solidFill>
+                <a:schemeClr val="tx1"/>
+              </a:solidFill>
+              <a:latin typeface="Arial Narrow" pitchFamily="34" charset="0"/>
+              <a:cs typeface="Arial" pitchFamily="34" charset="0"/>
+            </a:endParaRPr>
+          </a:p>
+        </p:txBody>
+      </p:sp>
+      <p:sp>
+        <p:nvSpPr>
+          <p:cNvPr id="48" name="Rectangle 47"/>
+          <p:cNvSpPr/>
+          <p:nvPr/>
+        </p:nvSpPr>
+        <p:spPr>
+          <a:xfrm>
+            <a:off x="3595830" y="8458200"/>
+            <a:ext cx="704152" cy="304800"/>
+          </a:xfrm>
+          <a:prstGeom prst="rect">
+            <a:avLst/>
+          </a:prstGeom>
+          <a:solidFill>
+            <a:srgbClr val="FFFFFF"/>
+          </a:solidFill>
+          <a:ln w="9525">
+            <a:solidFill>
+              <a:srgbClr val="000000"/>
+            </a:solidFill>
+            <a:prstDash val="solid"/>
+          </a:ln>
+          <a:effectLst>
+            <a:outerShdw dist="38099" dir="2700015">
+              <a:srgbClr val="000000"/>
+            </a:outerShdw>
+          </a:effectLst>
+        </p:spPr>
+        <p:style>
+          <a:lnRef idx="2">
+            <a:schemeClr val="accent1">
+              <a:shade val="50000"/>
+            </a:schemeClr>
+          </a:lnRef>
+          <a:fillRef idx="1">
+            <a:schemeClr val="accent1"/>
+          </a:fillRef>
+          <a:effectRef idx="0">
+            <a:schemeClr val="accent1"/>
+          </a:effectRef>
+          <a:fontRef idx="minor">
+            <a:schemeClr val="lt1"/>
+          </a:fontRef>
+        </p:style>
+        <p:txBody>
+          <a:bodyPr rtlCol="0" anchor="ctr"/>
+          <a:lstStyle/>
+          <a:p>
+            <a:pPr algn="ctr"/>
+            <a:r>
+              <a:rPr lang="en-US" sz="1600" dirty="0" smtClean="0">
+                <a:solidFill>
+                  <a:schemeClr val="tx1"/>
+                </a:solidFill>
+                <a:latin typeface="Arial Narrow" pitchFamily="34" charset="0"/>
+                <a:cs typeface="Arial" pitchFamily="34" charset="0"/>
+              </a:rPr>
+              <a:t>me</a:t>
+            </a:r>
+            <a:endParaRPr lang="en-US" sz="1600" dirty="0">
+              <a:solidFill>
+                <a:schemeClr val="tx1"/>
+              </a:solidFill>
+              <a:latin typeface="Arial Narrow" pitchFamily="34" charset="0"/>
+              <a:cs typeface="Arial" pitchFamily="34" charset="0"/>
+            </a:endParaRPr>
+          </a:p>
+        </p:txBody>
+      </p:sp>
+      <p:sp>
+        <p:nvSpPr>
+          <p:cNvPr id="49" name="Rectangle 48"/>
+          <p:cNvSpPr/>
+          <p:nvPr/>
+        </p:nvSpPr>
+        <p:spPr>
+          <a:xfrm>
+            <a:off x="2257942" y="7162800"/>
+            <a:ext cx="844982" cy="1752600"/>
+          </a:xfrm>
+          <a:prstGeom prst="rect">
+            <a:avLst/>
+          </a:prstGeom>
+          <a:solidFill>
+            <a:srgbClr val="FFFFFF"/>
+          </a:solidFill>
+          <a:ln w="9525">
+            <a:solidFill>
+              <a:srgbClr val="000000"/>
+            </a:solidFill>
+            <a:prstDash val="solid"/>
+          </a:ln>
+          <a:effectLst>
+            <a:outerShdw dist="38099" dir="2700015">
+              <a:srgbClr val="000000"/>
+            </a:outerShdw>
+          </a:effectLst>
+        </p:spPr>
+        <p:style>
+          <a:lnRef idx="2">
+            <a:schemeClr val="accent1">
+              <a:shade val="50000"/>
+            </a:schemeClr>
+          </a:lnRef>
+          <a:fillRef idx="1">
+            <a:schemeClr val="accent1"/>
+          </a:fillRef>
+          <a:effectRef idx="0">
+            <a:schemeClr val="accent1"/>
+          </a:effectRef>
+          <a:fontRef idx="minor">
+            <a:schemeClr val="lt1"/>
+          </a:fontRef>
+        </p:style>
+        <p:txBody>
+          <a:bodyPr rtlCol="0" anchor="t" anchorCtr="0"/>
+          <a:lstStyle/>
+          <a:p>
+            <a:pPr algn="ctr"/>
+            <a:r>
+              <a:rPr lang="en-US" sz="1600" dirty="0" smtClean="0">
+                <a:solidFill>
+                  <a:schemeClr val="tx1"/>
+                </a:solidFill>
+                <a:latin typeface="Arial Narrow" pitchFamily="34" charset="0"/>
+                <a:cs typeface="Arial" pitchFamily="34" charset="0"/>
+              </a:rPr>
+              <a:t>outer</a:t>
+            </a:r>
+            <a:endParaRPr lang="en-US" sz="1600" dirty="0">
+              <a:solidFill>
+                <a:schemeClr val="tx1"/>
+              </a:solidFill>
+              <a:latin typeface="Arial Narrow" pitchFamily="34" charset="0"/>
+              <a:cs typeface="Arial" pitchFamily="34" charset="0"/>
+            </a:endParaRPr>
+          </a:p>
+        </p:txBody>
+      </p:sp>
+      <p:sp>
+        <p:nvSpPr>
+          <p:cNvPr id="50" name="Rectangle 49"/>
+          <p:cNvSpPr/>
+          <p:nvPr/>
+        </p:nvSpPr>
+        <p:spPr>
+          <a:xfrm>
+            <a:off x="2328357" y="8001000"/>
+            <a:ext cx="704152" cy="304800"/>
+          </a:xfrm>
+          <a:prstGeom prst="rect">
+            <a:avLst/>
+          </a:prstGeom>
+          <a:solidFill>
+            <a:srgbClr val="FFFFFF"/>
+          </a:solidFill>
+          <a:ln w="9525">
+            <a:solidFill>
+              <a:srgbClr val="000000"/>
+            </a:solidFill>
+            <a:prstDash val="solid"/>
+          </a:ln>
+          <a:effectLst>
+            <a:outerShdw dist="38099" dir="2700015">
+              <a:srgbClr val="000000"/>
+            </a:outerShdw>
+          </a:effectLst>
+        </p:spPr>
+        <p:style>
+          <a:lnRef idx="2">
+            <a:schemeClr val="accent1">
+              <a:shade val="50000"/>
+            </a:schemeClr>
+          </a:lnRef>
+          <a:fillRef idx="1">
+            <a:schemeClr val="accent1"/>
+          </a:fillRef>
+          <a:effectRef idx="0">
+            <a:schemeClr val="accent1"/>
+          </a:effectRef>
+          <a:fontRef idx="minor">
+            <a:schemeClr val="lt1"/>
+          </a:fontRef>
+        </p:style>
+        <p:txBody>
+          <a:bodyPr rtlCol="0" anchor="ctr"/>
+          <a:lstStyle/>
+          <a:p>
+            <a:pPr algn="ctr"/>
+            <a:r>
+              <a:rPr lang="en-US" sz="1600" dirty="0" err="1" smtClean="0">
+                <a:solidFill>
+                  <a:schemeClr val="tx1"/>
+                </a:solidFill>
+                <a:latin typeface="Arial Narrow" pitchFamily="34" charset="0"/>
+                <a:cs typeface="Arial" pitchFamily="34" charset="0"/>
+              </a:rPr>
+              <a:t>foo</a:t>
+            </a:r>
+            <a:endParaRPr lang="en-US" sz="1600" dirty="0">
+              <a:solidFill>
+                <a:schemeClr val="tx1"/>
+              </a:solidFill>
+              <a:latin typeface="Arial Narrow" pitchFamily="34" charset="0"/>
+              <a:cs typeface="Arial" pitchFamily="34" charset="0"/>
+            </a:endParaRPr>
+          </a:p>
+        </p:txBody>
+      </p:sp>
+      <p:sp>
+        <p:nvSpPr>
+          <p:cNvPr id="51" name="Rectangle 50"/>
+          <p:cNvSpPr/>
+          <p:nvPr/>
+        </p:nvSpPr>
+        <p:spPr>
+          <a:xfrm>
+            <a:off x="2328357" y="8458200"/>
+            <a:ext cx="704152" cy="304800"/>
+          </a:xfrm>
+          <a:prstGeom prst="rect">
+            <a:avLst/>
+          </a:prstGeom>
+          <a:solidFill>
+            <a:srgbClr val="FFFFFF"/>
+          </a:solidFill>
+          <a:ln w="9525">
+            <a:solidFill>
+              <a:srgbClr val="000000"/>
+            </a:solidFill>
+            <a:prstDash val="solid"/>
+          </a:ln>
+          <a:effectLst>
+            <a:outerShdw dist="38099" dir="2700015">
+              <a:srgbClr val="000000"/>
+            </a:outerShdw>
+          </a:effectLst>
+        </p:spPr>
+        <p:style>
+          <a:lnRef idx="2">
+            <a:schemeClr val="accent1">
+              <a:shade val="50000"/>
+            </a:schemeClr>
+          </a:lnRef>
+          <a:fillRef idx="1">
+            <a:schemeClr val="accent1"/>
+          </a:fillRef>
+          <a:effectRef idx="0">
+            <a:schemeClr val="accent1"/>
+          </a:effectRef>
+          <a:fontRef idx="minor">
+            <a:schemeClr val="lt1"/>
+          </a:fontRef>
+        </p:style>
+        <p:txBody>
+          <a:bodyPr rtlCol="0" anchor="ctr"/>
+          <a:lstStyle/>
+          <a:p>
+            <a:pPr algn="ctr"/>
+            <a:r>
+              <a:rPr lang="en-US" sz="1600" dirty="0" smtClean="0">
+                <a:solidFill>
+                  <a:schemeClr val="tx1"/>
+                </a:solidFill>
+                <a:latin typeface="Arial Narrow" pitchFamily="34" charset="0"/>
+                <a:cs typeface="Arial" pitchFamily="34" charset="0"/>
+              </a:rPr>
+              <a:t>bar</a:t>
+            </a:r>
+            <a:endParaRPr lang="en-US" sz="1600" dirty="0">
+              <a:solidFill>
+                <a:schemeClr val="tx1"/>
+              </a:solidFill>
+              <a:latin typeface="Arial Narrow" pitchFamily="34" charset="0"/>
+              <a:cs typeface="Arial" pitchFamily="34" charset="0"/>
+            </a:endParaRPr>
+          </a:p>
+        </p:txBody>
+      </p:sp>
+      <p:sp>
+        <p:nvSpPr>
+          <p:cNvPr id="52" name="Rectangle 51"/>
+          <p:cNvSpPr/>
+          <p:nvPr/>
+        </p:nvSpPr>
+        <p:spPr>
+          <a:xfrm>
+            <a:off x="3595830" y="7543800"/>
+            <a:ext cx="704152" cy="304800"/>
+          </a:xfrm>
+          <a:prstGeom prst="rect">
+            <a:avLst/>
+          </a:prstGeom>
+          <a:solidFill>
+            <a:srgbClr val="FFFFFF"/>
+          </a:solidFill>
+          <a:ln w="9525">
+            <a:solidFill>
+              <a:srgbClr val="000000"/>
+            </a:solidFill>
+            <a:prstDash val="solid"/>
+          </a:ln>
+          <a:effectLst>
+            <a:outerShdw dist="38099" dir="2700015">
+              <a:srgbClr val="000000"/>
+            </a:outerShdw>
+          </a:effectLst>
+        </p:spPr>
+        <p:style>
+          <a:lnRef idx="2">
+            <a:schemeClr val="accent1">
+              <a:shade val="50000"/>
+            </a:schemeClr>
+          </a:lnRef>
+          <a:fillRef idx="1">
+            <a:schemeClr val="accent1"/>
+          </a:fillRef>
+          <a:effectRef idx="0">
+            <a:schemeClr val="accent1"/>
+          </a:effectRef>
+          <a:fontRef idx="minor">
+            <a:schemeClr val="lt1"/>
+          </a:fontRef>
+        </p:style>
+        <p:txBody>
+          <a:bodyPr rtlCol="0" anchor="ctr"/>
+          <a:lstStyle/>
+          <a:p>
+            <a:pPr algn="ctr"/>
+            <a:r>
+              <a:rPr lang="en-US" sz="1600" dirty="0" smtClean="0">
+                <a:solidFill>
+                  <a:schemeClr val="tx1"/>
+                </a:solidFill>
+                <a:latin typeface="Arial Narrow" pitchFamily="34" charset="0"/>
+                <a:cs typeface="Arial" pitchFamily="34" charset="0"/>
+              </a:rPr>
+              <a:t>parent</a:t>
+            </a:r>
+            <a:endParaRPr lang="en-US" sz="1600" dirty="0">
+              <a:solidFill>
+                <a:schemeClr val="tx1"/>
+              </a:solidFill>
+              <a:latin typeface="Arial Narrow" pitchFamily="34" charset="0"/>
+              <a:cs typeface="Arial" pitchFamily="34" charset="0"/>
+            </a:endParaRPr>
+          </a:p>
+        </p:txBody>
+      </p:sp>
+      <p:sp>
+        <p:nvSpPr>
+          <p:cNvPr id="53" name="Rectangle 52"/>
+          <p:cNvSpPr/>
+          <p:nvPr/>
+        </p:nvSpPr>
+        <p:spPr>
+          <a:xfrm>
+            <a:off x="2328357" y="7543800"/>
+            <a:ext cx="704152" cy="304800"/>
+          </a:xfrm>
+          <a:prstGeom prst="rect">
+            <a:avLst/>
+          </a:prstGeom>
+          <a:solidFill>
+            <a:srgbClr val="FFFFFF"/>
+          </a:solidFill>
+          <a:ln w="9525">
+            <a:solidFill>
+              <a:srgbClr val="000000"/>
+            </a:solidFill>
+            <a:prstDash val="solid"/>
+          </a:ln>
+          <a:effectLst>
+            <a:outerShdw dist="38099" dir="2700015">
+              <a:srgbClr val="000000"/>
+            </a:outerShdw>
+          </a:effectLst>
+        </p:spPr>
+        <p:style>
+          <a:lnRef idx="2">
+            <a:schemeClr val="accent1">
+              <a:shade val="50000"/>
+            </a:schemeClr>
+          </a:lnRef>
+          <a:fillRef idx="1">
+            <a:schemeClr val="accent1"/>
+          </a:fillRef>
+          <a:effectRef idx="0">
+            <a:schemeClr val="accent1"/>
+          </a:effectRef>
+          <a:fontRef idx="minor">
+            <a:schemeClr val="lt1"/>
+          </a:fontRef>
+        </p:style>
+        <p:txBody>
+          <a:bodyPr rtlCol="0" anchor="ctr"/>
+          <a:lstStyle/>
+          <a:p>
+            <a:pPr algn="ctr"/>
+            <a:r>
+              <a:rPr lang="en-US" sz="1600" dirty="0" smtClean="0">
+                <a:solidFill>
+                  <a:schemeClr val="tx1"/>
+                </a:solidFill>
+                <a:latin typeface="Arial Narrow" pitchFamily="34" charset="0"/>
+                <a:cs typeface="Arial" pitchFamily="34" charset="0"/>
+              </a:rPr>
+              <a:t>parent</a:t>
+            </a:r>
+            <a:endParaRPr lang="en-US" sz="1600" dirty="0">
+              <a:solidFill>
+                <a:schemeClr val="tx1"/>
+              </a:solidFill>
+              <a:latin typeface="Arial Narrow" pitchFamily="34" charset="0"/>
+              <a:cs typeface="Arial" pitchFamily="34" charset="0"/>
+            </a:endParaRPr>
+          </a:p>
+        </p:txBody>
+      </p:sp>
+      <p:cxnSp>
+        <p:nvCxnSpPr>
+          <p:cNvPr id="54" name="Straight Arrow Connector 53"/>
+          <p:cNvCxnSpPr>
+            <a:stCxn id="52" idx="1"/>
+            <a:endCxn id="49" idx="3"/>
+          </p:cNvCxnSpPr>
+          <p:nvPr/>
+        </p:nvCxnSpPr>
+        <p:spPr>
+          <a:xfrm rot="10800000" flipV="1">
+            <a:off x="3102924" y="7696200"/>
+            <a:ext cx="492906" cy="342900"/>
+          </a:xfrm>
+          <a:prstGeom prst="bentConnector3">
+            <a:avLst>
+              <a:gd name="adj1" fmla="val 50000"/>
+            </a:avLst>
+          </a:prstGeom>
+          <a:ln w="9525">
+            <a:solidFill>
+              <a:srgbClr val="000000"/>
+            </a:solidFill>
+            <a:prstDash val="solid"/>
+            <a:tailEnd type="triangle" w="med" len="med"/>
+          </a:ln>
+        </p:spPr>
+        <p:style>
+          <a:lnRef idx="1">
+            <a:schemeClr val="accent1"/>
+          </a:lnRef>
+          <a:fillRef idx="0">
+            <a:schemeClr val="accent1"/>
+          </a:fillRef>
+          <a:effectRef idx="0">
+            <a:schemeClr val="accent1"/>
+          </a:effectRef>
+          <a:fontRef idx="minor">
+            <a:schemeClr val="tx1"/>
+          </a:fontRef>
+        </p:style>
+      </p:cxnSp>
+      <p:sp>
+        <p:nvSpPr>
+          <p:cNvPr id="55" name="Isosceles Triangle 54"/>
+          <p:cNvSpPr/>
+          <p:nvPr/>
+        </p:nvSpPr>
+        <p:spPr>
+          <a:xfrm flipV="1">
+            <a:off x="1904070" y="7922856"/>
+            <a:ext cx="142627" cy="154344"/>
+          </a:xfrm>
+          <a:prstGeom prst="triangle">
+            <a:avLst/>
+          </a:prstGeom>
+          <a:solidFill>
+            <a:srgbClr val="FFFFFF"/>
+          </a:solidFill>
+          <a:ln w="9525">
+            <a:solidFill>
+              <a:srgbClr val="000000"/>
+            </a:solidFill>
+            <a:prstDash val="solid"/>
+          </a:ln>
+          <a:effectLst>
+            <a:outerShdw dist="38099" dir="2700015" rotWithShape="0">
+              <a:srgbClr val="000000"/>
+            </a:outerShdw>
+          </a:effectLst>
+        </p:spPr>
+        <p:style>
+          <a:lnRef idx="2">
+            <a:schemeClr val="accent1">
+              <a:shade val="50000"/>
+            </a:schemeClr>
+          </a:lnRef>
+          <a:fillRef idx="1">
+            <a:schemeClr val="accent1"/>
+          </a:fillRef>
+          <a:effectRef idx="0">
+            <a:schemeClr val="accent1"/>
+          </a:effectRef>
+          <a:fontRef idx="minor">
+            <a:schemeClr val="lt1"/>
+          </a:fontRef>
+        </p:style>
+        <p:txBody>
+          <a:bodyPr rtlCol="0" anchor="ctr"/>
+          <a:lstStyle/>
+          <a:p>
+            <a:pPr algn="ctr"/>
+            <a:endParaRPr lang="en-US">
+              <a:latin typeface="Arial Narrow" pitchFamily="34" charset="0"/>
+            </a:endParaRPr>
+          </a:p>
+        </p:txBody>
+      </p:sp>
+      <p:cxnSp>
+        <p:nvCxnSpPr>
+          <p:cNvPr id="56" name="Elbow Connector 55"/>
+          <p:cNvCxnSpPr>
+            <a:stCxn id="53" idx="1"/>
+            <a:endCxn id="55" idx="3"/>
+          </p:cNvCxnSpPr>
+          <p:nvPr/>
+        </p:nvCxnSpPr>
+        <p:spPr>
+          <a:xfrm rot="10800000" flipV="1">
+            <a:off x="1975383" y="7696200"/>
+            <a:ext cx="352974" cy="226656"/>
+          </a:xfrm>
+          <a:prstGeom prst="bentConnector2">
+            <a:avLst/>
+          </a:prstGeom>
+          <a:ln w="9525">
+            <a:solidFill>
+              <a:srgbClr val="000000"/>
+            </a:solidFill>
+            <a:prstDash val="solid"/>
+          </a:ln>
+        </p:spPr>
+        <p:style>
+          <a:lnRef idx="1">
+            <a:schemeClr val="accent1"/>
+          </a:lnRef>
+          <a:fillRef idx="0">
+            <a:schemeClr val="accent1"/>
+          </a:fillRef>
+          <a:effectRef idx="0">
+            <a:schemeClr val="accent1"/>
+          </a:effectRef>
+          <a:fontRef idx="minor">
+            <a:schemeClr val="tx1"/>
+          </a:fontRef>
+        </p:style>
+      </p:cxnSp>
+      <p:sp>
+        <p:nvSpPr>
+          <p:cNvPr id="70" name="Rectangle 69"/>
+          <p:cNvSpPr/>
+          <p:nvPr/>
+        </p:nvSpPr>
+        <p:spPr>
+          <a:xfrm>
+            <a:off x="4792888" y="7162800"/>
+            <a:ext cx="844982" cy="1752600"/>
+          </a:xfrm>
+          <a:prstGeom prst="rect">
+            <a:avLst/>
+          </a:prstGeom>
+          <a:solidFill>
+            <a:srgbClr val="FFFFFF"/>
+          </a:solidFill>
+          <a:ln w="9525">
+            <a:solidFill>
+              <a:srgbClr val="000000"/>
+            </a:solidFill>
+            <a:prstDash val="solid"/>
+          </a:ln>
+          <a:effectLst>
+            <a:outerShdw dist="38099" dir="2700015">
+              <a:srgbClr val="000000"/>
+            </a:outerShdw>
+          </a:effectLst>
+        </p:spPr>
+        <p:style>
+          <a:lnRef idx="2">
+            <a:schemeClr val="accent1">
+              <a:shade val="50000"/>
+            </a:schemeClr>
+          </a:lnRef>
+          <a:fillRef idx="1">
+            <a:schemeClr val="accent1"/>
+          </a:fillRef>
+          <a:effectRef idx="0">
+            <a:schemeClr val="accent1"/>
+          </a:effectRef>
+          <a:fontRef idx="minor">
+            <a:schemeClr val="lt1"/>
+          </a:fontRef>
+        </p:style>
+        <p:txBody>
+          <a:bodyPr rtlCol="0" anchor="t" anchorCtr="0"/>
+          <a:lstStyle/>
+          <a:p>
+            <a:pPr algn="ctr"/>
+            <a:r>
+              <a:rPr lang="en-US" sz="1600" dirty="0" smtClean="0">
+                <a:solidFill>
+                  <a:schemeClr val="tx1"/>
+                </a:solidFill>
+                <a:latin typeface="Arial Narrow" pitchFamily="34" charset="0"/>
+                <a:cs typeface="Arial" pitchFamily="34" charset="0"/>
+              </a:rPr>
+              <a:t>member</a:t>
+            </a:r>
+            <a:endParaRPr lang="en-US" sz="1600" dirty="0">
+              <a:solidFill>
+                <a:schemeClr val="tx1"/>
+              </a:solidFill>
+              <a:latin typeface="Arial Narrow" pitchFamily="34" charset="0"/>
+              <a:cs typeface="Arial" pitchFamily="34" charset="0"/>
+            </a:endParaRPr>
+          </a:p>
+        </p:txBody>
+      </p:sp>
+      <p:sp>
+        <p:nvSpPr>
+          <p:cNvPr id="74" name="Rectangle 73"/>
+          <p:cNvSpPr/>
+          <p:nvPr/>
+        </p:nvSpPr>
+        <p:spPr>
+          <a:xfrm>
+            <a:off x="4863303" y="8001000"/>
+            <a:ext cx="704152" cy="304800"/>
+          </a:xfrm>
+          <a:prstGeom prst="rect">
+            <a:avLst/>
+          </a:prstGeom>
+          <a:solidFill>
+            <a:srgbClr val="FFFFFF"/>
+          </a:solidFill>
+          <a:ln w="9525">
+            <a:solidFill>
+              <a:srgbClr val="000000"/>
+            </a:solidFill>
+            <a:prstDash val="solid"/>
+          </a:ln>
+          <a:effectLst>
+            <a:outerShdw dist="38099" dir="2700015">
+              <a:srgbClr val="000000"/>
+            </a:outerShdw>
+          </a:effectLst>
+        </p:spPr>
+        <p:style>
+          <a:lnRef idx="2">
+            <a:schemeClr val="accent1">
+              <a:shade val="50000"/>
+            </a:schemeClr>
+          </a:lnRef>
+          <a:fillRef idx="1">
+            <a:schemeClr val="accent1"/>
+          </a:fillRef>
+          <a:effectRef idx="0">
+            <a:schemeClr val="accent1"/>
+          </a:effectRef>
+          <a:fontRef idx="minor">
+            <a:schemeClr val="lt1"/>
+          </a:fontRef>
+        </p:style>
+        <p:txBody>
+          <a:bodyPr rtlCol="0" anchor="ctr"/>
+          <a:lstStyle/>
+          <a:p>
+            <a:pPr algn="ctr"/>
+            <a:r>
+              <a:rPr lang="en-US" sz="1600" dirty="0" err="1" smtClean="0">
+                <a:solidFill>
+                  <a:schemeClr val="tx1"/>
+                </a:solidFill>
+                <a:latin typeface="Arial Narrow" pitchFamily="34" charset="0"/>
+                <a:cs typeface="Arial" pitchFamily="34" charset="0"/>
+              </a:rPr>
+              <a:t>baz</a:t>
+            </a:r>
+            <a:endParaRPr lang="en-US" sz="1600" dirty="0">
+              <a:solidFill>
+                <a:schemeClr val="tx1"/>
+              </a:solidFill>
+              <a:latin typeface="Arial Narrow" pitchFamily="34" charset="0"/>
+              <a:cs typeface="Arial" pitchFamily="34" charset="0"/>
+            </a:endParaRPr>
+          </a:p>
+        </p:txBody>
+      </p:sp>
+      <p:sp>
+        <p:nvSpPr>
+          <p:cNvPr id="75" name="Rectangle 74"/>
+          <p:cNvSpPr/>
+          <p:nvPr/>
+        </p:nvSpPr>
+        <p:spPr>
+          <a:xfrm>
+            <a:off x="4863303" y="8458200"/>
+            <a:ext cx="704152" cy="304800"/>
+          </a:xfrm>
+          <a:prstGeom prst="rect">
+            <a:avLst/>
+          </a:prstGeom>
+          <a:solidFill>
+            <a:srgbClr val="FFFFFF"/>
+          </a:solidFill>
+          <a:ln w="9525">
+            <a:solidFill>
+              <a:srgbClr val="000000"/>
+            </a:solidFill>
+            <a:prstDash val="solid"/>
+          </a:ln>
+          <a:effectLst>
+            <a:outerShdw dist="38099" dir="2700015">
+              <a:srgbClr val="000000"/>
+            </a:outerShdw>
+          </a:effectLst>
+        </p:spPr>
+        <p:style>
+          <a:lnRef idx="2">
+            <a:schemeClr val="accent1">
+              <a:shade val="50000"/>
+            </a:schemeClr>
+          </a:lnRef>
+          <a:fillRef idx="1">
+            <a:schemeClr val="accent1"/>
+          </a:fillRef>
+          <a:effectRef idx="0">
+            <a:schemeClr val="accent1"/>
+          </a:effectRef>
+          <a:fontRef idx="minor">
+            <a:schemeClr val="lt1"/>
+          </a:fontRef>
+        </p:style>
+        <p:txBody>
+          <a:bodyPr rtlCol="0" anchor="ctr"/>
+          <a:lstStyle/>
+          <a:p>
+            <a:pPr algn="ctr"/>
+            <a:r>
+              <a:rPr lang="en-US" sz="1600" dirty="0" err="1" smtClean="0">
+                <a:solidFill>
+                  <a:schemeClr val="tx1"/>
+                </a:solidFill>
+                <a:latin typeface="Arial Narrow" pitchFamily="34" charset="0"/>
+                <a:cs typeface="Arial" pitchFamily="34" charset="0"/>
+              </a:rPr>
+              <a:t>quux</a:t>
+            </a:r>
+            <a:endParaRPr lang="en-US" sz="1600" dirty="0">
+              <a:solidFill>
+                <a:schemeClr val="tx1"/>
+              </a:solidFill>
+              <a:latin typeface="Arial Narrow" pitchFamily="34" charset="0"/>
+              <a:cs typeface="Arial" pitchFamily="34" charset="0"/>
+            </a:endParaRPr>
+          </a:p>
+        </p:txBody>
+      </p:sp>
+      <p:sp>
+        <p:nvSpPr>
+          <p:cNvPr id="77" name="Rectangle 76"/>
+          <p:cNvSpPr/>
+          <p:nvPr/>
+        </p:nvSpPr>
+        <p:spPr>
+          <a:xfrm>
+            <a:off x="4863303" y="7543800"/>
+            <a:ext cx="704152" cy="304800"/>
+          </a:xfrm>
+          <a:prstGeom prst="rect">
+            <a:avLst/>
+          </a:prstGeom>
+          <a:solidFill>
+            <a:srgbClr val="FFFFFF"/>
+          </a:solidFill>
+          <a:ln w="9525">
+            <a:solidFill>
+              <a:srgbClr val="000000"/>
+            </a:solidFill>
+            <a:prstDash val="solid"/>
+          </a:ln>
+          <a:effectLst>
+            <a:outerShdw dist="38099" dir="2700015">
+              <a:srgbClr val="000000"/>
+            </a:outerShdw>
+          </a:effectLst>
+        </p:spPr>
+        <p:style>
+          <a:lnRef idx="2">
+            <a:schemeClr val="accent1">
+              <a:shade val="50000"/>
+            </a:schemeClr>
+          </a:lnRef>
+          <a:fillRef idx="1">
+            <a:schemeClr val="accent1"/>
+          </a:fillRef>
+          <a:effectRef idx="0">
+            <a:schemeClr val="accent1"/>
+          </a:effectRef>
+          <a:fontRef idx="minor">
+            <a:schemeClr val="lt1"/>
+          </a:fontRef>
+        </p:style>
+        <p:txBody>
+          <a:bodyPr rtlCol="0" anchor="ctr"/>
+          <a:lstStyle/>
+          <a:p>
+            <a:pPr algn="ctr"/>
+            <a:r>
+              <a:rPr lang="en-US" sz="1600" dirty="0" smtClean="0">
+                <a:solidFill>
+                  <a:schemeClr val="tx1"/>
+                </a:solidFill>
+                <a:latin typeface="Arial Narrow" pitchFamily="34" charset="0"/>
+                <a:cs typeface="Arial" pitchFamily="34" charset="0"/>
+              </a:rPr>
+              <a:t>parent</a:t>
+            </a:r>
+            <a:endParaRPr lang="en-US" sz="1600" dirty="0">
+              <a:solidFill>
+                <a:schemeClr val="tx1"/>
+              </a:solidFill>
+              <a:latin typeface="Arial Narrow" pitchFamily="34" charset="0"/>
+              <a:cs typeface="Arial" pitchFamily="34" charset="0"/>
+            </a:endParaRPr>
+          </a:p>
+        </p:txBody>
+      </p:sp>
+      <p:cxnSp>
+        <p:nvCxnSpPr>
+          <p:cNvPr id="78" name="Straight Arrow Connector 53"/>
+          <p:cNvCxnSpPr>
+            <a:stCxn id="77" idx="1"/>
+            <a:endCxn id="46" idx="3"/>
+          </p:cNvCxnSpPr>
+          <p:nvPr/>
+        </p:nvCxnSpPr>
+        <p:spPr>
+          <a:xfrm rot="10800000" flipV="1">
+            <a:off x="4370397" y="7696200"/>
+            <a:ext cx="492906" cy="342900"/>
+          </a:xfrm>
+          <a:prstGeom prst="bentConnector3">
+            <a:avLst>
+              <a:gd name="adj1" fmla="val 50000"/>
+            </a:avLst>
+          </a:prstGeom>
+          <a:ln w="9525">
+            <a:solidFill>
+              <a:srgbClr val="000000"/>
+            </a:solidFill>
+            <a:prstDash val="solid"/>
+            <a:tailEnd type="triangle" w="med" len="med"/>
+          </a:ln>
+        </p:spPr>
+        <p:style>
+          <a:lnRef idx="1">
+            <a:schemeClr val="accent1"/>
+          </a:lnRef>
+          <a:fillRef idx="0">
+            <a:schemeClr val="accent1"/>
+          </a:fillRef>
+          <a:effectRef idx="0">
+            <a:schemeClr val="accent1"/>
+          </a:effectRef>
+          <a:fontRef idx="minor">
+            <a:schemeClr val="tx1"/>
+          </a:fontRef>
+        </p:style>
+      </p:cxnSp>
+      <p:cxnSp>
+        <p:nvCxnSpPr>
+          <p:cNvPr id="80" name="Straight Arrow Connector 79"/>
+          <p:cNvCxnSpPr>
+            <a:stCxn id="12" idx="0"/>
+          </p:cNvCxnSpPr>
+          <p:nvPr/>
+        </p:nvCxnSpPr>
+        <p:spPr>
+          <a:xfrm flipV="1">
+            <a:off x="1981200" y="3352800"/>
+            <a:ext cx="0" cy="304800"/>
+          </a:xfrm>
+          <a:prstGeom prst="straightConnector1">
+            <a:avLst/>
+          </a:prstGeom>
+          <a:ln w="9525">
+            <a:solidFill>
+              <a:srgbClr val="000000"/>
+            </a:solidFill>
+            <a:prstDash val="solid"/>
+            <a:tailEnd type="triangle" w="med" len="med"/>
+          </a:ln>
+        </p:spPr>
+        <p:style>
+          <a:lnRef idx="1">
+            <a:schemeClr val="accent1"/>
+          </a:lnRef>
+          <a:fillRef idx="0">
+            <a:schemeClr val="accent1"/>
+          </a:fillRef>
+          <a:effectRef idx="0">
+            <a:schemeClr val="accent1"/>
+          </a:effectRef>
+          <a:fontRef idx="minor">
+            <a:schemeClr val="tx1"/>
+          </a:fontRef>
+        </p:style>
+      </p:cxnSp>
+      <p:sp>
+        <p:nvSpPr>
+          <p:cNvPr id="84" name="TextBox 83"/>
+          <p:cNvSpPr txBox="1"/>
+          <p:nvPr/>
+        </p:nvSpPr>
+        <p:spPr>
+          <a:xfrm>
+            <a:off x="1537568" y="4038600"/>
+            <a:ext cx="140359" cy="240066"/>
+          </a:xfrm>
+          <a:prstGeom prst="rect">
+            <a:avLst/>
+          </a:prstGeom>
+          <a:noFill/>
+          <a:ln w="9525">
+            <a:noFill/>
+            <a:prstDash val="solid"/>
+          </a:ln>
+        </p:spPr>
+        <p:txBody>
+          <a:bodyPr vert="horz" wrap="none" lIns="27432" tIns="27432" rIns="27432" bIns="27432" rtlCol="0" anchor="ctr" anchorCtr="0">
+            <a:spAutoFit/>
+          </a:bodyPr>
+          <a:lstStyle/>
+          <a:p>
+            <a:pPr algn="ctr"/>
+            <a:r>
+              <a:rPr lang="en-US" sz="1200" i="1" dirty="0" smtClean="0">
+                <a:latin typeface="Arial"/>
+              </a:rPr>
+              <a:t>4</a:t>
+            </a:r>
+            <a:endParaRPr lang="en-US" sz="1200" i="1" dirty="0">
+              <a:latin typeface="Arial"/>
+            </a:endParaRPr>
+          </a:p>
+        </p:txBody>
+      </p:sp>
+      <p:sp>
+        <p:nvSpPr>
+          <p:cNvPr id="85" name="TextBox 84"/>
+          <p:cNvSpPr txBox="1"/>
+          <p:nvPr/>
+        </p:nvSpPr>
+        <p:spPr>
+          <a:xfrm>
+            <a:off x="2590800" y="4038600"/>
+            <a:ext cx="140359" cy="240066"/>
+          </a:xfrm>
+          <a:prstGeom prst="rect">
+            <a:avLst/>
+          </a:prstGeom>
+          <a:noFill/>
+          <a:ln w="9525">
+            <a:noFill/>
+            <a:prstDash val="solid"/>
+          </a:ln>
+        </p:spPr>
+        <p:txBody>
+          <a:bodyPr vert="horz" wrap="none" lIns="27432" tIns="27432" rIns="27432" bIns="27432" rtlCol="0" anchor="ctr" anchorCtr="0">
+            <a:spAutoFit/>
+          </a:bodyPr>
+          <a:lstStyle/>
+          <a:p>
+            <a:pPr algn="ctr"/>
+            <a:r>
+              <a:rPr lang="en-US" sz="1200" i="1" dirty="0" smtClean="0">
+                <a:latin typeface="Arial"/>
+              </a:rPr>
+              <a:t>2</a:t>
+            </a:r>
+            <a:endParaRPr lang="en-US" sz="1200" i="1" dirty="0">
+              <a:latin typeface="Arial"/>
+            </a:endParaRPr>
+          </a:p>
+        </p:txBody>
+      </p:sp>
+      <p:sp>
+        <p:nvSpPr>
+          <p:cNvPr id="86" name="TextBox 85"/>
+          <p:cNvSpPr txBox="1"/>
+          <p:nvPr/>
+        </p:nvSpPr>
+        <p:spPr>
+          <a:xfrm>
+            <a:off x="1981200" y="3429000"/>
+            <a:ext cx="140359" cy="240066"/>
+          </a:xfrm>
+          <a:prstGeom prst="rect">
+            <a:avLst/>
+          </a:prstGeom>
+          <a:noFill/>
+          <a:ln w="9525">
+            <a:noFill/>
+            <a:prstDash val="solid"/>
+          </a:ln>
+        </p:spPr>
+        <p:txBody>
+          <a:bodyPr vert="horz" wrap="none" lIns="27432" tIns="27432" rIns="27432" bIns="27432" rtlCol="0" anchor="ctr" anchorCtr="0">
+            <a:spAutoFit/>
+          </a:bodyPr>
+          <a:lstStyle/>
+          <a:p>
+            <a:pPr algn="ctr"/>
+            <a:r>
+              <a:rPr lang="en-US" sz="1200" i="1" dirty="0" smtClean="0">
+                <a:latin typeface="Arial"/>
+              </a:rPr>
+              <a:t>6</a:t>
+            </a:r>
+            <a:endParaRPr lang="en-US" sz="1200" i="1" dirty="0">
+              <a:latin typeface="Arial"/>
+            </a:endParaRPr>
+          </a:p>
+        </p:txBody>
+      </p:sp>
+      <p:sp>
+        <p:nvSpPr>
+          <p:cNvPr id="91" name="TextBox 90"/>
+          <p:cNvSpPr txBox="1"/>
+          <p:nvPr/>
+        </p:nvSpPr>
+        <p:spPr>
+          <a:xfrm>
+            <a:off x="6199060" y="4712934"/>
+            <a:ext cx="0" cy="0"/>
+          </a:xfrm>
+          <a:prstGeom prst="rect">
+            <a:avLst/>
+          </a:prstGeom>
+          <a:noFill/>
+          <a:ln w="9525">
+            <a:noFill/>
+            <a:prstDash val="solid"/>
+          </a:ln>
+        </p:spPr>
+        <p:txBody>
+          <a:bodyPr vert="horz" wrap="none" lIns="27432" tIns="27432" rIns="27432" bIns="27432" rtlCol="0" anchor="ctr" anchorCtr="0">
+            <a:spAutoFit/>
+          </a:bodyPr>
+          <a:lstStyle/>
+          <a:p>
+            <a:pPr algn="ctr"/>
+            <a:r>
+              <a:rPr lang="en-US" sz="1200" i="1" dirty="0" smtClean="0">
+                <a:latin typeface="Arial"/>
+              </a:rPr>
+              <a:t> </a:t>
+            </a:r>
+            <a:endParaRPr lang="en-US" sz="1200" i="1" dirty="0">
+              <a:latin typeface="Arial"/>
+            </a:endParaRPr>
+          </a:p>
+        </p:txBody>
+      </p:sp>
+      <p:cxnSp>
+        <p:nvCxnSpPr>
+          <p:cNvPr id="93" name="Elbow Connector 92"/>
+          <p:cNvCxnSpPr>
+            <a:stCxn id="27" idx="1"/>
+            <a:endCxn id="91" idx="2"/>
+          </p:cNvCxnSpPr>
+          <p:nvPr/>
+        </p:nvCxnSpPr>
+        <p:spPr>
+          <a:xfrm rot="10800000">
+            <a:off x="6199060" y="4712934"/>
+            <a:ext cx="354140" cy="316266"/>
+          </a:xfrm>
+          <a:prstGeom prst="bentConnector2">
+            <a:avLst/>
+          </a:prstGeom>
+          <a:ln w="9525">
+            <a:solidFill>
+              <a:srgbClr val="000000"/>
+            </a:solidFill>
+            <a:prstDash val="dash"/>
+          </a:ln>
+        </p:spPr>
+        <p:style>
+          <a:lnRef idx="1">
+            <a:schemeClr val="accent1"/>
+          </a:lnRef>
+          <a:fillRef idx="0">
+            <a:schemeClr val="accent1"/>
+          </a:fillRef>
+          <a:effectRef idx="0">
+            <a:schemeClr val="accent1"/>
+          </a:effectRef>
+          <a:fontRef idx="minor">
+            <a:schemeClr val="tx1"/>
+          </a:fontRef>
+        </p:style>
+      </p:cxnSp>
+      <p:cxnSp>
+        <p:nvCxnSpPr>
+          <p:cNvPr id="95" name="Straight Arrow Connector 94"/>
+          <p:cNvCxnSpPr/>
+          <p:nvPr/>
+        </p:nvCxnSpPr>
+        <p:spPr>
+          <a:xfrm flipV="1">
+            <a:off x="4419600" y="4038600"/>
+            <a:ext cx="0" cy="457200"/>
+          </a:xfrm>
+          <a:prstGeom prst="straightConnector1">
+            <a:avLst/>
+          </a:prstGeom>
+          <a:ln w="9525">
+            <a:solidFill>
+              <a:srgbClr val="000000"/>
+            </a:solidFill>
+            <a:prstDash val="solid"/>
+            <a:tailEnd type="triangle" w="med" len="med"/>
+          </a:ln>
+        </p:spPr>
+        <p:style>
+          <a:lnRef idx="1">
+            <a:schemeClr val="accent1"/>
+          </a:lnRef>
+          <a:fillRef idx="0">
+            <a:schemeClr val="accent1"/>
+          </a:fillRef>
+          <a:effectRef idx="0">
+            <a:schemeClr val="accent1"/>
+          </a:effectRef>
+          <a:fontRef idx="minor">
+            <a:schemeClr val="tx1"/>
+          </a:fontRef>
+        </p:style>
+      </p:cxnSp>
+      <p:sp>
+        <p:nvSpPr>
+          <p:cNvPr id="96" name="TextBox 95"/>
+          <p:cNvSpPr txBox="1"/>
+          <p:nvPr/>
+        </p:nvSpPr>
+        <p:spPr>
+          <a:xfrm>
+            <a:off x="4267200" y="4191000"/>
+            <a:ext cx="140359" cy="240066"/>
+          </a:xfrm>
+          <a:prstGeom prst="rect">
+            <a:avLst/>
+          </a:prstGeom>
+          <a:noFill/>
+          <a:ln w="9525">
+            <a:noFill/>
+            <a:prstDash val="solid"/>
+          </a:ln>
+        </p:spPr>
+        <p:txBody>
+          <a:bodyPr vert="horz" wrap="none" lIns="27432" tIns="27432" rIns="27432" bIns="27432" rtlCol="0" anchor="ctr" anchorCtr="0">
+            <a:spAutoFit/>
+          </a:bodyPr>
+          <a:lstStyle/>
+          <a:p>
+            <a:pPr algn="ctr"/>
+            <a:r>
+              <a:rPr lang="en-US" sz="1200" i="1" dirty="0" smtClean="0">
+                <a:latin typeface="Arial"/>
+              </a:rPr>
+              <a:t>4</a:t>
+            </a:r>
+            <a:endParaRPr lang="en-US" sz="1200" i="1" dirty="0">
+              <a:latin typeface="Arial"/>
+            </a:endParaRPr>
+          </a:p>
+        </p:txBody>
+      </p:sp>
+      <p:cxnSp>
+        <p:nvCxnSpPr>
+          <p:cNvPr id="97" name="Straight Arrow Connector 96"/>
+          <p:cNvCxnSpPr/>
+          <p:nvPr/>
+        </p:nvCxnSpPr>
+        <p:spPr>
+          <a:xfrm flipV="1">
+            <a:off x="4800600" y="4038600"/>
+            <a:ext cx="0" cy="457200"/>
+          </a:xfrm>
+          <a:prstGeom prst="straightConnector1">
+            <a:avLst/>
+          </a:prstGeom>
+          <a:ln w="9525">
+            <a:solidFill>
+              <a:srgbClr val="000000"/>
+            </a:solidFill>
+            <a:prstDash val="solid"/>
+            <a:tailEnd type="triangle" w="med" len="med"/>
+          </a:ln>
+        </p:spPr>
+        <p:style>
+          <a:lnRef idx="1">
+            <a:schemeClr val="accent1"/>
+          </a:lnRef>
+          <a:fillRef idx="0">
+            <a:schemeClr val="accent1"/>
+          </a:fillRef>
+          <a:effectRef idx="0">
+            <a:schemeClr val="accent1"/>
+          </a:effectRef>
+          <a:fontRef idx="minor">
+            <a:schemeClr val="tx1"/>
+          </a:fontRef>
+        </p:style>
+      </p:cxnSp>
+      <p:sp>
+        <p:nvSpPr>
+          <p:cNvPr id="98" name="TextBox 97"/>
+          <p:cNvSpPr txBox="1"/>
+          <p:nvPr/>
+        </p:nvSpPr>
+        <p:spPr>
+          <a:xfrm>
+            <a:off x="4648200" y="4191000"/>
+            <a:ext cx="140359" cy="240066"/>
+          </a:xfrm>
+          <a:prstGeom prst="rect">
+            <a:avLst/>
+          </a:prstGeom>
+          <a:noFill/>
+          <a:ln w="9525">
+            <a:noFill/>
+            <a:prstDash val="solid"/>
+          </a:ln>
+        </p:spPr>
+        <p:txBody>
+          <a:bodyPr vert="horz" wrap="none" lIns="27432" tIns="27432" rIns="27432" bIns="27432" rtlCol="0" anchor="ctr" anchorCtr="0">
+            <a:spAutoFit/>
+          </a:bodyPr>
+          <a:lstStyle/>
+          <a:p>
+            <a:pPr algn="ctr"/>
+            <a:r>
+              <a:rPr lang="en-US" sz="1200" i="1" dirty="0" smtClean="0">
+                <a:latin typeface="Arial"/>
+              </a:rPr>
+              <a:t>2</a:t>
+            </a:r>
+            <a:endParaRPr lang="en-US" sz="1200" i="1" dirty="0">
+              <a:latin typeface="Arial"/>
+            </a:endParaRPr>
+          </a:p>
+        </p:txBody>
+      </p:sp>
+      <p:cxnSp>
+        <p:nvCxnSpPr>
+          <p:cNvPr id="99" name="Straight Arrow Connector 98"/>
+          <p:cNvCxnSpPr/>
+          <p:nvPr/>
+        </p:nvCxnSpPr>
+        <p:spPr>
+          <a:xfrm flipV="1">
+            <a:off x="4572000" y="3424238"/>
+            <a:ext cx="0" cy="309562"/>
+          </a:xfrm>
+          <a:prstGeom prst="straightConnector1">
+            <a:avLst/>
+          </a:prstGeom>
+          <a:ln w="9525">
+            <a:solidFill>
+              <a:srgbClr val="000000"/>
+            </a:solidFill>
+            <a:prstDash val="solid"/>
+            <a:tailEnd type="triangle" w="med" len="med"/>
+          </a:ln>
+        </p:spPr>
+        <p:style>
+          <a:lnRef idx="1">
+            <a:schemeClr val="accent1"/>
+          </a:lnRef>
+          <a:fillRef idx="0">
+            <a:schemeClr val="accent1"/>
+          </a:fillRef>
+          <a:effectRef idx="0">
+            <a:schemeClr val="accent1"/>
+          </a:effectRef>
+          <a:fontRef idx="minor">
+            <a:schemeClr val="tx1"/>
+          </a:fontRef>
+        </p:style>
+      </p:cxnSp>
+      <p:sp>
+        <p:nvSpPr>
+          <p:cNvPr id="100" name="TextBox 99"/>
+          <p:cNvSpPr txBox="1"/>
+          <p:nvPr/>
+        </p:nvSpPr>
+        <p:spPr>
+          <a:xfrm>
+            <a:off x="4431641" y="3505200"/>
+            <a:ext cx="140359" cy="240066"/>
+          </a:xfrm>
+          <a:prstGeom prst="rect">
+            <a:avLst/>
+          </a:prstGeom>
+          <a:noFill/>
+          <a:ln w="9525">
+            <a:noFill/>
+            <a:prstDash val="solid"/>
+          </a:ln>
+        </p:spPr>
+        <p:txBody>
+          <a:bodyPr vert="horz" wrap="none" lIns="27432" tIns="27432" rIns="27432" bIns="27432" rtlCol="0" anchor="ctr" anchorCtr="0">
+            <a:spAutoFit/>
+          </a:bodyPr>
+          <a:lstStyle/>
+          <a:p>
+            <a:pPr algn="ctr"/>
+            <a:r>
+              <a:rPr lang="en-US" sz="1200" i="1" dirty="0" smtClean="0">
+                <a:latin typeface="Arial"/>
+              </a:rPr>
+              <a:t>6</a:t>
+            </a:r>
+            <a:endParaRPr lang="en-US" sz="1200" i="1" dirty="0">
+              <a:latin typeface="Arial"/>
+            </a:endParaRPr>
+          </a:p>
+        </p:txBody>
+      </p:sp>
+      <p:sp>
+        <p:nvSpPr>
+          <p:cNvPr id="79" name="TextBox 78"/>
+          <p:cNvSpPr txBox="1"/>
+          <p:nvPr/>
+        </p:nvSpPr>
+        <p:spPr>
+          <a:xfrm>
+            <a:off x="457200" y="1568136"/>
+            <a:ext cx="4524572" cy="794064"/>
+          </a:xfrm>
+          <a:prstGeom prst="rect">
+            <a:avLst/>
+          </a:prstGeom>
+          <a:noFill/>
+          <a:ln w="9525">
+            <a:noFill/>
+            <a:prstDash val="solid"/>
+          </a:ln>
+        </p:spPr>
+        <p:txBody>
+          <a:bodyPr vert="horz" wrap="none" lIns="27432" tIns="27432" rIns="27432" bIns="27432" rtlCol="0" anchor="t" anchorCtr="0">
+            <a:spAutoFit/>
+          </a:bodyPr>
+          <a:lstStyle/>
+          <a:p>
+            <a:r>
+              <a:rPr lang="en-US" sz="1200" dirty="0" smtClean="0">
+                <a:latin typeface="Arial"/>
+              </a:rPr>
+              <a:t>Decisions to make:</a:t>
+            </a:r>
+          </a:p>
+          <a:p>
+            <a:pPr>
+              <a:buFont typeface="Arial" pitchFamily="34" charset="0"/>
+              <a:buChar char="•"/>
+            </a:pPr>
+            <a:r>
+              <a:rPr lang="en-US" sz="1200" dirty="0" smtClean="0">
+                <a:latin typeface="Arial"/>
+              </a:rPr>
+              <a:t>2-pass (parse/exec) vs. </a:t>
+            </a:r>
+            <a:r>
+              <a:rPr lang="en-US" sz="1200" dirty="0" smtClean="0">
+                <a:latin typeface="Arial"/>
+              </a:rPr>
+              <a:t>1-pass (exec while parsing)</a:t>
+            </a:r>
+            <a:endParaRPr lang="en-US" sz="1200" dirty="0" smtClean="0">
+              <a:latin typeface="Arial"/>
+            </a:endParaRPr>
+          </a:p>
+          <a:p>
+            <a:pPr>
+              <a:buFont typeface="Arial" pitchFamily="34" charset="0"/>
+              <a:buChar char="•"/>
+            </a:pPr>
+            <a:r>
+              <a:rPr lang="en-US" sz="1200" dirty="0" smtClean="0">
+                <a:latin typeface="Arial"/>
+              </a:rPr>
+              <a:t>AST: active (</a:t>
+            </a:r>
+            <a:r>
+              <a:rPr lang="en-US" sz="1200" dirty="0" err="1" smtClean="0">
+                <a:latin typeface="Arial"/>
+              </a:rPr>
+              <a:t>intepreter</a:t>
+            </a:r>
+            <a:r>
+              <a:rPr lang="en-US" sz="1200" dirty="0" smtClean="0">
+                <a:latin typeface="Arial"/>
+              </a:rPr>
+              <a:t>) vs. passive (visitor)</a:t>
+            </a:r>
+          </a:p>
+          <a:p>
+            <a:pPr>
+              <a:buFont typeface="Arial" pitchFamily="34" charset="0"/>
+              <a:buChar char="•"/>
+            </a:pPr>
+            <a:r>
+              <a:rPr lang="en-US" sz="1200" dirty="0" smtClean="0">
+                <a:latin typeface="Arial"/>
+              </a:rPr>
+              <a:t>Environments/scopes/stack frames: hash tables vs. nested maps</a:t>
+            </a:r>
+            <a:endParaRPr lang="en-US" sz="1200" dirty="0">
+              <a:latin typeface="Arial"/>
+            </a:endParaRPr>
+          </a:p>
+        </p:txBody>
+      </p:sp>
+      <p:sp>
+        <p:nvSpPr>
+          <p:cNvPr id="81" name="TextBox 80"/>
+          <p:cNvSpPr txBox="1"/>
+          <p:nvPr/>
+        </p:nvSpPr>
+        <p:spPr>
+          <a:xfrm>
+            <a:off x="477883" y="854535"/>
+            <a:ext cx="6075317" cy="609398"/>
+          </a:xfrm>
+          <a:prstGeom prst="rect">
+            <a:avLst/>
+          </a:prstGeom>
+          <a:noFill/>
+          <a:ln w="9525">
+            <a:noFill/>
+            <a:prstDash val="solid"/>
+          </a:ln>
+        </p:spPr>
+        <p:txBody>
+          <a:bodyPr vert="horz" wrap="none" lIns="27432" tIns="27432" rIns="27432" bIns="27432" rtlCol="0" anchor="ctr" anchorCtr="0">
+            <a:spAutoFit/>
+          </a:bodyPr>
+          <a:lstStyle/>
+          <a:p>
+            <a:r>
+              <a:rPr lang="en-US" sz="1200" dirty="0" smtClean="0">
+                <a:latin typeface="Arial Narrow" pitchFamily="34" charset="0"/>
+              </a:rPr>
+              <a:t>Parser example (</a:t>
+            </a:r>
+            <a:r>
+              <a:rPr lang="en-US" sz="1200" dirty="0" err="1" smtClean="0">
+                <a:latin typeface="Arial Narrow" pitchFamily="34" charset="0"/>
+              </a:rPr>
+              <a:t>pyparsing</a:t>
+            </a:r>
+            <a:r>
+              <a:rPr lang="en-US" sz="1200" dirty="0" smtClean="0">
+                <a:latin typeface="Arial Narrow" pitchFamily="34" charset="0"/>
+              </a:rPr>
+              <a:t>): (Word(alphas) + “/” + Word(alphas)).</a:t>
+            </a:r>
+            <a:r>
+              <a:rPr lang="en-US" sz="1200" dirty="0" err="1" smtClean="0">
+                <a:latin typeface="Arial Narrow" pitchFamily="34" charset="0"/>
+              </a:rPr>
+              <a:t>parseString</a:t>
+            </a:r>
+            <a:r>
+              <a:rPr lang="en-US" sz="1200" dirty="0" smtClean="0">
+                <a:latin typeface="Arial Narrow" pitchFamily="34" charset="0"/>
+              </a:rPr>
+              <a:t>(“42/1337”) =&gt; [‘42’, ‘/’, ‘1337’]</a:t>
+            </a:r>
+          </a:p>
+          <a:p>
+            <a:r>
+              <a:rPr lang="en-US" sz="1200" dirty="0" smtClean="0">
+                <a:latin typeface="Arial Narrow" pitchFamily="34" charset="0"/>
+              </a:rPr>
+              <a:t>So what do you do with that array once you have it</a:t>
+            </a:r>
+            <a:r>
+              <a:rPr lang="en-US" sz="1200" dirty="0" smtClean="0">
+                <a:latin typeface="Arial Narrow" pitchFamily="34" charset="0"/>
+              </a:rPr>
+              <a:t>?</a:t>
+            </a:r>
+          </a:p>
+          <a:p>
+            <a:r>
+              <a:rPr lang="en-US" sz="1200" dirty="0" smtClean="0">
+                <a:latin typeface="Arial Narrow" pitchFamily="34" charset="0"/>
+              </a:rPr>
+              <a:t>In a compiler, the Abstract Syntax Tree is just a step on the way.  In an </a:t>
+            </a:r>
+            <a:r>
+              <a:rPr lang="en-US" sz="1200" dirty="0" err="1" smtClean="0">
+                <a:latin typeface="Arial Narrow" pitchFamily="34" charset="0"/>
+              </a:rPr>
+              <a:t>intepreter</a:t>
+            </a:r>
+            <a:r>
+              <a:rPr lang="en-US" sz="1200" dirty="0" smtClean="0">
+                <a:latin typeface="Arial Narrow" pitchFamily="34" charset="0"/>
+              </a:rPr>
+              <a:t>, the AST is the whole deal.</a:t>
+            </a:r>
+            <a:endParaRPr lang="en-US" sz="1200" dirty="0">
+              <a:latin typeface="Arial Narrow" pitchFamily="34" charset="0"/>
+            </a:endParaRPr>
+          </a:p>
+        </p:txBody>
+      </p:sp>
+      <p:sp>
+        <p:nvSpPr>
+          <p:cNvPr id="83" name="Rectangle 82"/>
+          <p:cNvSpPr/>
+          <p:nvPr/>
+        </p:nvSpPr>
+        <p:spPr>
+          <a:xfrm>
+            <a:off x="6095070" y="7162800"/>
+            <a:ext cx="844982" cy="2209800"/>
+          </a:xfrm>
+          <a:prstGeom prst="rect">
+            <a:avLst/>
+          </a:prstGeom>
+          <a:solidFill>
+            <a:srgbClr val="FFFFFF"/>
+          </a:solidFill>
+          <a:ln w="9525">
+            <a:solidFill>
+              <a:srgbClr val="000000"/>
+            </a:solidFill>
+            <a:prstDash val="solid"/>
+          </a:ln>
+          <a:effectLst>
+            <a:outerShdw dist="38099" dir="2700015">
+              <a:srgbClr val="000000"/>
+            </a:outerShdw>
+          </a:effectLst>
+        </p:spPr>
+        <p:style>
+          <a:lnRef idx="2">
+            <a:schemeClr val="accent1">
+              <a:shade val="50000"/>
+            </a:schemeClr>
+          </a:lnRef>
+          <a:fillRef idx="1">
+            <a:schemeClr val="accent1"/>
+          </a:fillRef>
+          <a:effectRef idx="0">
+            <a:schemeClr val="accent1"/>
+          </a:effectRef>
+          <a:fontRef idx="minor">
+            <a:schemeClr val="lt1"/>
+          </a:fontRef>
+        </p:style>
+        <p:txBody>
+          <a:bodyPr rtlCol="0" anchor="t" anchorCtr="0"/>
+          <a:lstStyle/>
+          <a:p>
+            <a:pPr algn="ctr"/>
+            <a:r>
+              <a:rPr lang="en-US" sz="1600" dirty="0" err="1" smtClean="0">
+                <a:solidFill>
+                  <a:schemeClr val="tx1"/>
+                </a:solidFill>
+                <a:latin typeface="Arial Narrow" pitchFamily="34" charset="0"/>
+                <a:cs typeface="Arial" pitchFamily="34" charset="0"/>
+              </a:rPr>
+              <a:t>recurse</a:t>
+            </a:r>
+            <a:endParaRPr lang="en-US" sz="1600" dirty="0">
+              <a:solidFill>
+                <a:schemeClr val="tx1"/>
+              </a:solidFill>
+              <a:latin typeface="Arial Narrow" pitchFamily="34" charset="0"/>
+              <a:cs typeface="Arial" pitchFamily="34" charset="0"/>
+            </a:endParaRPr>
+          </a:p>
+        </p:txBody>
+      </p:sp>
+      <p:sp>
+        <p:nvSpPr>
+          <p:cNvPr id="87" name="Rectangle 86"/>
+          <p:cNvSpPr/>
+          <p:nvPr/>
+        </p:nvSpPr>
+        <p:spPr>
+          <a:xfrm>
+            <a:off x="6165485" y="8001000"/>
+            <a:ext cx="704152" cy="304800"/>
+          </a:xfrm>
+          <a:prstGeom prst="rect">
+            <a:avLst/>
+          </a:prstGeom>
+          <a:solidFill>
+            <a:srgbClr val="FFFFFF"/>
+          </a:solidFill>
+          <a:ln w="9525">
+            <a:solidFill>
+              <a:srgbClr val="000000"/>
+            </a:solidFill>
+            <a:prstDash val="solid"/>
+          </a:ln>
+          <a:effectLst>
+            <a:outerShdw dist="38099" dir="2700015">
+              <a:srgbClr val="000000"/>
+            </a:outerShdw>
+          </a:effectLst>
+        </p:spPr>
+        <p:style>
+          <a:lnRef idx="2">
+            <a:schemeClr val="accent1">
+              <a:shade val="50000"/>
+            </a:schemeClr>
+          </a:lnRef>
+          <a:fillRef idx="1">
+            <a:schemeClr val="accent1"/>
+          </a:fillRef>
+          <a:effectRef idx="0">
+            <a:schemeClr val="accent1"/>
+          </a:effectRef>
+          <a:fontRef idx="minor">
+            <a:schemeClr val="lt1"/>
+          </a:fontRef>
+        </p:style>
+        <p:txBody>
+          <a:bodyPr rtlCol="0" anchor="ctr"/>
+          <a:lstStyle/>
+          <a:p>
+            <a:pPr algn="ctr"/>
+            <a:r>
+              <a:rPr lang="en-US" sz="1600" dirty="0" err="1" smtClean="0">
+                <a:solidFill>
+                  <a:schemeClr val="tx1"/>
+                </a:solidFill>
+                <a:latin typeface="Arial Narrow" pitchFamily="34" charset="0"/>
+                <a:cs typeface="Arial" pitchFamily="34" charset="0"/>
+              </a:rPr>
+              <a:t>baz</a:t>
+            </a:r>
+            <a:endParaRPr lang="en-US" sz="1600" dirty="0">
+              <a:solidFill>
+                <a:schemeClr val="tx1"/>
+              </a:solidFill>
+              <a:latin typeface="Arial Narrow" pitchFamily="34" charset="0"/>
+              <a:cs typeface="Arial" pitchFamily="34" charset="0"/>
+            </a:endParaRPr>
+          </a:p>
+        </p:txBody>
+      </p:sp>
+      <p:sp>
+        <p:nvSpPr>
+          <p:cNvPr id="88" name="Rectangle 87"/>
+          <p:cNvSpPr/>
+          <p:nvPr/>
+        </p:nvSpPr>
+        <p:spPr>
+          <a:xfrm>
+            <a:off x="6165485" y="8458200"/>
+            <a:ext cx="704152" cy="304800"/>
+          </a:xfrm>
+          <a:prstGeom prst="rect">
+            <a:avLst/>
+          </a:prstGeom>
+          <a:solidFill>
+            <a:srgbClr val="FFFFFF"/>
+          </a:solidFill>
+          <a:ln w="9525">
+            <a:solidFill>
+              <a:srgbClr val="000000"/>
+            </a:solidFill>
+            <a:prstDash val="solid"/>
+          </a:ln>
+          <a:effectLst>
+            <a:outerShdw dist="38099" dir="2700015">
+              <a:srgbClr val="000000"/>
+            </a:outerShdw>
+          </a:effectLst>
+        </p:spPr>
+        <p:style>
+          <a:lnRef idx="2">
+            <a:schemeClr val="accent1">
+              <a:shade val="50000"/>
+            </a:schemeClr>
+          </a:lnRef>
+          <a:fillRef idx="1">
+            <a:schemeClr val="accent1"/>
+          </a:fillRef>
+          <a:effectRef idx="0">
+            <a:schemeClr val="accent1"/>
+          </a:effectRef>
+          <a:fontRef idx="minor">
+            <a:schemeClr val="lt1"/>
+          </a:fontRef>
+        </p:style>
+        <p:txBody>
+          <a:bodyPr rtlCol="0" anchor="ctr"/>
+          <a:lstStyle/>
+          <a:p>
+            <a:pPr algn="ctr"/>
+            <a:r>
+              <a:rPr lang="en-US" sz="1600" dirty="0" err="1" smtClean="0">
+                <a:solidFill>
+                  <a:schemeClr val="tx1"/>
+                </a:solidFill>
+                <a:latin typeface="Arial Narrow" pitchFamily="34" charset="0"/>
+                <a:cs typeface="Arial" pitchFamily="34" charset="0"/>
+              </a:rPr>
+              <a:t>quux</a:t>
+            </a:r>
+            <a:endParaRPr lang="en-US" sz="1600" dirty="0">
+              <a:solidFill>
+                <a:schemeClr val="tx1"/>
+              </a:solidFill>
+              <a:latin typeface="Arial Narrow" pitchFamily="34" charset="0"/>
+              <a:cs typeface="Arial" pitchFamily="34" charset="0"/>
+            </a:endParaRPr>
+          </a:p>
+        </p:txBody>
+      </p:sp>
+      <p:sp>
+        <p:nvSpPr>
+          <p:cNvPr id="89" name="Rectangle 88"/>
+          <p:cNvSpPr/>
+          <p:nvPr/>
+        </p:nvSpPr>
+        <p:spPr>
+          <a:xfrm>
+            <a:off x="6165485" y="7543800"/>
+            <a:ext cx="704152" cy="304800"/>
+          </a:xfrm>
+          <a:prstGeom prst="rect">
+            <a:avLst/>
+          </a:prstGeom>
+          <a:solidFill>
+            <a:srgbClr val="FFFFFF"/>
+          </a:solidFill>
+          <a:ln w="9525">
+            <a:solidFill>
+              <a:srgbClr val="000000"/>
+            </a:solidFill>
+            <a:prstDash val="solid"/>
+          </a:ln>
+          <a:effectLst>
+            <a:outerShdw dist="38099" dir="2700015">
+              <a:srgbClr val="000000"/>
+            </a:outerShdw>
+          </a:effectLst>
+        </p:spPr>
+        <p:style>
+          <a:lnRef idx="2">
+            <a:schemeClr val="accent1">
+              <a:shade val="50000"/>
+            </a:schemeClr>
+          </a:lnRef>
+          <a:fillRef idx="1">
+            <a:schemeClr val="accent1"/>
+          </a:fillRef>
+          <a:effectRef idx="0">
+            <a:schemeClr val="accent1"/>
+          </a:effectRef>
+          <a:fontRef idx="minor">
+            <a:schemeClr val="lt1"/>
+          </a:fontRef>
+        </p:style>
+        <p:txBody>
+          <a:bodyPr lIns="0" rIns="0" rtlCol="0" anchor="ctr"/>
+          <a:lstStyle/>
+          <a:p>
+            <a:pPr algn="ctr"/>
+            <a:r>
+              <a:rPr lang="en-US" sz="1600" dirty="0" smtClean="0">
+                <a:solidFill>
+                  <a:schemeClr val="tx1"/>
+                </a:solidFill>
+                <a:latin typeface="Arial Narrow" pitchFamily="34" charset="0"/>
+                <a:cs typeface="Arial" pitchFamily="34" charset="0"/>
+              </a:rPr>
+              <a:t>dynamic</a:t>
+            </a:r>
+            <a:endParaRPr lang="en-US" sz="1600" dirty="0">
+              <a:solidFill>
+                <a:schemeClr val="tx1"/>
+              </a:solidFill>
+              <a:latin typeface="Arial Narrow" pitchFamily="34" charset="0"/>
+              <a:cs typeface="Arial" pitchFamily="34" charset="0"/>
+            </a:endParaRPr>
+          </a:p>
+        </p:txBody>
+      </p:sp>
+      <p:cxnSp>
+        <p:nvCxnSpPr>
+          <p:cNvPr id="90" name="Straight Arrow Connector 53"/>
+          <p:cNvCxnSpPr>
+            <a:stCxn id="89" idx="1"/>
+            <a:endCxn id="70" idx="3"/>
+          </p:cNvCxnSpPr>
+          <p:nvPr/>
+        </p:nvCxnSpPr>
+        <p:spPr>
+          <a:xfrm rot="10800000" flipV="1">
+            <a:off x="5637871" y="7696200"/>
+            <a:ext cx="527615" cy="342900"/>
+          </a:xfrm>
+          <a:prstGeom prst="bentConnector3">
+            <a:avLst>
+              <a:gd name="adj1" fmla="val 50000"/>
+            </a:avLst>
+          </a:prstGeom>
+          <a:ln w="9525">
+            <a:solidFill>
+              <a:srgbClr val="000000"/>
+            </a:solidFill>
+            <a:prstDash val="solid"/>
+            <a:tailEnd type="triangle" w="med" len="med"/>
+          </a:ln>
+        </p:spPr>
+        <p:style>
+          <a:lnRef idx="1">
+            <a:schemeClr val="accent1"/>
+          </a:lnRef>
+          <a:fillRef idx="0">
+            <a:schemeClr val="accent1"/>
+          </a:fillRef>
+          <a:effectRef idx="0">
+            <a:schemeClr val="accent1"/>
+          </a:effectRef>
+          <a:fontRef idx="minor">
+            <a:schemeClr val="tx1"/>
+          </a:fontRef>
+        </p:style>
+      </p:cxnSp>
+      <p:sp>
+        <p:nvSpPr>
+          <p:cNvPr id="94" name="Rectangle 93"/>
+          <p:cNvSpPr/>
+          <p:nvPr/>
+        </p:nvSpPr>
+        <p:spPr>
+          <a:xfrm>
+            <a:off x="6165485" y="8915400"/>
+            <a:ext cx="704152" cy="304800"/>
+          </a:xfrm>
+          <a:prstGeom prst="rect">
+            <a:avLst/>
+          </a:prstGeom>
+          <a:solidFill>
+            <a:srgbClr val="FFFFFF"/>
+          </a:solidFill>
+          <a:ln w="9525">
+            <a:solidFill>
+              <a:srgbClr val="000000"/>
+            </a:solidFill>
+            <a:prstDash val="solid"/>
+          </a:ln>
+          <a:effectLst>
+            <a:outerShdw dist="38099" dir="2700015">
+              <a:srgbClr val="000000"/>
+            </a:outerShdw>
+          </a:effectLst>
+        </p:spPr>
+        <p:style>
+          <a:lnRef idx="2">
+            <a:schemeClr val="accent1">
+              <a:shade val="50000"/>
+            </a:schemeClr>
+          </a:lnRef>
+          <a:fillRef idx="1">
+            <a:schemeClr val="accent1"/>
+          </a:fillRef>
+          <a:effectRef idx="0">
+            <a:schemeClr val="accent1"/>
+          </a:effectRef>
+          <a:fontRef idx="minor">
+            <a:schemeClr val="lt1"/>
+          </a:fontRef>
+        </p:style>
+        <p:txBody>
+          <a:bodyPr lIns="0" rIns="0" rtlCol="0" anchor="ctr"/>
+          <a:lstStyle/>
+          <a:p>
+            <a:pPr algn="ctr"/>
+            <a:r>
+              <a:rPr lang="en-US" sz="1600" dirty="0" smtClean="0">
+                <a:solidFill>
+                  <a:schemeClr val="tx1"/>
+                </a:solidFill>
+                <a:latin typeface="Arial Narrow" pitchFamily="34" charset="0"/>
+                <a:cs typeface="Arial" pitchFamily="34" charset="0"/>
+              </a:rPr>
+              <a:t>static</a:t>
+            </a:r>
+            <a:endParaRPr lang="en-US" sz="1600" dirty="0">
+              <a:solidFill>
+                <a:schemeClr val="tx1"/>
+              </a:solidFill>
+              <a:latin typeface="Arial Narrow" pitchFamily="34" charset="0"/>
+              <a:cs typeface="Arial" pitchFamily="34" charset="0"/>
+            </a:endParaRPr>
+          </a:p>
+        </p:txBody>
+      </p:sp>
+      <p:cxnSp>
+        <p:nvCxnSpPr>
+          <p:cNvPr id="101" name="Straight Arrow Connector 53"/>
+          <p:cNvCxnSpPr>
+            <a:stCxn id="94" idx="1"/>
+            <a:endCxn id="46" idx="2"/>
+          </p:cNvCxnSpPr>
+          <p:nvPr/>
+        </p:nvCxnSpPr>
+        <p:spPr>
+          <a:xfrm rot="10800000">
+            <a:off x="3947907" y="8915400"/>
+            <a:ext cx="2217579" cy="152400"/>
+          </a:xfrm>
+          <a:prstGeom prst="bentConnector2">
+            <a:avLst/>
+          </a:prstGeom>
+          <a:ln w="9525">
+            <a:solidFill>
+              <a:srgbClr val="000000"/>
+            </a:solidFill>
+            <a:prstDash val="solid"/>
+            <a:tailEnd type="triangle" w="med" len="med"/>
+          </a:ln>
+        </p:spPr>
+        <p:style>
+          <a:lnRef idx="1">
+            <a:schemeClr val="accent1"/>
+          </a:lnRef>
+          <a:fillRef idx="0">
+            <a:schemeClr val="accent1"/>
+          </a:fillRef>
+          <a:effectRef idx="0">
+            <a:schemeClr val="accent1"/>
+          </a:effectRef>
+          <a:fontRef idx="minor">
+            <a:schemeClr val="tx1"/>
+          </a:fontRef>
+        </p:style>
+      </p:cxnSp>
+      <p:sp>
+        <p:nvSpPr>
+          <p:cNvPr id="103" name="TextBox 102"/>
+          <p:cNvSpPr txBox="1"/>
+          <p:nvPr/>
+        </p:nvSpPr>
+        <p:spPr>
+          <a:xfrm>
+            <a:off x="907170" y="4953000"/>
+            <a:ext cx="1231812" cy="240066"/>
+          </a:xfrm>
+          <a:prstGeom prst="rect">
+            <a:avLst/>
+          </a:prstGeom>
+          <a:noFill/>
+          <a:ln w="9525">
+            <a:noFill/>
+            <a:prstDash val="solid"/>
+          </a:ln>
+        </p:spPr>
+        <p:txBody>
+          <a:bodyPr vert="horz" wrap="none" lIns="27432" tIns="27432" rIns="27432" bIns="27432" rtlCol="0" anchor="ctr" anchorCtr="0">
+            <a:spAutoFit/>
+          </a:bodyPr>
+          <a:lstStyle/>
+          <a:p>
+            <a:pPr algn="ctr"/>
+            <a:r>
+              <a:rPr lang="en-US" sz="1200" i="1" dirty="0" smtClean="0">
+                <a:latin typeface="Arial"/>
+              </a:rPr>
+              <a:t>Two ways to do it</a:t>
+            </a:r>
+            <a:endParaRPr lang="en-US" sz="1200" i="1" dirty="0">
+              <a:latin typeface="Arial"/>
+            </a:endParaRPr>
+          </a:p>
+        </p:txBody>
+      </p:sp>
+      <p:sp>
+        <p:nvSpPr>
+          <p:cNvPr id="92" name="TextBox 91"/>
+          <p:cNvSpPr txBox="1"/>
+          <p:nvPr/>
+        </p:nvSpPr>
+        <p:spPr>
+          <a:xfrm>
+            <a:off x="2667000" y="5638800"/>
+            <a:ext cx="985141" cy="424732"/>
+          </a:xfrm>
+          <a:prstGeom prst="rect">
+            <a:avLst/>
+          </a:prstGeom>
+          <a:noFill/>
+          <a:ln w="9525">
+            <a:noFill/>
+            <a:prstDash val="solid"/>
+          </a:ln>
+        </p:spPr>
+        <p:txBody>
+          <a:bodyPr vert="horz" wrap="none" lIns="27432" tIns="27432" rIns="27432" bIns="27432" rtlCol="0" anchor="ctr" anchorCtr="0">
+            <a:spAutoFit/>
+          </a:bodyPr>
+          <a:lstStyle/>
+          <a:p>
+            <a:pPr algn="ctr"/>
+            <a:r>
+              <a:rPr lang="en-US" sz="1200" dirty="0" smtClean="0">
+                <a:latin typeface="Arial"/>
+              </a:rPr>
+              <a:t>Hash buckets</a:t>
+            </a:r>
+          </a:p>
+          <a:p>
+            <a:pPr algn="ctr"/>
+            <a:r>
+              <a:rPr lang="en-US" sz="1200" dirty="0" smtClean="0">
+                <a:latin typeface="Arial"/>
+              </a:rPr>
+              <a:t>Nested maps</a:t>
+            </a:r>
+            <a:endParaRPr lang="en-US" sz="1200" dirty="0">
+              <a:latin typeface="Arial"/>
+            </a:endParaRPr>
+          </a:p>
+        </p:txBody>
+      </p:sp>
+      <p:cxnSp>
+        <p:nvCxnSpPr>
+          <p:cNvPr id="102" name="Straight Arrow Connector 101"/>
+          <p:cNvCxnSpPr/>
+          <p:nvPr/>
+        </p:nvCxnSpPr>
+        <p:spPr>
+          <a:xfrm>
+            <a:off x="2648437" y="5686683"/>
+            <a:ext cx="0" cy="152400"/>
+          </a:xfrm>
+          <a:prstGeom prst="straightConnector1">
+            <a:avLst/>
+          </a:prstGeom>
+          <a:ln w="9525">
+            <a:solidFill>
+              <a:srgbClr val="000000"/>
+            </a:solidFill>
+            <a:prstDash val="solid"/>
+            <a:tailEnd type="triangle" w="med" len="med"/>
+          </a:ln>
+        </p:spPr>
+        <p:style>
+          <a:lnRef idx="1">
+            <a:schemeClr val="accent1"/>
+          </a:lnRef>
+          <a:fillRef idx="0">
+            <a:schemeClr val="accent1"/>
+          </a:fillRef>
+          <a:effectRef idx="0">
+            <a:schemeClr val="accent1"/>
+          </a:effectRef>
+          <a:fontRef idx="minor">
+            <a:schemeClr val="tx1"/>
+          </a:fontRef>
+        </p:style>
+      </p:cxnSp>
+      <p:cxnSp>
+        <p:nvCxnSpPr>
+          <p:cNvPr id="106" name="Straight Arrow Connector 105"/>
+          <p:cNvCxnSpPr/>
+          <p:nvPr/>
+        </p:nvCxnSpPr>
+        <p:spPr>
+          <a:xfrm rot="16200000">
+            <a:off x="3762863" y="5883533"/>
+            <a:ext cx="0" cy="152400"/>
+          </a:xfrm>
+          <a:prstGeom prst="straightConnector1">
+            <a:avLst/>
+          </a:prstGeom>
+          <a:ln w="9525">
+            <a:solidFill>
+              <a:srgbClr val="000000"/>
+            </a:solidFill>
+            <a:prstDash val="sysDash"/>
+            <a:tailEnd type="triangle" w="med" len="med"/>
+          </a:ln>
+        </p:spPr>
+        <p:style>
+          <a:lnRef idx="1">
+            <a:schemeClr val="accent1"/>
+          </a:lnRef>
+          <a:fillRef idx="0">
+            <a:schemeClr val="accent1"/>
+          </a:fillRef>
+          <a:effectRef idx="0">
+            <a:schemeClr val="accent1"/>
+          </a:effectRef>
+          <a:fontRef idx="minor">
+            <a:schemeClr val="tx1"/>
+          </a:fontRef>
+        </p:style>
+      </p:cxnSp>
+      <p:sp>
+        <p:nvSpPr>
+          <p:cNvPr id="109" name="Slide Number Placeholder 108"/>
+          <p:cNvSpPr>
+            <a:spLocks noGrp="1"/>
+          </p:cNvSpPr>
+          <p:nvPr>
+            <p:ph type="sldNum" sz="quarter" idx="12"/>
+          </p:nvPr>
+        </p:nvSpPr>
+        <p:spPr/>
+        <p:txBody>
+          <a:bodyPr/>
+          <a:lstStyle/>
+          <a:p>
+            <a:fld id="{773D3EE4-96C3-4842-A252-14153AEC730C}" type="slidenum">
+              <a:rPr lang="en-US" smtClean="0"/>
+              <a:pPr/>
+              <a:t>1</a:t>
+            </a:fld>
+            <a:endParaRPr lang="en-US" dirty="0"/>
+          </a:p>
+        </p:txBody>
+      </p:sp>
+    </p:spTree>
+  </p:cSld>
+  <p:clrMapOvr>
+    <a:masterClrMapping/>
+  </p:clrMapOvr>
+</p:sld>
+</file>
+
+<file path=ppt/slides/slide2.xml><?xml version="1.0" encoding="utf-8"?>
+<p:sld xmlns:a="http://schemas.openxmlformats.org/drawingml/2006/main" xmlns:r="http://schemas.openxmlformats.org/officeDocument/2006/relationships" xmlns:p="http://schemas.openxmlformats.org/presentationml/2006/main">
+  <p:cSld>
+    <p:spTree>
+      <p:nvGrpSpPr>
+        <p:cNvPr id="1" name=""/>
+        <p:cNvGrpSpPr/>
+        <p:nvPr/>
+      </p:nvGrpSpPr>
+      <p:grpSpPr>
+        <a:xfrm>
+          <a:off x="0" y="0"/>
+          <a:ext cx="0" cy="0"/>
+          <a:chOff x="0" y="0"/>
+          <a:chExt cx="0" cy="0"/>
+        </a:xfrm>
+      </p:grpSpPr>
+      <p:sp>
+        <p:nvSpPr>
+          <p:cNvPr id="4" name="TextBox 3"/>
+          <p:cNvSpPr txBox="1"/>
+          <p:nvPr/>
+        </p:nvSpPr>
+        <p:spPr>
+          <a:xfrm>
+            <a:off x="2819400" y="1524000"/>
+            <a:ext cx="1956561" cy="240066"/>
+          </a:xfrm>
+          <a:prstGeom prst="rect">
+            <a:avLst/>
+          </a:prstGeom>
+          <a:noFill/>
+          <a:ln w="9525">
+            <a:noFill/>
+            <a:prstDash val="solid"/>
+          </a:ln>
+        </p:spPr>
+        <p:txBody>
+          <a:bodyPr vert="horz" wrap="none" lIns="27432" tIns="27432" rIns="27432" bIns="27432" rtlCol="0" anchor="ctr" anchorCtr="0">
+            <a:spAutoFit/>
+          </a:bodyPr>
+          <a:lstStyle/>
+          <a:p>
+            <a:pPr algn="ctr"/>
+            <a:r>
+              <a:rPr lang="en-US" sz="1200" i="1" dirty="0" smtClean="0">
+                <a:latin typeface="Arial"/>
+              </a:rPr>
+              <a:t>Keeping Everything Straight</a:t>
+            </a:r>
+            <a:endParaRPr lang="en-US" sz="1200" i="1" dirty="0">
+              <a:latin typeface="Arial"/>
+            </a:endParaRPr>
+          </a:p>
+        </p:txBody>
+      </p:sp>
+      <p:sp>
+        <p:nvSpPr>
+          <p:cNvPr id="5" name="TextBox 4"/>
+          <p:cNvSpPr txBox="1"/>
+          <p:nvPr/>
+        </p:nvSpPr>
+        <p:spPr>
+          <a:xfrm>
+            <a:off x="1922311" y="2678466"/>
+            <a:ext cx="3750771" cy="240066"/>
+          </a:xfrm>
+          <a:prstGeom prst="rect">
+            <a:avLst/>
+          </a:prstGeom>
+          <a:noFill/>
+          <a:ln w="9525">
+            <a:noFill/>
+            <a:prstDash val="solid"/>
+          </a:ln>
+        </p:spPr>
+        <p:txBody>
+          <a:bodyPr vert="horz" wrap="none" lIns="27432" tIns="27432" rIns="27432" bIns="27432" rtlCol="0" anchor="ctr" anchorCtr="0">
+            <a:spAutoFit/>
+          </a:bodyPr>
+          <a:lstStyle/>
+          <a:p>
+            <a:pPr algn="ctr"/>
+            <a:r>
+              <a:rPr lang="en-US" sz="1200" i="1" dirty="0" smtClean="0">
+                <a:latin typeface="Arial"/>
+              </a:rPr>
+              <a:t>Multiline REPL – how do you know when you’re done?</a:t>
+            </a:r>
+            <a:endParaRPr lang="en-US" sz="1200" i="1" dirty="0">
+              <a:latin typeface="Arial"/>
+            </a:endParaRPr>
+          </a:p>
+        </p:txBody>
+      </p:sp>
+      <p:sp>
+        <p:nvSpPr>
+          <p:cNvPr id="6" name="TextBox 5"/>
+          <p:cNvSpPr txBox="1"/>
+          <p:nvPr/>
+        </p:nvSpPr>
+        <p:spPr>
+          <a:xfrm>
+            <a:off x="1583497" y="3429000"/>
+            <a:ext cx="4428393" cy="240066"/>
+          </a:xfrm>
+          <a:prstGeom prst="rect">
+            <a:avLst/>
+          </a:prstGeom>
+          <a:noFill/>
+          <a:ln w="9525">
+            <a:noFill/>
+            <a:prstDash val="solid"/>
+          </a:ln>
+        </p:spPr>
+        <p:txBody>
+          <a:bodyPr vert="horz" wrap="none" lIns="27432" tIns="27432" rIns="27432" bIns="27432" rtlCol="0" anchor="ctr" anchorCtr="0">
+            <a:spAutoFit/>
+          </a:bodyPr>
+          <a:lstStyle/>
+          <a:p>
+            <a:pPr algn="ctr"/>
+            <a:r>
+              <a:rPr lang="en-US" sz="1200" i="1" dirty="0" smtClean="0">
+                <a:latin typeface="Arial"/>
+              </a:rPr>
+              <a:t>Keeping going after syntax errors – unwinding partial commands</a:t>
+            </a:r>
+            <a:endParaRPr lang="en-US" sz="1200" i="1" dirty="0">
+              <a:latin typeface="Arial"/>
+            </a:endParaRPr>
+          </a:p>
+        </p:txBody>
+      </p:sp>
+      <p:sp>
+        <p:nvSpPr>
+          <p:cNvPr id="7" name="TextBox 6"/>
+          <p:cNvSpPr txBox="1"/>
+          <p:nvPr/>
+        </p:nvSpPr>
+        <p:spPr>
+          <a:xfrm>
+            <a:off x="1922311" y="2918532"/>
+            <a:ext cx="4831451" cy="240066"/>
+          </a:xfrm>
+          <a:prstGeom prst="rect">
+            <a:avLst/>
+          </a:prstGeom>
+          <a:noFill/>
+          <a:ln w="9525">
+            <a:noFill/>
+            <a:prstDash val="solid"/>
+          </a:ln>
+        </p:spPr>
+        <p:txBody>
+          <a:bodyPr vert="horz" wrap="none" lIns="27432" tIns="27432" rIns="27432" bIns="27432" rtlCol="0" anchor="t" anchorCtr="0">
+            <a:spAutoFit/>
+          </a:bodyPr>
+          <a:lstStyle/>
+          <a:p>
+            <a:r>
+              <a:rPr lang="en-US" sz="1200" dirty="0" smtClean="0">
+                <a:latin typeface="Arial"/>
+              </a:rPr>
+              <a:t>My cheap way: Add \n .  If the error is on the line after, you’re not done!</a:t>
+            </a:r>
+            <a:endParaRPr lang="en-US" sz="1200" dirty="0">
+              <a:latin typeface="Arial"/>
+            </a:endParaRPr>
+          </a:p>
+        </p:txBody>
+      </p:sp>
+      <p:sp>
+        <p:nvSpPr>
+          <p:cNvPr id="8" name="TextBox 7"/>
+          <p:cNvSpPr txBox="1"/>
+          <p:nvPr/>
+        </p:nvSpPr>
+        <p:spPr>
+          <a:xfrm>
+            <a:off x="1664070" y="3669066"/>
+            <a:ext cx="4827540" cy="424732"/>
+          </a:xfrm>
+          <a:prstGeom prst="rect">
+            <a:avLst/>
+          </a:prstGeom>
+          <a:noFill/>
+          <a:ln w="9525">
+            <a:noFill/>
+            <a:prstDash val="solid"/>
+          </a:ln>
+        </p:spPr>
+        <p:txBody>
+          <a:bodyPr vert="horz" wrap="none" lIns="27432" tIns="27432" rIns="27432" bIns="27432" rtlCol="0" anchor="t" anchorCtr="0">
+            <a:spAutoFit/>
+          </a:bodyPr>
+          <a:lstStyle/>
+          <a:p>
+            <a:r>
+              <a:rPr lang="en-US" sz="1200" dirty="0" smtClean="0">
+                <a:latin typeface="Arial"/>
+              </a:rPr>
+              <a:t>Keep track of declarations and state changes, then remove them if the</a:t>
+            </a:r>
+          </a:p>
+          <a:p>
+            <a:r>
+              <a:rPr lang="en-US" sz="1200" dirty="0" smtClean="0">
+                <a:latin typeface="Arial"/>
+              </a:rPr>
+              <a:t>whole parse doesn’t succeed.</a:t>
+            </a:r>
+            <a:endParaRPr lang="en-US" sz="1200" dirty="0">
+              <a:latin typeface="Arial"/>
+            </a:endParaRPr>
+          </a:p>
+        </p:txBody>
+      </p:sp>
+      <p:sp>
+        <p:nvSpPr>
+          <p:cNvPr id="9" name="TextBox 8"/>
+          <p:cNvSpPr txBox="1"/>
+          <p:nvPr/>
+        </p:nvSpPr>
+        <p:spPr>
+          <a:xfrm>
+            <a:off x="1359270" y="1764066"/>
+            <a:ext cx="4389215" cy="609398"/>
+          </a:xfrm>
+          <a:prstGeom prst="rect">
+            <a:avLst/>
+          </a:prstGeom>
+          <a:noFill/>
+          <a:ln w="9525">
+            <a:noFill/>
+            <a:prstDash val="solid"/>
+          </a:ln>
+        </p:spPr>
+        <p:txBody>
+          <a:bodyPr vert="horz" wrap="none" lIns="27432" tIns="27432" rIns="27432" bIns="27432" rtlCol="0" anchor="t" anchorCtr="0">
+            <a:spAutoFit/>
+          </a:bodyPr>
+          <a:lstStyle/>
+          <a:p>
+            <a:r>
+              <a:rPr lang="en-US" sz="1200" dirty="0" smtClean="0">
+                <a:latin typeface="Arial"/>
+              </a:rPr>
+              <a:t>Duck typing vs. your language’s typing</a:t>
+            </a:r>
+          </a:p>
+          <a:p>
+            <a:r>
+              <a:rPr lang="en-US" sz="1200" dirty="0" smtClean="0">
+                <a:latin typeface="Arial"/>
+              </a:rPr>
+              <a:t>The implementation language’s stack vs. your program’s stack</a:t>
+            </a:r>
+          </a:p>
+          <a:p>
+            <a:r>
+              <a:rPr lang="en-US" sz="1200" dirty="0" smtClean="0">
+                <a:latin typeface="Arial"/>
+              </a:rPr>
+              <a:t>The implementation language’s </a:t>
+            </a:r>
+            <a:r>
+              <a:rPr lang="en-US" sz="1200" dirty="0" smtClean="0">
+                <a:latin typeface="Arial"/>
+              </a:rPr>
+              <a:t>scope vs</a:t>
+            </a:r>
+            <a:r>
+              <a:rPr lang="en-US" sz="1200" dirty="0" smtClean="0">
+                <a:latin typeface="Arial"/>
+              </a:rPr>
+              <a:t>. your program’s </a:t>
+            </a:r>
+            <a:r>
+              <a:rPr lang="en-US" sz="1200" dirty="0" smtClean="0">
+                <a:latin typeface="Arial"/>
+              </a:rPr>
+              <a:t>scope</a:t>
+            </a:r>
+            <a:endParaRPr lang="en-US" sz="1200" dirty="0">
+              <a:latin typeface="Arial"/>
+            </a:endParaRPr>
+          </a:p>
+        </p:txBody>
+      </p:sp>
+      <p:sp>
+        <p:nvSpPr>
+          <p:cNvPr id="10" name="Slide Number Placeholder 9"/>
+          <p:cNvSpPr>
+            <a:spLocks noGrp="1"/>
+          </p:cNvSpPr>
+          <p:nvPr>
+            <p:ph type="sldNum" sz="quarter" idx="12"/>
+          </p:nvPr>
+        </p:nvSpPr>
+        <p:spPr/>
+        <p:txBody>
+          <a:bodyPr/>
+          <a:lstStyle/>
+          <a:p>
+            <a:fld id="{773D3EE4-96C3-4842-A252-14153AEC730C}" type="slidenum">
+              <a:rPr lang="en-US" smtClean="0"/>
+              <a:pPr/>
+              <a:t>2</a:t>
+            </a:fld>
+            <a:endParaRPr lang="en-US"/>
+          </a:p>
+        </p:txBody>
+      </p:sp>
     </p:spTree>
   </p:cSld>
   <p:clrMapOvr>
@@ -6540,4 +8796,287 @@
   <a:objectDefaults/>
   <a:extraClrSchemeLst/>
 </a:theme>
+</file>
+
+<file path=ppt/theme/theme2.xml><?xml version="1.0" encoding="utf-8"?>
+<a:theme xmlns:a="http://schemas.openxmlformats.org/drawingml/2006/main" name="Office Theme">
+  <a:themeElements>
+    <a:clrScheme name="Office">
+      <a:dk1>
+        <a:sysClr val="windowText" lastClr="000000"/>
+      </a:dk1>
+      <a:lt1>
+        <a:sysClr val="window" lastClr="FFFFFF"/>
+      </a:lt1>
+      <a:dk2>
+        <a:srgbClr val="1F497D"/>
+      </a:dk2>
+      <a:lt2>
+        <a:srgbClr val="EEECE1"/>
+      </a:lt2>
+      <a:accent1>
+        <a:srgbClr val="4F81BD"/>
+      </a:accent1>
+      <a:accent2>
+        <a:srgbClr val="C0504D"/>
+      </a:accent2>
+      <a:accent3>
+        <a:srgbClr val="9BBB59"/>
+      </a:accent3>
+      <a:accent4>
+        <a:srgbClr val="8064A2"/>
+      </a:accent4>
+      <a:accent5>
+        <a:srgbClr val="4BACC6"/>
+      </a:accent5>
+      <a:accent6>
+        <a:srgbClr val="F79646"/>
+      </a:accent6>
+      <a:hlink>
+        <a:srgbClr val="0000FF"/>
+      </a:hlink>
+      <a:folHlink>
+        <a:srgbClr val="800080"/>
+      </a:folHlink>
+    </a:clrScheme>
+    <a:fontScheme name="Office">
+      <a:majorFont>
+        <a:latin typeface="Calibri"/>
+        <a:ea typeface=""/>
+        <a:cs typeface=""/>
+        <a:font script="Jpan" typeface="ＭＳ Ｐゴシック"/>
+        <a:font script="Hang" typeface="맑은 고딕"/>
+        <a:font script="Hans" typeface="宋体"/>
+        <a:font script="Hant" typeface="新細明體"/>
+        <a:font script="Arab" typeface="Times New Roman"/>
+        <a:font script="Hebr" typeface="Times New Roman"/>
+        <a:font script="Thai" typeface="Angsana New"/>
+        <a:font script="Ethi" typeface="Nyala"/>
+        <a:font script="Beng" typeface="Vrinda"/>
+        <a:font script="Gujr" typeface="Shruti"/>
+        <a:font script="Khmr" typeface="MoolBoran"/>
+        <a:font script="Knda" typeface="Tunga"/>
+        <a:font script="Guru" typeface="Raavi"/>
+        <a:font script="Cans" typeface="Euphemia"/>
+        <a:font script="Cher" typeface="Plantagenet Cherokee"/>
+        <a:font script="Yiii" typeface="Microsoft Yi Baiti"/>
+        <a:font script="Tibt" typeface="Microsoft Himalaya"/>
+        <a:font script="Thaa" typeface="MV Boli"/>
+        <a:font script="Deva" typeface="Mangal"/>
+        <a:font script="Telu" typeface="Gautami"/>
+        <a:font script="Taml" typeface="Latha"/>
+        <a:font script="Syrc" typeface="Estrangelo Edessa"/>
+        <a:font script="Orya" typeface="Kalinga"/>
+        <a:font script="Mlym" typeface="Kartika"/>
+        <a:font script="Laoo" typeface="DokChampa"/>
+        <a:font script="Sinh" typeface="Iskoola Pota"/>
+        <a:font script="Mong" typeface="Mongolian Baiti"/>
+        <a:font script="Viet" typeface="Times New Roman"/>
+        <a:font script="Uigh" typeface="Microsoft Uighur"/>
+      </a:majorFont>
+      <a:minorFont>
+        <a:latin typeface="Calibri"/>
+        <a:ea typeface=""/>
+        <a:cs typeface=""/>
+        <a:font script="Jpan" typeface="ＭＳ Ｐゴシック"/>
+        <a:font script="Hang" typeface="맑은 고딕"/>
+        <a:font script="Hans" typeface="宋体"/>
+        <a:font script="Hant" typeface="新細明體"/>
+        <a:font script="Arab" typeface="Arial"/>
+        <a:font script="Hebr" typeface="Arial"/>
+        <a:font script="Thai" typeface="Cordia New"/>
+        <a:font script="Ethi" typeface="Nyala"/>
+        <a:font script="Beng" typeface="Vrinda"/>
+        <a:font script="Gujr" typeface="Shruti"/>
+        <a:font script="Khmr" typeface="DaunPenh"/>
+        <a:font script="Knda" typeface="Tunga"/>
+        <a:font script="Guru" typeface="Raavi"/>
+        <a:font script="Cans" typeface="Euphemia"/>
+        <a:font script="Cher" typeface="Plantagenet Cherokee"/>
+        <a:font script="Yiii" typeface="Microsoft Yi Baiti"/>
+        <a:font script="Tibt" typeface="Microsoft Himalaya"/>
+        <a:font script="Thaa" typeface="MV Boli"/>
+        <a:font script="Deva" typeface="Mangal"/>
+        <a:font script="Telu" typeface="Gautami"/>
+        <a:font script="Taml" typeface="Latha"/>
+        <a:font script="Syrc" typeface="Estrangelo Edessa"/>
+        <a:font script="Orya" typeface="Kalinga"/>
+        <a:font script="Mlym" typeface="Kartika"/>
+        <a:font script="Laoo" typeface="DokChampa"/>
+        <a:font script="Sinh" typeface="Iskoola Pota"/>
+        <a:font script="Mong" typeface="Mongolian Baiti"/>
+        <a:font script="Viet" typeface="Arial"/>
+        <a:font script="Uigh" typeface="Microsoft Uighur"/>
+      </a:minorFont>
+    </a:fontScheme>
+    <a:fmtScheme name="Office">
+      <a:fillStyleLst>
+        <a:solidFill>
+          <a:schemeClr val="phClr"/>
+        </a:solidFill>
+        <a:gradFill rotWithShape="1">
+          <a:gsLst>
+            <a:gs pos="0">
+              <a:schemeClr val="phClr">
+                <a:tint val="50000"/>
+                <a:satMod val="300000"/>
+              </a:schemeClr>
+            </a:gs>
+            <a:gs pos="35000">
+              <a:schemeClr val="phClr">
+                <a:tint val="37000"/>
+                <a:satMod val="300000"/>
+              </a:schemeClr>
+            </a:gs>
+            <a:gs pos="100000">
+              <a:schemeClr val="phClr">
+                <a:tint val="15000"/>
+                <a:satMod val="350000"/>
+              </a:schemeClr>
+            </a:gs>
+          </a:gsLst>
+          <a:lin ang="16200000" scaled="1"/>
+        </a:gradFill>
+        <a:gradFill rotWithShape="1">
+          <a:gsLst>
+            <a:gs pos="0">
+              <a:schemeClr val="phClr">
+                <a:shade val="51000"/>
+                <a:satMod val="130000"/>
+              </a:schemeClr>
+            </a:gs>
+            <a:gs pos="80000">
+              <a:schemeClr val="phClr">
+                <a:shade val="93000"/>
+                <a:satMod val="130000"/>
+              </a:schemeClr>
+            </a:gs>
+            <a:gs pos="100000">
+              <a:schemeClr val="phClr">
+                <a:shade val="94000"/>
+                <a:satMod val="135000"/>
+              </a:schemeClr>
+            </a:gs>
+          </a:gsLst>
+          <a:lin ang="16200000" scaled="0"/>
+        </a:gradFill>
+      </a:fillStyleLst>
+      <a:lnStyleLst>
+        <a:ln w="9525" cap="flat" cmpd="sng" algn="ctr">
+          <a:solidFill>
+            <a:schemeClr val="phClr">
+              <a:shade val="95000"/>
+              <a:satMod val="105000"/>
+            </a:schemeClr>
+          </a:solidFill>
+          <a:prstDash val="solid"/>
+        </a:ln>
+        <a:ln w="25400" cap="flat" cmpd="sng" algn="ctr">
+          <a:solidFill>
+            <a:schemeClr val="phClr"/>
+          </a:solidFill>
+          <a:prstDash val="solid"/>
+        </a:ln>
+        <a:ln w="38100" cap="flat" cmpd="sng" algn="ctr">
+          <a:solidFill>
+            <a:schemeClr val="phClr"/>
+          </a:solidFill>
+          <a:prstDash val="solid"/>
+        </a:ln>
+      </a:lnStyleLst>
+      <a:effectStyleLst>
+        <a:effectStyle>
+          <a:effectLst>
+            <a:outerShdw blurRad="40000" dist="20000" dir="5400000" rotWithShape="0">
+              <a:srgbClr val="000000">
+                <a:alpha val="38000"/>
+              </a:srgbClr>
+            </a:outerShdw>
+          </a:effectLst>
+        </a:effectStyle>
+        <a:effectStyle>
+          <a:effectLst>
+            <a:outerShdw blurRad="40000" dist="23000" dir="5400000" rotWithShape="0">
+              <a:srgbClr val="000000">
+                <a:alpha val="35000"/>
+              </a:srgbClr>
+            </a:outerShdw>
+          </a:effectLst>
+        </a:effectStyle>
+        <a:effectStyle>
+          <a:effectLst>
+            <a:outerShdw blurRad="40000" dist="23000" dir="5400000" rotWithShape="0">
+              <a:srgbClr val="000000">
+                <a:alpha val="35000"/>
+              </a:srgbClr>
+            </a:outerShdw>
+          </a:effectLst>
+          <a:scene3d>
+            <a:camera prst="orthographicFront">
+              <a:rot lat="0" lon="0" rev="0"/>
+            </a:camera>
+            <a:lightRig rig="threePt" dir="t">
+              <a:rot lat="0" lon="0" rev="1200000"/>
+            </a:lightRig>
+          </a:scene3d>
+          <a:sp3d>
+            <a:bevelT w="63500" h="25400"/>
+          </a:sp3d>
+        </a:effectStyle>
+      </a:effectStyleLst>
+      <a:bgFillStyleLst>
+        <a:solidFill>
+          <a:schemeClr val="phClr"/>
+        </a:solidFill>
+        <a:gradFill rotWithShape="1">
+          <a:gsLst>
+            <a:gs pos="0">
+              <a:schemeClr val="phClr">
+                <a:tint val="40000"/>
+                <a:satMod val="350000"/>
+              </a:schemeClr>
+            </a:gs>
+            <a:gs pos="40000">
+              <a:schemeClr val="phClr">
+                <a:tint val="45000"/>
+                <a:shade val="99000"/>
+                <a:satMod val="350000"/>
+              </a:schemeClr>
+            </a:gs>
+            <a:gs pos="100000">
+              <a:schemeClr val="phClr">
+                <a:shade val="20000"/>
+                <a:satMod val="255000"/>
+              </a:schemeClr>
+            </a:gs>
+          </a:gsLst>
+          <a:path path="circle">
+            <a:fillToRect l="50000" t="-80000" r="50000" b="180000"/>
+          </a:path>
+        </a:gradFill>
+        <a:gradFill rotWithShape="1">
+          <a:gsLst>
+            <a:gs pos="0">
+              <a:schemeClr val="phClr">
+                <a:tint val="80000"/>
+                <a:satMod val="300000"/>
+              </a:schemeClr>
+            </a:gs>
+            <a:gs pos="100000">
+              <a:schemeClr val="phClr">
+                <a:shade val="30000"/>
+                <a:satMod val="200000"/>
+              </a:schemeClr>
+            </a:gs>
+          </a:gsLst>
+          <a:path path="circle">
+            <a:fillToRect l="50000" t="50000" r="50000" b="50000"/>
+          </a:path>
+        </a:gradFill>
+      </a:bgFillStyleLst>
+    </a:fmtScheme>
+  </a:themeElements>
+  <a:objectDefaults/>
+  <a:extraClrSchemeLst/>
+</a:theme>
 </file>
--- a/Interpreters from the Trenches - handout.pptx
+++ b/Interpreters from the Trenches - handout.pptx
@@ -193,7 +193,8 @@
           <a:p>
             <a:fld id="{16B28326-895C-44A3-8000-DF4AFB830613}" type="datetimeFigureOut">
               <a:rPr lang="en-US" smtClean="0"/>
-              <a:t>10/25/2015</a:t>
+              <a:pPr/>
+              <a:t>10/30/2015</a:t>
             </a:fld>
             <a:endParaRPr lang="en-US"/>
           </a:p>
@@ -354,6 +355,7 @@
           <a:p>
             <a:fld id="{6831FA9A-18A4-4401-BC9F-9CEB12887856}" type="slidenum">
               <a:rPr lang="en-US" smtClean="0"/>
+              <a:pPr/>
               <a:t>‹#›</a:t>
             </a:fld>
             <a:endParaRPr lang="en-US"/>
@@ -639,7 +641,8 @@
           <a:p>
             <a:fld id="{F63271CC-2F78-4B2F-B8E8-67B198BD1FF0}" type="datetime1">
               <a:rPr lang="en-US" smtClean="0"/>
-              <a:t>10/25/2015</a:t>
+              <a:pPr/>
+              <a:t>10/30/2015</a:t>
             </a:fld>
             <a:endParaRPr lang="en-US"/>
           </a:p>
@@ -818,7 +821,8 @@
           <a:p>
             <a:fld id="{B37FE4A1-18C3-4C55-8379-F8E79FA944F3}" type="datetime1">
               <a:rPr lang="en-US" smtClean="0"/>
-              <a:t>10/25/2015</a:t>
+              <a:pPr/>
+              <a:t>10/30/2015</a:t>
             </a:fld>
             <a:endParaRPr lang="en-US"/>
           </a:p>
@@ -994,7 +998,8 @@
           <a:p>
             <a:fld id="{5D12BB76-53E4-4C62-A161-5E25FBEEFC4D}" type="datetime1">
               <a:rPr lang="en-US" smtClean="0"/>
-              <a:t>10/25/2015</a:t>
+              <a:pPr/>
+              <a:t>10/30/2015</a:t>
             </a:fld>
             <a:endParaRPr lang="en-US"/>
           </a:p>
@@ -1160,7 +1165,8 @@
           <a:p>
             <a:fld id="{7A8086F3-637F-4F51-A666-A1A305B043DF}" type="datetime1">
               <a:rPr lang="en-US" smtClean="0"/>
-              <a:t>10/25/2015</a:t>
+              <a:pPr/>
+              <a:t>10/30/2015</a:t>
             </a:fld>
             <a:endParaRPr lang="en-US"/>
           </a:p>
@@ -1402,7 +1408,8 @@
           <a:p>
             <a:fld id="{670889C0-5ADB-4B95-93A8-CF7859B7FE05}" type="datetime1">
               <a:rPr lang="en-US" smtClean="0"/>
-              <a:t>10/25/2015</a:t>
+              <a:pPr/>
+              <a:t>10/30/2015</a:t>
             </a:fld>
             <a:endParaRPr lang="en-US"/>
           </a:p>
@@ -1686,7 +1693,8 @@
           <a:p>
             <a:fld id="{F9783D8E-50ED-4885-BC66-43519472DAC3}" type="datetime1">
               <a:rPr lang="en-US" smtClean="0"/>
-              <a:t>10/25/2015</a:t>
+              <a:pPr/>
+              <a:t>10/30/2015</a:t>
             </a:fld>
             <a:endParaRPr lang="en-US"/>
           </a:p>
@@ -2109,7 +2117,8 @@
           <a:p>
             <a:fld id="{A7444248-97C8-4EE4-A333-6A3AB128EB96}" type="datetime1">
               <a:rPr lang="en-US" smtClean="0"/>
-              <a:t>10/25/2015</a:t>
+              <a:pPr/>
+              <a:t>10/30/2015</a:t>
             </a:fld>
             <a:endParaRPr lang="en-US"/>
           </a:p>
@@ -2223,7 +2232,8 @@
           <a:p>
             <a:fld id="{E2045289-2C34-4CE2-AA5C-7590C66602BD}" type="datetime1">
               <a:rPr lang="en-US" smtClean="0"/>
-              <a:t>10/25/2015</a:t>
+              <a:pPr/>
+              <a:t>10/30/2015</a:t>
             </a:fld>
             <a:endParaRPr lang="en-US"/>
           </a:p>
@@ -2314,7 +2324,8 @@
           <a:p>
             <a:fld id="{1D22A986-B692-405D-BB6C-6479AE865C8B}" type="datetime1">
               <a:rPr lang="en-US" smtClean="0"/>
-              <a:t>10/25/2015</a:t>
+              <a:pPr/>
+              <a:t>10/30/2015</a:t>
             </a:fld>
             <a:endParaRPr lang="en-US"/>
           </a:p>
@@ -2587,7 +2598,8 @@
           <a:p>
             <a:fld id="{F6267EB8-843F-47AC-8CB8-EA612B9812D1}" type="datetime1">
               <a:rPr lang="en-US" smtClean="0"/>
-              <a:t>10/25/2015</a:t>
+              <a:pPr/>
+              <a:t>10/30/2015</a:t>
             </a:fld>
             <a:endParaRPr lang="en-US"/>
           </a:p>
@@ -2836,7 +2848,8 @@
           <a:p>
             <a:fld id="{EB975FB2-C93B-499D-AAAA-031D01BAEE38}" type="datetime1">
               <a:rPr lang="en-US" smtClean="0"/>
-              <a:t>10/25/2015</a:t>
+              <a:pPr/>
+              <a:t>10/30/2015</a:t>
             </a:fld>
             <a:endParaRPr lang="en-US"/>
           </a:p>
@@ -3045,7 +3058,8 @@
           <a:p>
             <a:fld id="{28A466DD-91A3-4BF6-BD51-FD1C117005C1}" type="datetime1">
               <a:rPr lang="en-US" smtClean="0"/>
-              <a:t>10/25/2015</a:t>
+              <a:pPr/>
+              <a:t>10/30/2015</a:t>
             </a:fld>
             <a:endParaRPr lang="en-US"/>
           </a:p>
@@ -3415,6 +3429,46 @@
           <a:chExt cx="0" cy="0"/>
         </a:xfrm>
       </p:grpSpPr>
+      <p:cxnSp>
+        <p:nvCxnSpPr>
+          <p:cNvPr id="112" name="Straight Arrow Connector 53"/>
+          <p:cNvCxnSpPr>
+            <a:stCxn id="111" idx="1"/>
+            <a:endCxn id="46" idx="2"/>
+          </p:cNvCxnSpPr>
+          <p:nvPr/>
+        </p:nvCxnSpPr>
+        <p:spPr>
+          <a:xfrm rot="10800000">
+            <a:off x="2577237" y="8991600"/>
+            <a:ext cx="3589179" cy="152400"/>
+          </a:xfrm>
+          <a:prstGeom prst="bentConnector2">
+            <a:avLst/>
+          </a:prstGeom>
+          <a:ln w="9525">
+            <a:solidFill>
+              <a:srgbClr val="000000"/>
+            </a:solidFill>
+            <a:prstDash val="solid"/>
+            <a:tailEnd type="triangle" w="med" len="med"/>
+          </a:ln>
+        </p:spPr>
+        <p:style>
+          <a:lnRef idx="1">
+            <a:schemeClr val="accent1"/>
+          </a:lnRef>
+          <a:fillRef idx="0">
+            <a:schemeClr val="accent1"/>
+          </a:fillRef>
+          <a:effectRef idx="0">
+            <a:schemeClr val="accent1"/>
+          </a:effectRef>
+          <a:fontRef idx="minor">
+            <a:schemeClr val="tx1"/>
+          </a:fontRef>
+        </p:style>
+      </p:cxnSp>
       <p:sp>
         <p:nvSpPr>
           <p:cNvPr id="37" name="Rectangle 36"/>
@@ -3483,8 +3537,8 @@
         </p:nvSpPr>
         <p:spPr>
           <a:xfrm>
-            <a:off x="1257300" y="375126"/>
-            <a:ext cx="5257800" cy="615474"/>
+            <a:off x="609600" y="375126"/>
+            <a:ext cx="6553200" cy="615474"/>
           </a:xfrm>
           <a:prstGeom prst="rect">
             <a:avLst/>
@@ -3503,23 +3557,32 @@
           <a:p>
             <a:pPr algn="ctr"/>
             <a:r>
-              <a:rPr lang="en-US" sz="1200" i="1" dirty="0" smtClean="0">
+              <a:rPr lang="en-US" sz="1200" b="1" i="1" dirty="0" smtClean="0">
                 <a:latin typeface="Arial"/>
               </a:rPr>
               <a:t>Interpreters from the Trenches – </a:t>
             </a:r>
             <a:r>
-              <a:rPr lang="en-US" sz="1200" i="1" dirty="0" err="1" smtClean="0">
+              <a:rPr lang="en-US" sz="1200" b="1" i="1" dirty="0" err="1" smtClean="0">
                 <a:latin typeface="Arial"/>
               </a:rPr>
               <a:t>Demosplash</a:t>
             </a:r>
             <a:r>
-              <a:rPr lang="en-US" sz="1200" i="1" dirty="0" smtClean="0">
+              <a:rPr lang="en-US" sz="1200" b="1" i="1" dirty="0" smtClean="0">
                 <a:latin typeface="Arial"/>
               </a:rPr>
-              <a:t> 2015 – cxw</a:t>
-            </a:r>
+              <a:t> 2015 – </a:t>
+            </a:r>
+            <a:r>
+              <a:rPr lang="en-US" sz="1200" b="1" i="1" dirty="0" smtClean="0">
+                <a:latin typeface="Arial"/>
+              </a:rPr>
+              <a:t>cxw</a:t>
+            </a:r>
+            <a:endParaRPr lang="en-US" sz="1200" b="1" i="1" dirty="0" smtClean="0">
+              <a:latin typeface="Arial"/>
+            </a:endParaRPr>
           </a:p>
           <a:p>
             <a:pPr algn="ctr"/>
@@ -3547,6 +3610,25 @@
                 <a:latin typeface="Arial"/>
                 <a:hlinkClick r:id="rId3"/>
               </a:rPr>
+              <a:t>https://github.com/cxw42</a:t>
+            </a:r>
+            <a:r>
+              <a:rPr lang="en-US" sz="1200" i="1" dirty="0" smtClean="0">
+                <a:latin typeface="Arial"/>
+              </a:rPr>
+              <a:t> </a:t>
+            </a:r>
+            <a:r>
+              <a:rPr lang="en-US" sz="1200" i="1" dirty="0" smtClean="0">
+                <a:latin typeface="Arial"/>
+              </a:rPr>
+              <a:t>– </a:t>
+            </a:r>
+            <a:r>
+              <a:rPr lang="en-US" sz="1200" i="1" dirty="0" smtClean="0">
+                <a:latin typeface="Arial"/>
+                <a:hlinkClick r:id="rId4"/>
+              </a:rPr>
               <a:t>cxwembedded@gmail.com</a:t>
             </a:r>
             <a:r>
@@ -3569,7 +3651,7 @@
         </p:nvSpPr>
         <p:spPr>
           <a:xfrm>
-            <a:off x="914400" y="2590800"/>
+            <a:off x="1049705" y="2731734"/>
             <a:ext cx="1302536" cy="240066"/>
           </a:xfrm>
           <a:prstGeom prst="rect">
@@ -3608,7 +3690,7 @@
         </p:nvSpPr>
         <p:spPr>
           <a:xfrm>
-            <a:off x="5324044" y="2590800"/>
+            <a:off x="4953000" y="2731734"/>
             <a:ext cx="1017651" cy="240066"/>
           </a:xfrm>
           <a:prstGeom prst="rect">
@@ -3647,8 +3729,8 @@
         </p:nvSpPr>
         <p:spPr>
           <a:xfrm>
-            <a:off x="2438400" y="6781800"/>
-            <a:ext cx="1522148" cy="240066"/>
+            <a:off x="2374805" y="6858000"/>
+            <a:ext cx="3020956" cy="240066"/>
           </a:xfrm>
           <a:prstGeom prst="rect">
             <a:avLst/>
@@ -3670,7 +3752,13 @@
               <a:rPr lang="en-US" sz="1200" i="1" dirty="0" smtClean="0">
                 <a:latin typeface="Arial"/>
               </a:rPr>
-              <a:t>Nested Environments</a:t>
+              <a:t>Nested </a:t>
+            </a:r>
+            <a:r>
+              <a:rPr lang="en-US" sz="1200" i="1" dirty="0" smtClean="0">
+                <a:latin typeface="Arial"/>
+              </a:rPr>
+              <a:t>Environments, a.k.a., Stack Frames</a:t>
             </a:r>
             <a:endParaRPr lang="en-US" sz="1200" i="1" dirty="0">
               <a:latin typeface="Arial"/>
@@ -4908,7 +4996,7 @@
         </p:nvSpPr>
         <p:spPr>
           <a:xfrm>
-            <a:off x="838200" y="6400800"/>
+            <a:off x="3171337" y="6400800"/>
             <a:ext cx="228600" cy="228600"/>
           </a:xfrm>
           <a:prstGeom prst="rect">
@@ -4978,7 +5066,7 @@
         </p:nvSpPr>
         <p:spPr>
           <a:xfrm>
-            <a:off x="1066800" y="6400800"/>
+            <a:off x="3399937" y="6400800"/>
             <a:ext cx="228600" cy="228600"/>
           </a:xfrm>
           <a:prstGeom prst="rect">
@@ -5048,7 +5136,7 @@
         </p:nvSpPr>
         <p:spPr>
           <a:xfrm>
-            <a:off x="1295400" y="6400800"/>
+            <a:off x="3628537" y="6400800"/>
             <a:ext cx="228600" cy="228600"/>
           </a:xfrm>
           <a:prstGeom prst="rect">
@@ -5118,7 +5206,7 @@
         </p:nvSpPr>
         <p:spPr>
           <a:xfrm>
-            <a:off x="1524000" y="6400800"/>
+            <a:off x="3857137" y="6400800"/>
             <a:ext cx="228600" cy="228600"/>
           </a:xfrm>
           <a:prstGeom prst="rect">
@@ -5188,7 +5276,7 @@
         </p:nvSpPr>
         <p:spPr>
           <a:xfrm>
-            <a:off x="1752600" y="5943600"/>
+            <a:off x="4085737" y="5943600"/>
             <a:ext cx="228600" cy="228600"/>
           </a:xfrm>
           <a:prstGeom prst="rect">
@@ -5258,7 +5346,7 @@
         </p:nvSpPr>
         <p:spPr>
           <a:xfrm>
-            <a:off x="1295400" y="5943600"/>
+            <a:off x="3628537" y="5943600"/>
             <a:ext cx="228600" cy="228600"/>
           </a:xfrm>
           <a:prstGeom prst="rect">
@@ -5328,7 +5416,7 @@
         </p:nvSpPr>
         <p:spPr>
           <a:xfrm>
-            <a:off x="1752600" y="5486400"/>
+            <a:off x="4085737" y="5486400"/>
             <a:ext cx="228600" cy="228600"/>
           </a:xfrm>
           <a:prstGeom prst="rect">
@@ -5398,7 +5486,7 @@
         </p:nvSpPr>
         <p:spPr>
           <a:xfrm>
-            <a:off x="1981200" y="6400800"/>
+            <a:off x="4314337" y="6400800"/>
             <a:ext cx="228600" cy="228600"/>
           </a:xfrm>
           <a:prstGeom prst="rect">
@@ -5468,7 +5556,7 @@
         </p:nvSpPr>
         <p:spPr>
           <a:xfrm>
-            <a:off x="762000" y="6324600"/>
+            <a:off x="3095137" y="6324600"/>
             <a:ext cx="1524000" cy="381000"/>
           </a:xfrm>
           <a:prstGeom prst="rect">
@@ -5522,7 +5610,7 @@
         </p:nvSpPr>
         <p:spPr>
           <a:xfrm>
-            <a:off x="762000" y="5867400"/>
+            <a:off x="3095137" y="5867400"/>
             <a:ext cx="1524000" cy="381000"/>
           </a:xfrm>
           <a:prstGeom prst="rect">
@@ -5576,7 +5664,7 @@
         </p:nvSpPr>
         <p:spPr>
           <a:xfrm>
-            <a:off x="762000" y="5410200"/>
+            <a:off x="3095137" y="5410200"/>
             <a:ext cx="1524000" cy="381000"/>
           </a:xfrm>
           <a:prstGeom prst="rect">
@@ -5633,7 +5721,7 @@
         </p:nvCxnSpPr>
         <p:spPr>
           <a:xfrm>
-            <a:off x="1866900" y="5715000"/>
+            <a:off x="4200037" y="5715000"/>
             <a:ext cx="0" cy="228600"/>
           </a:xfrm>
           <a:prstGeom prst="straightConnector1">
@@ -5673,7 +5761,7 @@
         </p:nvCxnSpPr>
         <p:spPr>
           <a:xfrm>
-            <a:off x="1409700" y="6172200"/>
+            <a:off x="3742837" y="6172200"/>
             <a:ext cx="0" cy="228600"/>
           </a:xfrm>
           <a:prstGeom prst="straightConnector1">
@@ -5713,7 +5801,7 @@
         </p:nvCxnSpPr>
         <p:spPr>
           <a:xfrm>
-            <a:off x="2286000" y="5600700"/>
+            <a:off x="4619137" y="5600700"/>
             <a:ext cx="12700" cy="457200"/>
           </a:xfrm>
           <a:prstGeom prst="bentConnector3">
@@ -5755,7 +5843,7 @@
         </p:nvCxnSpPr>
         <p:spPr>
           <a:xfrm rot="10800000" flipV="1">
-            <a:off x="762000" y="6057900"/>
+            <a:off x="3095137" y="6057900"/>
             <a:ext cx="12700" cy="457200"/>
           </a:xfrm>
           <a:prstGeom prst="bentConnector3">
@@ -5794,7 +5882,7 @@
         </p:nvSpPr>
         <p:spPr>
           <a:xfrm>
-            <a:off x="838200" y="5486400"/>
+            <a:off x="3171337" y="5486400"/>
             <a:ext cx="228600" cy="228600"/>
           </a:xfrm>
           <a:prstGeom prst="rect">
@@ -5867,7 +5955,7 @@
         </p:nvCxnSpPr>
         <p:spPr>
           <a:xfrm>
-            <a:off x="952500" y="5715000"/>
+            <a:off x="3285637" y="5715000"/>
             <a:ext cx="0" cy="685800"/>
           </a:xfrm>
           <a:prstGeom prst="straightConnector1">
@@ -5904,7 +5992,7 @@
         </p:nvSpPr>
         <p:spPr>
           <a:xfrm>
-            <a:off x="3525415" y="7162800"/>
+            <a:off x="2154745" y="7239000"/>
             <a:ext cx="844982" cy="1752600"/>
           </a:xfrm>
           <a:prstGeom prst="rect">
@@ -5974,7 +6062,7 @@
         </p:nvSpPr>
         <p:spPr>
           <a:xfrm>
-            <a:off x="3595830" y="8001000"/>
+            <a:off x="2225160" y="8077200"/>
             <a:ext cx="704152" cy="304800"/>
           </a:xfrm>
           <a:prstGeom prst="rect">
@@ -6044,7 +6132,7 @@
         </p:nvSpPr>
         <p:spPr>
           <a:xfrm>
-            <a:off x="3595830" y="8458200"/>
+            <a:off x="2225160" y="8534400"/>
             <a:ext cx="704152" cy="304800"/>
           </a:xfrm>
           <a:prstGeom prst="rect">
@@ -6114,7 +6202,7 @@
         </p:nvSpPr>
         <p:spPr>
           <a:xfrm>
-            <a:off x="2257942" y="7162800"/>
+            <a:off x="887272" y="7239000"/>
             <a:ext cx="844982" cy="1752600"/>
           </a:xfrm>
           <a:prstGeom prst="rect">
@@ -6184,7 +6272,7 @@
         </p:nvSpPr>
         <p:spPr>
           <a:xfrm>
-            <a:off x="2328357" y="8001000"/>
+            <a:off x="957687" y="8077200"/>
             <a:ext cx="704152" cy="304800"/>
           </a:xfrm>
           <a:prstGeom prst="rect">
@@ -6254,7 +6342,7 @@
         </p:nvSpPr>
         <p:spPr>
           <a:xfrm>
-            <a:off x="2328357" y="8458200"/>
+            <a:off x="957687" y="8534400"/>
             <a:ext cx="704152" cy="304800"/>
           </a:xfrm>
           <a:prstGeom prst="rect">
@@ -6324,7 +6412,7 @@
         </p:nvSpPr>
         <p:spPr>
           <a:xfrm>
-            <a:off x="3595830" y="7543800"/>
+            <a:off x="2225160" y="7620000"/>
             <a:ext cx="704152" cy="304800"/>
           </a:xfrm>
           <a:prstGeom prst="rect">
@@ -6394,7 +6482,7 @@
         </p:nvSpPr>
         <p:spPr>
           <a:xfrm>
-            <a:off x="2328357" y="7543800"/>
+            <a:off x="957687" y="7620000"/>
             <a:ext cx="704152" cy="304800"/>
           </a:xfrm>
           <a:prstGeom prst="rect">
@@ -6467,7 +6555,7 @@
         </p:nvCxnSpPr>
         <p:spPr>
           <a:xfrm rot="10800000" flipV="1">
-            <a:off x="3102924" y="7696200"/>
+            <a:off x="1732254" y="7772400"/>
             <a:ext cx="492906" cy="342900"/>
           </a:xfrm>
           <a:prstGeom prst="bentConnector3">
@@ -6506,7 +6594,7 @@
         </p:nvSpPr>
         <p:spPr>
           <a:xfrm flipV="1">
-            <a:off x="1904070" y="7922856"/>
+            <a:off x="533400" y="7999056"/>
             <a:ext cx="142627" cy="154344"/>
           </a:xfrm>
           <a:prstGeom prst="triangle">
@@ -6565,7 +6653,7 @@
         </p:nvCxnSpPr>
         <p:spPr>
           <a:xfrm rot="10800000" flipV="1">
-            <a:off x="1975383" y="7696200"/>
+            <a:off x="604713" y="7772400"/>
             <a:ext cx="352974" cy="226656"/>
           </a:xfrm>
           <a:prstGeom prst="bentConnector2">
@@ -6601,7 +6689,7 @@
         </p:nvSpPr>
         <p:spPr>
           <a:xfrm>
-            <a:off x="4792888" y="7162800"/>
+            <a:off x="3422218" y="7239000"/>
             <a:ext cx="844982" cy="1752600"/>
           </a:xfrm>
           <a:prstGeom prst="rect">
@@ -6671,7 +6759,7 @@
         </p:nvSpPr>
         <p:spPr>
           <a:xfrm>
-            <a:off x="4863303" y="8001000"/>
+            <a:off x="3492633" y="8077200"/>
             <a:ext cx="704152" cy="304800"/>
           </a:xfrm>
           <a:prstGeom prst="rect">
@@ -6741,7 +6829,7 @@
         </p:nvSpPr>
         <p:spPr>
           <a:xfrm>
-            <a:off x="4863303" y="8458200"/>
+            <a:off x="3492633" y="8534400"/>
             <a:ext cx="704152" cy="304800"/>
           </a:xfrm>
           <a:prstGeom prst="rect">
@@ -6811,7 +6899,7 @@
         </p:nvSpPr>
         <p:spPr>
           <a:xfrm>
-            <a:off x="4863303" y="7543800"/>
+            <a:off x="3492633" y="7620000"/>
             <a:ext cx="704152" cy="304800"/>
           </a:xfrm>
           <a:prstGeom prst="rect">
@@ -6884,7 +6972,7 @@
         </p:nvCxnSpPr>
         <p:spPr>
           <a:xfrm rot="10800000" flipV="1">
-            <a:off x="4370397" y="7696200"/>
+            <a:off x="2999727" y="7772400"/>
             <a:ext cx="492906" cy="342900"/>
           </a:xfrm>
           <a:prstGeom prst="bentConnector3">
@@ -7385,8 +7473,8 @@
         </p:nvSpPr>
         <p:spPr>
           <a:xfrm>
-            <a:off x="457200" y="1568136"/>
-            <a:ext cx="4524572" cy="794064"/>
+            <a:off x="630283" y="1535871"/>
+            <a:ext cx="6505772" cy="978729"/>
           </a:xfrm>
           <a:prstGeom prst="rect">
             <a:avLst/>
@@ -7398,13 +7486,13 @@
           </a:ln>
         </p:spPr>
         <p:txBody>
-          <a:bodyPr vert="horz" wrap="none" lIns="27432" tIns="27432" rIns="27432" bIns="27432" rtlCol="0" anchor="t" anchorCtr="0">
+          <a:bodyPr vert="horz" wrap="square" lIns="27432" tIns="27432" rIns="27432" bIns="27432" rtlCol="0" anchor="t" anchorCtr="0">
             <a:spAutoFit/>
           </a:bodyPr>
           <a:lstStyle/>
           <a:p>
             <a:r>
-              <a:rPr lang="en-US" sz="1200" dirty="0" smtClean="0">
+              <a:rPr lang="en-US" sz="1200" b="1" dirty="0" smtClean="0">
                 <a:latin typeface="Arial"/>
               </a:rPr>
               <a:t>Decisions to make:</a:t>
@@ -7419,17 +7507,8 @@
               <a:rPr lang="en-US" sz="1200" dirty="0" smtClean="0">
                 <a:latin typeface="Arial"/>
               </a:rPr>
-              <a:t>2-pass (parse/exec) vs. </a:t>
-            </a:r>
-            <a:r>
-              <a:rPr lang="en-US" sz="1200" dirty="0" smtClean="0">
-                <a:latin typeface="Arial"/>
-              </a:rPr>
-              <a:t>1-pass (exec while parsing)</a:t>
-            </a:r>
-            <a:endParaRPr lang="en-US" sz="1200" dirty="0" smtClean="0">
-              <a:latin typeface="Arial"/>
-            </a:endParaRPr>
+              <a:t>2-pass (parse/exec) vs. 1-pass (exec while parsing)</a:t>
+            </a:r>
           </a:p>
           <a:p>
             <a:pPr>
@@ -7452,7 +7531,13 @@
               <a:rPr lang="en-US" sz="1200" dirty="0" smtClean="0">
                 <a:latin typeface="Arial"/>
               </a:rPr>
-              <a:t>) vs. passive (visitor)</a:t>
+              <a:t>) vs. passive (visitor</a:t>
+            </a:r>
+            <a:r>
+              <a:rPr lang="en-US" sz="1200" dirty="0" smtClean="0">
+                <a:latin typeface="Arial"/>
+              </a:rPr>
+              <a:t>)</a:t>
             </a:r>
           </a:p>
           <a:p>
@@ -7464,9 +7549,27 @@
               <a:rPr lang="en-US" sz="1200" dirty="0" smtClean="0">
                 <a:latin typeface="Arial"/>
               </a:rPr>
-              <a:t>Environments/scopes/stack frames: hash tables vs. nested maps</a:t>
-            </a:r>
-            <a:endParaRPr lang="en-US" sz="1200" dirty="0">
+              <a:t>Environments/scopes/stack </a:t>
+            </a:r>
+            <a:r>
+              <a:rPr lang="en-US" sz="1200" dirty="0" smtClean="0">
+                <a:latin typeface="Arial"/>
+              </a:rPr>
+              <a:t>frames: hash tables vs. nested maps</a:t>
+            </a:r>
+          </a:p>
+          <a:p>
+            <a:pPr>
+              <a:buFont typeface="Arial" pitchFamily="34" charset="0"/>
+              <a:buChar char="•"/>
+            </a:pPr>
+            <a:r>
+              <a:rPr lang="en-US" sz="1200" dirty="0" smtClean="0">
+                <a:latin typeface="Arial"/>
+              </a:rPr>
+              <a:t>How much do you want your interpreter to behave like Real HW?</a:t>
+            </a:r>
+            <a:endParaRPr lang="en-US" sz="1200" dirty="0" smtClean="0">
               <a:latin typeface="Arial"/>
             </a:endParaRPr>
           </a:p>
@@ -7480,7 +7583,7 @@
         </p:nvSpPr>
         <p:spPr>
           <a:xfrm>
-            <a:off x="477883" y="854535"/>
+            <a:off x="630283" y="854535"/>
             <a:ext cx="6075317" cy="609398"/>
           </a:xfrm>
           <a:prstGeom prst="rect">
@@ -7534,13 +7637,7 @@
               <a:rPr lang="en-US" sz="1200" dirty="0" smtClean="0">
                 <a:latin typeface="Arial Narrow" pitchFamily="34" charset="0"/>
               </a:rPr>
-              <a:t>So what do you do with that array once you have it</a:t>
-            </a:r>
-            <a:r>
-              <a:rPr lang="en-US" sz="1200" dirty="0" smtClean="0">
-                <a:latin typeface="Arial Narrow" pitchFamily="34" charset="0"/>
-              </a:rPr>
-              <a:t>?</a:t>
+              <a:t>So what do you do with that array once you have it?</a:t>
             </a:r>
           </a:p>
           <a:p>
@@ -7576,7 +7673,7 @@
         </p:nvSpPr>
         <p:spPr>
           <a:xfrm>
-            <a:off x="6095070" y="7162800"/>
+            <a:off x="4724400" y="7239000"/>
             <a:ext cx="844982" cy="2209800"/>
           </a:xfrm>
           <a:prstGeom prst="rect">
@@ -7646,7 +7743,7 @@
         </p:nvSpPr>
         <p:spPr>
           <a:xfrm>
-            <a:off x="6165485" y="8001000"/>
+            <a:off x="4794815" y="8077200"/>
             <a:ext cx="704152" cy="304800"/>
           </a:xfrm>
           <a:prstGeom prst="rect">
@@ -7716,7 +7813,7 @@
         </p:nvSpPr>
         <p:spPr>
           <a:xfrm>
-            <a:off x="6165485" y="8458200"/>
+            <a:off x="4794815" y="8534400"/>
             <a:ext cx="704152" cy="304800"/>
           </a:xfrm>
           <a:prstGeom prst="rect">
@@ -7786,7 +7883,7 @@
         </p:nvSpPr>
         <p:spPr>
           <a:xfrm>
-            <a:off x="6165485" y="7543800"/>
+            <a:off x="4794815" y="7620000"/>
             <a:ext cx="704152" cy="304800"/>
           </a:xfrm>
           <a:prstGeom prst="rect">
@@ -7859,7 +7956,7 @@
         </p:nvCxnSpPr>
         <p:spPr>
           <a:xfrm rot="10800000" flipV="1">
-            <a:off x="5637871" y="7696200"/>
+            <a:off x="4267201" y="7772400"/>
             <a:ext cx="527615" cy="342900"/>
           </a:xfrm>
           <a:prstGeom prst="bentConnector3">
@@ -7898,7 +7995,7 @@
         </p:nvSpPr>
         <p:spPr>
           <a:xfrm>
-            <a:off x="6165485" y="8915400"/>
+            <a:off x="4794815" y="8991600"/>
             <a:ext cx="704152" cy="304800"/>
           </a:xfrm>
           <a:prstGeom prst="rect">
@@ -7971,7 +8068,7 @@
         </p:nvCxnSpPr>
         <p:spPr>
           <a:xfrm rot="10800000">
-            <a:off x="3947907" y="8915400"/>
+            <a:off x="2577237" y="8991600"/>
             <a:ext cx="2217579" cy="152400"/>
           </a:xfrm>
           <a:prstGeom prst="bentConnector2">
@@ -8008,8 +8105,8 @@
         </p:nvSpPr>
         <p:spPr>
           <a:xfrm>
-            <a:off x="907170" y="4953000"/>
-            <a:ext cx="1231812" cy="240066"/>
+            <a:off x="1494938" y="5763601"/>
+            <a:ext cx="1231812" cy="424732"/>
           </a:xfrm>
           <a:prstGeom prst="rect">
             <a:avLst/>
@@ -8031,7 +8128,22 @@
               <a:rPr lang="en-US" sz="1200" i="1" dirty="0" smtClean="0">
                 <a:latin typeface="Arial"/>
               </a:rPr>
-              <a:t>Two ways to do it</a:t>
+              <a:t>Symbol Lookup:</a:t>
+            </a:r>
+          </a:p>
+          <a:p>
+            <a:pPr algn="ctr"/>
+            <a:r>
+              <a:rPr lang="en-US" sz="1200" i="1" dirty="0" smtClean="0">
+                <a:latin typeface="Arial"/>
+              </a:rPr>
+              <a:t>Two </a:t>
+            </a:r>
+            <a:r>
+              <a:rPr lang="en-US" sz="1200" i="1" dirty="0" smtClean="0">
+                <a:latin typeface="Arial"/>
+              </a:rPr>
+              <a:t>ways to do it</a:t>
             </a:r>
             <a:endParaRPr lang="en-US" sz="1200" i="1" dirty="0">
               <a:latin typeface="Arial"/>
@@ -8047,7 +8159,7 @@
         </p:nvSpPr>
         <p:spPr>
           <a:xfrm>
-            <a:off x="2667000" y="5638800"/>
+            <a:off x="5000137" y="5638800"/>
             <a:ext cx="985141" cy="424732"/>
           </a:xfrm>
           <a:prstGeom prst="rect">
@@ -8095,7 +8207,7 @@
         </p:nvCxnSpPr>
         <p:spPr>
           <a:xfrm>
-            <a:off x="2648437" y="5686683"/>
+            <a:off x="4981574" y="5686683"/>
             <a:ext cx="0" cy="152400"/>
           </a:xfrm>
           <a:prstGeom prst="straightConnector1">
@@ -8132,7 +8244,7 @@
         </p:nvCxnSpPr>
         <p:spPr>
           <a:xfrm rot="16200000">
-            <a:off x="3762863" y="5883533"/>
+            <a:off x="6096000" y="5883533"/>
             <a:ext cx="0" cy="152400"/>
           </a:xfrm>
           <a:prstGeom prst="straightConnector1">
@@ -8185,6 +8297,470 @@
           </a:p>
         </p:txBody>
       </p:sp>
+      <p:sp>
+        <p:nvSpPr>
+          <p:cNvPr id="104" name="Rectangle 103"/>
+          <p:cNvSpPr/>
+          <p:nvPr/>
+        </p:nvSpPr>
+        <p:spPr>
+          <a:xfrm>
+            <a:off x="6096000" y="7239000"/>
+            <a:ext cx="844982" cy="2209800"/>
+          </a:xfrm>
+          <a:prstGeom prst="rect">
+            <a:avLst/>
+          </a:prstGeom>
+          <a:solidFill>
+            <a:srgbClr val="FFFFFF"/>
+          </a:solidFill>
+          <a:ln w="9525">
+            <a:solidFill>
+              <a:srgbClr val="000000"/>
+            </a:solidFill>
+            <a:prstDash val="solid"/>
+          </a:ln>
+          <a:effectLst>
+            <a:outerShdw dist="38099" dir="2700015">
+              <a:srgbClr val="000000"/>
+            </a:outerShdw>
+          </a:effectLst>
+        </p:spPr>
+        <p:style>
+          <a:lnRef idx="2">
+            <a:schemeClr val="accent1">
+              <a:shade val="50000"/>
+            </a:schemeClr>
+          </a:lnRef>
+          <a:fillRef idx="1">
+            <a:schemeClr val="accent1"/>
+          </a:fillRef>
+          <a:effectRef idx="0">
+            <a:schemeClr val="accent1"/>
+          </a:effectRef>
+          <a:fontRef idx="minor">
+            <a:schemeClr val="lt1"/>
+          </a:fontRef>
+        </p:style>
+        <p:txBody>
+          <a:bodyPr rtlCol="0" anchor="t" anchorCtr="0"/>
+          <a:lstStyle/>
+          <a:p>
+            <a:pPr algn="ctr"/>
+            <a:r>
+              <a:rPr lang="en-US" sz="1600" dirty="0" err="1" smtClean="0">
+                <a:solidFill>
+                  <a:schemeClr val="tx1"/>
+                </a:solidFill>
+                <a:latin typeface="Arial Narrow" pitchFamily="34" charset="0"/>
+                <a:cs typeface="Arial" pitchFamily="34" charset="0"/>
+              </a:rPr>
+              <a:t>recurse</a:t>
+            </a:r>
+            <a:endParaRPr lang="en-US" sz="1600" dirty="0">
+              <a:solidFill>
+                <a:schemeClr val="tx1"/>
+              </a:solidFill>
+              <a:latin typeface="Arial Narrow" pitchFamily="34" charset="0"/>
+              <a:cs typeface="Arial" pitchFamily="34" charset="0"/>
+            </a:endParaRPr>
+          </a:p>
+        </p:txBody>
+      </p:sp>
+      <p:sp>
+        <p:nvSpPr>
+          <p:cNvPr id="105" name="Rectangle 104"/>
+          <p:cNvSpPr/>
+          <p:nvPr/>
+        </p:nvSpPr>
+        <p:spPr>
+          <a:xfrm>
+            <a:off x="6166415" y="8077200"/>
+            <a:ext cx="704152" cy="304800"/>
+          </a:xfrm>
+          <a:prstGeom prst="rect">
+            <a:avLst/>
+          </a:prstGeom>
+          <a:solidFill>
+            <a:srgbClr val="FFFFFF"/>
+          </a:solidFill>
+          <a:ln w="9525">
+            <a:solidFill>
+              <a:srgbClr val="000000"/>
+            </a:solidFill>
+            <a:prstDash val="solid"/>
+          </a:ln>
+          <a:effectLst>
+            <a:outerShdw dist="38099" dir="2700015">
+              <a:srgbClr val="000000"/>
+            </a:outerShdw>
+          </a:effectLst>
+        </p:spPr>
+        <p:style>
+          <a:lnRef idx="2">
+            <a:schemeClr val="accent1">
+              <a:shade val="50000"/>
+            </a:schemeClr>
+          </a:lnRef>
+          <a:fillRef idx="1">
+            <a:schemeClr val="accent1"/>
+          </a:fillRef>
+          <a:effectRef idx="0">
+            <a:schemeClr val="accent1"/>
+          </a:effectRef>
+          <a:fontRef idx="minor">
+            <a:schemeClr val="lt1"/>
+          </a:fontRef>
+        </p:style>
+        <p:txBody>
+          <a:bodyPr rtlCol="0" anchor="ctr"/>
+          <a:lstStyle/>
+          <a:p>
+            <a:pPr algn="ctr"/>
+            <a:r>
+              <a:rPr lang="en-US" sz="1600" dirty="0" err="1" smtClean="0">
+                <a:solidFill>
+                  <a:schemeClr val="tx1"/>
+                </a:solidFill>
+                <a:latin typeface="Arial Narrow" pitchFamily="34" charset="0"/>
+                <a:cs typeface="Arial" pitchFamily="34" charset="0"/>
+              </a:rPr>
+              <a:t>baz</a:t>
+            </a:r>
+            <a:endParaRPr lang="en-US" sz="1600" dirty="0">
+              <a:solidFill>
+                <a:schemeClr val="tx1"/>
+              </a:solidFill>
+              <a:latin typeface="Arial Narrow" pitchFamily="34" charset="0"/>
+              <a:cs typeface="Arial" pitchFamily="34" charset="0"/>
+            </a:endParaRPr>
+          </a:p>
+        </p:txBody>
+      </p:sp>
+      <p:sp>
+        <p:nvSpPr>
+          <p:cNvPr id="107" name="Rectangle 106"/>
+          <p:cNvSpPr/>
+          <p:nvPr/>
+        </p:nvSpPr>
+        <p:spPr>
+          <a:xfrm>
+            <a:off x="6166415" y="8534400"/>
+            <a:ext cx="704152" cy="304800"/>
+          </a:xfrm>
+          <a:prstGeom prst="rect">
+            <a:avLst/>
+          </a:prstGeom>
+          <a:solidFill>
+            <a:srgbClr val="FFFFFF"/>
+          </a:solidFill>
+          <a:ln w="9525">
+            <a:solidFill>
+              <a:srgbClr val="000000"/>
+            </a:solidFill>
+            <a:prstDash val="solid"/>
+          </a:ln>
+          <a:effectLst>
+            <a:outerShdw dist="38099" dir="2700015">
+              <a:srgbClr val="000000"/>
+            </a:outerShdw>
+          </a:effectLst>
+        </p:spPr>
+        <p:style>
+          <a:lnRef idx="2">
+            <a:schemeClr val="accent1">
+              <a:shade val="50000"/>
+            </a:schemeClr>
+          </a:lnRef>
+          <a:fillRef idx="1">
+            <a:schemeClr val="accent1"/>
+          </a:fillRef>
+          <a:effectRef idx="0">
+            <a:schemeClr val="accent1"/>
+          </a:effectRef>
+          <a:fontRef idx="minor">
+            <a:schemeClr val="lt1"/>
+          </a:fontRef>
+        </p:style>
+        <p:txBody>
+          <a:bodyPr rtlCol="0" anchor="ctr"/>
+          <a:lstStyle/>
+          <a:p>
+            <a:pPr algn="ctr"/>
+            <a:r>
+              <a:rPr lang="en-US" sz="1600" dirty="0" err="1" smtClean="0">
+                <a:solidFill>
+                  <a:schemeClr val="tx1"/>
+                </a:solidFill>
+                <a:latin typeface="Arial Narrow" pitchFamily="34" charset="0"/>
+                <a:cs typeface="Arial" pitchFamily="34" charset="0"/>
+              </a:rPr>
+              <a:t>quux</a:t>
+            </a:r>
+            <a:endParaRPr lang="en-US" sz="1600" dirty="0">
+              <a:solidFill>
+                <a:schemeClr val="tx1"/>
+              </a:solidFill>
+              <a:latin typeface="Arial Narrow" pitchFamily="34" charset="0"/>
+              <a:cs typeface="Arial" pitchFamily="34" charset="0"/>
+            </a:endParaRPr>
+          </a:p>
+        </p:txBody>
+      </p:sp>
+      <p:sp>
+        <p:nvSpPr>
+          <p:cNvPr id="108" name="Rectangle 107"/>
+          <p:cNvSpPr/>
+          <p:nvPr/>
+        </p:nvSpPr>
+        <p:spPr>
+          <a:xfrm>
+            <a:off x="6166415" y="7620000"/>
+            <a:ext cx="704152" cy="304800"/>
+          </a:xfrm>
+          <a:prstGeom prst="rect">
+            <a:avLst/>
+          </a:prstGeom>
+          <a:solidFill>
+            <a:srgbClr val="FFFFFF"/>
+          </a:solidFill>
+          <a:ln w="9525">
+            <a:solidFill>
+              <a:srgbClr val="000000"/>
+            </a:solidFill>
+            <a:prstDash val="solid"/>
+          </a:ln>
+          <a:effectLst>
+            <a:outerShdw dist="38099" dir="2700015">
+              <a:srgbClr val="000000"/>
+            </a:outerShdw>
+          </a:effectLst>
+        </p:spPr>
+        <p:style>
+          <a:lnRef idx="2">
+            <a:schemeClr val="accent1">
+              <a:shade val="50000"/>
+            </a:schemeClr>
+          </a:lnRef>
+          <a:fillRef idx="1">
+            <a:schemeClr val="accent1"/>
+          </a:fillRef>
+          <a:effectRef idx="0">
+            <a:schemeClr val="accent1"/>
+          </a:effectRef>
+          <a:fontRef idx="minor">
+            <a:schemeClr val="lt1"/>
+          </a:fontRef>
+        </p:style>
+        <p:txBody>
+          <a:bodyPr lIns="0" rIns="0" rtlCol="0" anchor="ctr"/>
+          <a:lstStyle/>
+          <a:p>
+            <a:pPr algn="ctr"/>
+            <a:r>
+              <a:rPr lang="en-US" sz="1600" dirty="0" smtClean="0">
+                <a:solidFill>
+                  <a:schemeClr val="tx1"/>
+                </a:solidFill>
+                <a:latin typeface="Arial Narrow" pitchFamily="34" charset="0"/>
+                <a:cs typeface="Arial" pitchFamily="34" charset="0"/>
+              </a:rPr>
+              <a:t>dynamic</a:t>
+            </a:r>
+            <a:endParaRPr lang="en-US" sz="1600" dirty="0">
+              <a:solidFill>
+                <a:schemeClr val="tx1"/>
+              </a:solidFill>
+              <a:latin typeface="Arial Narrow" pitchFamily="34" charset="0"/>
+              <a:cs typeface="Arial" pitchFamily="34" charset="0"/>
+            </a:endParaRPr>
+          </a:p>
+        </p:txBody>
+      </p:sp>
+      <p:cxnSp>
+        <p:nvCxnSpPr>
+          <p:cNvPr id="110" name="Straight Arrow Connector 53"/>
+          <p:cNvCxnSpPr>
+            <a:stCxn id="108" idx="1"/>
+            <a:endCxn id="83" idx="3"/>
+          </p:cNvCxnSpPr>
+          <p:nvPr/>
+        </p:nvCxnSpPr>
+        <p:spPr>
+          <a:xfrm rot="10800000" flipV="1">
+            <a:off x="5569383" y="7772400"/>
+            <a:ext cx="597033" cy="571500"/>
+          </a:xfrm>
+          <a:prstGeom prst="bentConnector3">
+            <a:avLst>
+              <a:gd name="adj1" fmla="val 50000"/>
+            </a:avLst>
+          </a:prstGeom>
+          <a:ln w="9525">
+            <a:solidFill>
+              <a:srgbClr val="000000"/>
+            </a:solidFill>
+            <a:prstDash val="solid"/>
+            <a:tailEnd type="triangle" w="med" len="med"/>
+          </a:ln>
+        </p:spPr>
+        <p:style>
+          <a:lnRef idx="1">
+            <a:schemeClr val="accent1"/>
+          </a:lnRef>
+          <a:fillRef idx="0">
+            <a:schemeClr val="accent1"/>
+          </a:fillRef>
+          <a:effectRef idx="0">
+            <a:schemeClr val="accent1"/>
+          </a:effectRef>
+          <a:fontRef idx="minor">
+            <a:schemeClr val="tx1"/>
+          </a:fontRef>
+        </p:style>
+      </p:cxnSp>
+      <p:sp>
+        <p:nvSpPr>
+          <p:cNvPr id="111" name="Rectangle 110"/>
+          <p:cNvSpPr/>
+          <p:nvPr/>
+        </p:nvSpPr>
+        <p:spPr>
+          <a:xfrm>
+            <a:off x="6166415" y="8991600"/>
+            <a:ext cx="704152" cy="304800"/>
+          </a:xfrm>
+          <a:prstGeom prst="rect">
+            <a:avLst/>
+          </a:prstGeom>
+          <a:solidFill>
+            <a:srgbClr val="FFFFFF"/>
+          </a:solidFill>
+          <a:ln w="9525">
+            <a:solidFill>
+              <a:srgbClr val="000000"/>
+            </a:solidFill>
+            <a:prstDash val="solid"/>
+          </a:ln>
+          <a:effectLst>
+            <a:outerShdw dist="38099" dir="2700015">
+              <a:srgbClr val="000000"/>
+            </a:outerShdw>
+          </a:effectLst>
+        </p:spPr>
+        <p:style>
+          <a:lnRef idx="2">
+            <a:schemeClr val="accent1">
+              <a:shade val="50000"/>
+            </a:schemeClr>
+          </a:lnRef>
+          <a:fillRef idx="1">
+            <a:schemeClr val="accent1"/>
+          </a:fillRef>
+          <a:effectRef idx="0">
+            <a:schemeClr val="accent1"/>
+          </a:effectRef>
+          <a:fontRef idx="minor">
+            <a:schemeClr val="lt1"/>
+          </a:fontRef>
+        </p:style>
+        <p:txBody>
+          <a:bodyPr lIns="0" rIns="0" rtlCol="0" anchor="ctr"/>
+          <a:lstStyle/>
+          <a:p>
+            <a:pPr algn="ctr"/>
+            <a:r>
+              <a:rPr lang="en-US" sz="1600" dirty="0" smtClean="0">
+                <a:solidFill>
+                  <a:schemeClr val="tx1"/>
+                </a:solidFill>
+                <a:latin typeface="Arial Narrow" pitchFamily="34" charset="0"/>
+                <a:cs typeface="Arial" pitchFamily="34" charset="0"/>
+              </a:rPr>
+              <a:t>static</a:t>
+            </a:r>
+            <a:endParaRPr lang="en-US" sz="1600" dirty="0">
+              <a:solidFill>
+                <a:schemeClr val="tx1"/>
+              </a:solidFill>
+              <a:latin typeface="Arial Narrow" pitchFamily="34" charset="0"/>
+              <a:cs typeface="Arial" pitchFamily="34" charset="0"/>
+            </a:endParaRPr>
+          </a:p>
+        </p:txBody>
+      </p:sp>
+      <p:cxnSp>
+        <p:nvCxnSpPr>
+          <p:cNvPr id="115" name="Straight Arrow Connector 114"/>
+          <p:cNvCxnSpPr/>
+          <p:nvPr/>
+        </p:nvCxnSpPr>
+        <p:spPr>
+          <a:xfrm>
+            <a:off x="914400" y="2667000"/>
+            <a:ext cx="5867400" cy="0"/>
+          </a:xfrm>
+          <a:prstGeom prst="straightConnector1">
+            <a:avLst/>
+          </a:prstGeom>
+          <a:ln w="9525">
+            <a:solidFill>
+              <a:srgbClr val="000000"/>
+            </a:solidFill>
+            <a:prstDash val="lgDashDot"/>
+          </a:ln>
+        </p:spPr>
+        <p:style>
+          <a:lnRef idx="1">
+            <a:schemeClr val="accent1"/>
+          </a:lnRef>
+          <a:fillRef idx="0">
+            <a:schemeClr val="accent1"/>
+          </a:fillRef>
+          <a:effectRef idx="0">
+            <a:schemeClr val="accent1"/>
+          </a:effectRef>
+          <a:fontRef idx="minor">
+            <a:schemeClr val="tx1"/>
+          </a:fontRef>
+        </p:style>
+      </p:cxnSp>
+      <p:cxnSp>
+        <p:nvCxnSpPr>
+          <p:cNvPr id="118" name="Straight Arrow Connector 117"/>
+          <p:cNvCxnSpPr/>
+          <p:nvPr/>
+        </p:nvCxnSpPr>
+        <p:spPr>
+          <a:xfrm>
+            <a:off x="914400" y="5334000"/>
+            <a:ext cx="5867400" cy="0"/>
+          </a:xfrm>
+          <a:prstGeom prst="straightConnector1">
+            <a:avLst/>
+          </a:prstGeom>
+          <a:ln w="9525">
+            <a:solidFill>
+              <a:srgbClr val="000000"/>
+            </a:solidFill>
+            <a:prstDash val="lgDashDot"/>
+          </a:ln>
+        </p:spPr>
+        <p:style>
+          <a:lnRef idx="1">
+            <a:schemeClr val="accent1"/>
+          </a:lnRef>
+          <a:fillRef idx="0">
+            <a:schemeClr val="accent1"/>
+          </a:fillRef>
+          <a:effectRef idx="0">
+            <a:schemeClr val="accent1"/>
+          </a:effectRef>
+          <a:fontRef idx="minor">
+            <a:schemeClr val="tx1"/>
+          </a:fontRef>
+        </p:style>
+      </p:cxnSp>
     </p:spTree>
   </p:cSld>
   <p:clrMapOvr>
@@ -8218,7 +8794,7 @@
         </p:nvSpPr>
         <p:spPr>
           <a:xfrm>
-            <a:off x="2819400" y="1524000"/>
+            <a:off x="2819400" y="979336"/>
             <a:ext cx="1956561" cy="240066"/>
           </a:xfrm>
           <a:prstGeom prst="rect">
@@ -8257,7 +8833,7 @@
         </p:nvSpPr>
         <p:spPr>
           <a:xfrm>
-            <a:off x="1922311" y="2678466"/>
+            <a:off x="1922311" y="4071068"/>
             <a:ext cx="3750771" cy="240066"/>
           </a:xfrm>
           <a:prstGeom prst="rect">
@@ -8296,7 +8872,7 @@
         </p:nvSpPr>
         <p:spPr>
           <a:xfrm>
-            <a:off x="1583497" y="3429000"/>
+            <a:off x="1583497" y="5736002"/>
             <a:ext cx="4428393" cy="240066"/>
           </a:xfrm>
           <a:prstGeom prst="rect">
@@ -8335,7 +8911,7 @@
         </p:nvSpPr>
         <p:spPr>
           <a:xfrm>
-            <a:off x="1922311" y="2918532"/>
+            <a:off x="1922311" y="4311134"/>
             <a:ext cx="4831451" cy="240066"/>
           </a:xfrm>
           <a:prstGeom prst="rect">
@@ -8373,7 +8949,7 @@
         </p:nvSpPr>
         <p:spPr>
           <a:xfrm>
-            <a:off x="1664070" y="3669066"/>
+            <a:off x="1664070" y="5976068"/>
             <a:ext cx="4827540" cy="424732"/>
           </a:xfrm>
           <a:prstGeom prst="rect">
@@ -8419,8 +8995,8 @@
         </p:nvSpPr>
         <p:spPr>
           <a:xfrm>
-            <a:off x="1359270" y="1764066"/>
-            <a:ext cx="4389215" cy="609398"/>
+            <a:off x="762000" y="1219200"/>
+            <a:ext cx="6132513" cy="794064"/>
           </a:xfrm>
           <a:prstGeom prst="rect">
             <a:avLst/>
@@ -8437,6 +9013,10 @@
           </a:bodyPr>
           <a:lstStyle/>
           <a:p>
+            <a:pPr>
+              <a:buFont typeface="Arial" pitchFamily="34" charset="0"/>
+              <a:buChar char="•"/>
+            </a:pPr>
             <a:r>
               <a:rPr lang="en-US" sz="1200" dirty="0" smtClean="0">
                 <a:latin typeface="Arial"/>
@@ -8445,31 +9025,48 @@
             </a:r>
           </a:p>
           <a:p>
+            <a:pPr>
+              <a:buFont typeface="Arial" pitchFamily="34" charset="0"/>
+              <a:buChar char="•"/>
+            </a:pPr>
             <a:r>
               <a:rPr lang="en-US" sz="1200" dirty="0" smtClean="0">
                 <a:latin typeface="Arial"/>
               </a:rPr>
-              <a:t>The implementation language’s stack vs. your program’s stack</a:t>
-            </a:r>
-          </a:p>
-          <a:p>
+              <a:t>The implementation language’s stack vs. your program’s </a:t>
+            </a:r>
             <a:r>
               <a:rPr lang="en-US" sz="1200" dirty="0" smtClean="0">
                 <a:latin typeface="Arial"/>
               </a:rPr>
-              <a:t>The implementation language’s </a:t>
-            </a:r>
+              <a:t>stack</a:t>
+            </a:r>
+          </a:p>
+          <a:p>
+            <a:pPr lvl="1">
+              <a:buFont typeface="Arial" pitchFamily="34" charset="0"/>
+              <a:buChar char="•"/>
+            </a:pPr>
             <a:r>
               <a:rPr lang="en-US" sz="1200" dirty="0" smtClean="0">
                 <a:latin typeface="Arial"/>
               </a:rPr>
-              <a:t>scope vs</a:t>
-            </a:r>
+              <a:t>E.g., do you use the implementation language’s stack or provide your own stack?</a:t>
+            </a:r>
+            <a:endParaRPr lang="en-US" sz="1200" dirty="0" smtClean="0">
+              <a:latin typeface="Arial"/>
+            </a:endParaRPr>
+          </a:p>
+          <a:p>
+            <a:pPr>
+              <a:buFont typeface="Arial" pitchFamily="34" charset="0"/>
+              <a:buChar char="•"/>
+            </a:pPr>
             <a:r>
               <a:rPr lang="en-US" sz="1200" dirty="0" smtClean="0">
                 <a:latin typeface="Arial"/>
               </a:rPr>
-              <a:t>. your program’s </a:t>
+              <a:t>The implementation language’s scope vs. your program’s </a:t>
             </a:r>
             <a:r>
               <a:rPr lang="en-US" sz="1200" dirty="0" smtClean="0">
@@ -8504,6 +9101,204 @@
               <a:t>2</a:t>
             </a:fld>
             <a:endParaRPr lang="en-US"/>
+          </a:p>
+        </p:txBody>
+      </p:sp>
+      <p:sp>
+        <p:nvSpPr>
+          <p:cNvPr id="11" name="TextBox 10"/>
+          <p:cNvSpPr txBox="1"/>
+          <p:nvPr/>
+        </p:nvSpPr>
+        <p:spPr>
+          <a:xfrm>
+            <a:off x="2904104" y="2438400"/>
+            <a:ext cx="1787157" cy="240066"/>
+          </a:xfrm>
+          <a:prstGeom prst="rect">
+            <a:avLst/>
+          </a:prstGeom>
+          <a:noFill/>
+          <a:ln w="9525">
+            <a:noFill/>
+            <a:prstDash val="solid"/>
+          </a:ln>
+        </p:spPr>
+        <p:txBody>
+          <a:bodyPr vert="horz" wrap="none" lIns="27432" tIns="27432" rIns="27432" bIns="27432" rtlCol="0" anchor="ctr" anchorCtr="0">
+            <a:spAutoFit/>
+          </a:bodyPr>
+          <a:lstStyle/>
+          <a:p>
+            <a:pPr algn="ctr"/>
+            <a:r>
+              <a:rPr lang="en-US" sz="1200" i="1" dirty="0" smtClean="0">
+                <a:latin typeface="Arial"/>
+              </a:rPr>
+              <a:t>Parse Time vs. Run Time</a:t>
+            </a:r>
+            <a:endParaRPr lang="en-US" sz="1200" i="1" dirty="0">
+              <a:latin typeface="Arial"/>
+            </a:endParaRPr>
+          </a:p>
+        </p:txBody>
+      </p:sp>
+      <p:sp>
+        <p:nvSpPr>
+          <p:cNvPr id="12" name="TextBox 11"/>
+          <p:cNvSpPr txBox="1"/>
+          <p:nvPr/>
+        </p:nvSpPr>
+        <p:spPr>
+          <a:xfrm>
+            <a:off x="762000" y="2678264"/>
+            <a:ext cx="6032998" cy="424732"/>
+          </a:xfrm>
+          <a:prstGeom prst="rect">
+            <a:avLst/>
+          </a:prstGeom>
+          <a:noFill/>
+          <a:ln w="9525">
+            <a:noFill/>
+            <a:prstDash val="solid"/>
+          </a:ln>
+        </p:spPr>
+        <p:txBody>
+          <a:bodyPr vert="horz" wrap="none" lIns="27432" tIns="27432" rIns="27432" bIns="27432" rtlCol="0" anchor="t" anchorCtr="0">
+            <a:spAutoFit/>
+          </a:bodyPr>
+          <a:lstStyle/>
+          <a:p>
+            <a:pPr>
+              <a:buFont typeface="Arial" pitchFamily="34" charset="0"/>
+              <a:buChar char="•"/>
+            </a:pPr>
+            <a:r>
+              <a:rPr lang="en-US" sz="1200" dirty="0" smtClean="0">
+                <a:latin typeface="Arial"/>
+              </a:rPr>
+              <a:t>The nested symbol structure you build at parse time is similar to a runtime stack.</a:t>
+            </a:r>
+          </a:p>
+          <a:p>
+            <a:pPr>
+              <a:buFont typeface="Arial" pitchFamily="34" charset="0"/>
+              <a:buChar char="•"/>
+            </a:pPr>
+            <a:r>
+              <a:rPr lang="en-US" sz="1200" dirty="0" smtClean="0">
+                <a:latin typeface="Arial"/>
+              </a:rPr>
+              <a:t>But any given nesting level at parse time can repeat many times at runtime – recursion.</a:t>
+            </a:r>
+            <a:endParaRPr lang="en-US" sz="1200" dirty="0">
+              <a:latin typeface="Arial"/>
+            </a:endParaRPr>
+          </a:p>
+        </p:txBody>
+      </p:sp>
+      <p:sp>
+        <p:nvSpPr>
+          <p:cNvPr id="13" name="TextBox 12"/>
+          <p:cNvSpPr txBox="1"/>
+          <p:nvPr/>
+        </p:nvSpPr>
+        <p:spPr>
+          <a:xfrm>
+            <a:off x="2816213" y="7760934"/>
+            <a:ext cx="1962974" cy="240066"/>
+          </a:xfrm>
+          <a:prstGeom prst="rect">
+            <a:avLst/>
+          </a:prstGeom>
+          <a:noFill/>
+          <a:ln w="9525">
+            <a:noFill/>
+            <a:prstDash val="solid"/>
+          </a:ln>
+        </p:spPr>
+        <p:txBody>
+          <a:bodyPr vert="horz" wrap="none" lIns="27432" tIns="27432" rIns="27432" bIns="27432" rtlCol="0" anchor="ctr" anchorCtr="0">
+            <a:spAutoFit/>
+          </a:bodyPr>
+          <a:lstStyle/>
+          <a:p>
+            <a:pPr algn="ctr"/>
+            <a:r>
+              <a:rPr lang="en-US" sz="1200" i="1" dirty="0" smtClean="0">
+                <a:latin typeface="Arial"/>
+              </a:rPr>
+              <a:t>Error handling and reporting</a:t>
+            </a:r>
+            <a:endParaRPr lang="en-US" sz="1200" i="1" dirty="0">
+              <a:latin typeface="Arial"/>
+            </a:endParaRPr>
+          </a:p>
+        </p:txBody>
+      </p:sp>
+      <p:sp>
+        <p:nvSpPr>
+          <p:cNvPr id="14" name="TextBox 13"/>
+          <p:cNvSpPr txBox="1"/>
+          <p:nvPr/>
+        </p:nvSpPr>
+        <p:spPr>
+          <a:xfrm>
+            <a:off x="1664070" y="8001000"/>
+            <a:ext cx="3963521" cy="609398"/>
+          </a:xfrm>
+          <a:prstGeom prst="rect">
+            <a:avLst/>
+          </a:prstGeom>
+          <a:noFill/>
+          <a:ln w="9525">
+            <a:noFill/>
+            <a:prstDash val="solid"/>
+          </a:ln>
+        </p:spPr>
+        <p:txBody>
+          <a:bodyPr vert="horz" wrap="none" lIns="27432" tIns="27432" rIns="27432" bIns="27432" rtlCol="0" anchor="t" anchorCtr="0">
+            <a:spAutoFit/>
+          </a:bodyPr>
+          <a:lstStyle/>
+          <a:p>
+            <a:pPr>
+              <a:buFont typeface="Arial" pitchFamily="34" charset="0"/>
+              <a:buChar char="•"/>
+            </a:pPr>
+            <a:r>
+              <a:rPr lang="en-US" sz="1200" dirty="0" smtClean="0">
+                <a:latin typeface="Arial"/>
+              </a:rPr>
+              <a:t>Recovering gracefully from errors in your implementation</a:t>
+            </a:r>
+          </a:p>
+          <a:p>
+            <a:pPr>
+              <a:buFont typeface="Arial" pitchFamily="34" charset="0"/>
+              <a:buChar char="•"/>
+            </a:pPr>
+            <a:r>
+              <a:rPr lang="en-US" sz="1200" dirty="0" smtClean="0">
+                <a:latin typeface="Arial"/>
+              </a:rPr>
+              <a:t>Reporting errors in the program being interpreted</a:t>
+            </a:r>
+          </a:p>
+          <a:p>
+            <a:pPr>
+              <a:buFont typeface="Arial" pitchFamily="34" charset="0"/>
+              <a:buChar char="•"/>
+            </a:pPr>
+            <a:r>
+              <a:rPr lang="en-US" sz="1200" dirty="0" smtClean="0">
+                <a:latin typeface="Arial"/>
+              </a:rPr>
+              <a:t>How to totally confuse your users (or preferably not)</a:t>
+            </a:r>
+            <a:endParaRPr lang="en-US" sz="1200" dirty="0">
+              <a:latin typeface="Arial"/>
+            </a:endParaRPr>
           </a:p>
         </p:txBody>
       </p:sp>
